--- a/project_report/project_presentation_II.pptx
+++ b/project_report/project_presentation_II.pptx
@@ -7,10 +7,10 @@
     <p:sldMasterId id="2147483829" r:id="rId3"/>
   </p:sldMasterIdLst>
   <p:notesMasterIdLst>
-    <p:notesMasterId r:id="rId24"/>
+    <p:notesMasterId r:id="rId25"/>
   </p:notesMasterIdLst>
   <p:handoutMasterIdLst>
-    <p:handoutMasterId r:id="rId25"/>
+    <p:handoutMasterId r:id="rId26"/>
   </p:handoutMasterIdLst>
   <p:sldIdLst>
     <p:sldId id="256" r:id="rId4"/>
@@ -31,8 +31,9 @@
     <p:sldId id="293" r:id="rId19"/>
     <p:sldId id="260" r:id="rId20"/>
     <p:sldId id="286" r:id="rId21"/>
-    <p:sldId id="285" r:id="rId22"/>
-    <p:sldId id="288" r:id="rId23"/>
+    <p:sldId id="294" r:id="rId22"/>
+    <p:sldId id="285" r:id="rId23"/>
+    <p:sldId id="288" r:id="rId24"/>
   </p:sldIdLst>
   <p:sldSz cx="12192000" cy="6858000"/>
   <p:notesSz cx="6858000" cy="9144000"/>
@@ -11550,7 +11551,7 @@
         </p:nvSpPr>
         <p:spPr>
           <a:xfrm>
-            <a:off x="944373" y="751490"/>
+            <a:off x="959342" y="660209"/>
             <a:ext cx="10273315" cy="683172"/>
           </a:xfrm>
         </p:spPr>
@@ -11580,7 +11581,7 @@
         </p:nvSpPr>
         <p:spPr>
           <a:xfrm>
-            <a:off x="559589" y="1434662"/>
+            <a:off x="568798" y="1617224"/>
             <a:ext cx="5724101" cy="4921688"/>
           </a:xfrm>
           <a:pattFill prst="pct5">
@@ -11708,14 +11709,14 @@
             </a:pPr>
             <a:r>
               <a:rPr lang="en-US" dirty="0" err="1"/>
-              <a:t>purchaseamount_avg</a:t>
+              <a:t>total_trans_purchaseamount_avg</a:t>
             </a:r>
             <a:r>
               <a:rPr lang="en-US" dirty="0"/>
               <a:t> </a:t>
             </a:r>
             <a:r>
-              <a:rPr lang="en-US" dirty="0" err="1" smtClean="0"/>
+              <a:rPr lang="en-US" dirty="0" err="1"/>
               <a:t>purchaseamount_category_avg</a:t>
             </a:r>
             <a:endParaRPr lang="en-US" dirty="0" smtClean="0"/>
@@ -11726,7 +11727,7 @@
               <a:buChar char="Ø"/>
             </a:pPr>
             <a:r>
-              <a:rPr lang="en-US" dirty="0" err="1" smtClean="0"/>
+              <a:rPr lang="en-US" dirty="0" err="1"/>
               <a:t>total_transactions_count</a:t>
             </a:r>
             <a:endParaRPr lang="en-US" dirty="0" smtClean="0"/>
@@ -11821,8 +11822,8 @@
         </p:nvSpPr>
         <p:spPr>
           <a:xfrm>
-            <a:off x="6442841" y="1434662"/>
-            <a:ext cx="5391807" cy="4524315"/>
+            <a:off x="5917323" y="1434662"/>
+            <a:ext cx="5917325" cy="3816429"/>
           </a:xfrm>
           <a:prstGeom prst="rect">
             <a:avLst/>
@@ -11840,21 +11841,21 @@
               <a:buChar char="Ø"/>
             </a:pPr>
             <a:r>
-              <a:rPr lang="en-US" dirty="0"/>
-              <a:t>[1,3,9,12]_</a:t>
-            </a:r>
-            <a:r>
-              <a:rPr lang="en-US" dirty="0" err="1"/>
+              <a:rPr lang="en-US" sz="2200" dirty="0"/>
+              <a:t>[1,3,6,9,12]_</a:t>
+            </a:r>
+            <a:r>
+              <a:rPr lang="en-US" sz="2200" dirty="0" err="1" smtClean="0"/>
               <a:t>month_total_purchase_amt</a:t>
             </a:r>
-            <a:endParaRPr lang="en-US" dirty="0"/>
+            <a:endParaRPr lang="en-US" sz="2200" dirty="0" smtClean="0"/>
           </a:p>
           <a:p>
             <a:pPr marL="285750" indent="-285750">
               <a:buFont typeface="Wingdings" charset="2"/>
               <a:buChar char="Ø"/>
             </a:pPr>
-            <a:endParaRPr lang="en-US" dirty="0" smtClean="0"/>
+            <a:endParaRPr lang="en-US" sz="2200" dirty="0" smtClean="0"/>
           </a:p>
           <a:p>
             <a:pPr marL="285750" indent="-285750">
@@ -11862,52 +11863,33 @@
               <a:buChar char="Ø"/>
             </a:pPr>
             <a:r>
-              <a:rPr lang="en-US" dirty="0" err="1" smtClean="0"/>
-              <a:t>category_purchased_count</a:t>
-            </a:r>
-            <a:r>
-              <a:rPr lang="en-US" dirty="0" smtClean="0"/>
-              <a:t>_[30,90,180,270]days           </a:t>
-            </a:r>
-            <a:r>
-              <a:rPr lang="en-US" dirty="0" err="1" smtClean="0"/>
+              <a:rPr lang="en-US" sz="2200" dirty="0" err="1"/>
               <a:t>category_purchased_amt</a:t>
             </a:r>
             <a:r>
-              <a:rPr lang="en-US" dirty="0" smtClean="0"/>
-              <a:t>_</a:t>
-            </a:r>
-            <a:r>
-              <a:rPr lang="en-US" dirty="0"/>
-              <a:t>[30,90,180,270]days</a:t>
-            </a:r>
-            <a:r>
-              <a:rPr lang="en-US" dirty="0" smtClean="0"/>
-              <a:t>             </a:t>
-            </a:r>
-            <a:r>
-              <a:rPr lang="en-US" dirty="0" err="1" smtClean="0"/>
+              <a:rPr lang="en-US" sz="2200" dirty="0"/>
+              <a:t>_[</a:t>
+            </a:r>
+            <a:r>
+              <a:rPr lang="en-US" sz="2200" dirty="0" smtClean="0"/>
+              <a:t>30,90,180,270]days </a:t>
+            </a:r>
+            <a:r>
+              <a:rPr lang="en-US" sz="2200" dirty="0" err="1" smtClean="0"/>
               <a:t>category_purchased_qty</a:t>
             </a:r>
             <a:r>
-              <a:rPr lang="en-US" dirty="0" smtClean="0"/>
-              <a:t>_</a:t>
-            </a:r>
-            <a:r>
-              <a:rPr lang="en-US" dirty="0"/>
-              <a:t>[</a:t>
-            </a:r>
-            <a:r>
-              <a:rPr lang="en-US" dirty="0" smtClean="0"/>
-              <a:t>30,90,180,270]days</a:t>
-            </a:r>
+              <a:rPr lang="en-US" sz="2200" dirty="0"/>
+              <a:t>_[30,90,180,270]days </a:t>
+            </a:r>
+            <a:endParaRPr lang="en-US" sz="2200" dirty="0" smtClean="0"/>
           </a:p>
           <a:p>
             <a:pPr marL="285750" indent="-285750">
               <a:buFont typeface="Wingdings" charset="2"/>
               <a:buChar char="Ø"/>
             </a:pPr>
-            <a:endParaRPr lang="en-US" dirty="0" smtClean="0"/>
+            <a:endParaRPr lang="en-US" sz="2200" dirty="0" smtClean="0"/>
           </a:p>
           <a:p>
             <a:pPr marL="285750" indent="-285750">
@@ -11915,51 +11897,27 @@
               <a:buChar char="Ø"/>
             </a:pPr>
             <a:r>
-              <a:rPr lang="en-US" dirty="0" err="1" smtClean="0"/>
-              <a:t>company_purchased_count</a:t>
-            </a:r>
-            <a:r>
-              <a:rPr lang="en-US" dirty="0" smtClean="0"/>
-              <a:t>_</a:t>
-            </a:r>
-            <a:r>
-              <a:rPr lang="en-US" dirty="0"/>
-              <a:t>[30,90,180,270]days</a:t>
-            </a:r>
-            <a:r>
-              <a:rPr lang="en-US" dirty="0" smtClean="0"/>
-              <a:t>            </a:t>
-            </a:r>
-            <a:r>
-              <a:rPr lang="en-US" dirty="0" err="1"/>
+              <a:rPr lang="en-US" sz="2200" dirty="0" err="1"/>
               <a:t>company_purchased_amt</a:t>
             </a:r>
             <a:r>
-              <a:rPr lang="en-US" dirty="0" smtClean="0"/>
-              <a:t>_</a:t>
-            </a:r>
-            <a:r>
-              <a:rPr lang="en-US" dirty="0"/>
-              <a:t>[30,90,180,270]days</a:t>
-            </a:r>
-            <a:r>
-              <a:rPr lang="en-US" dirty="0" smtClean="0"/>
-              <a:t>              </a:t>
-            </a:r>
-            <a:r>
-              <a:rPr lang="en-US" dirty="0" err="1"/>
+              <a:rPr lang="en-US" sz="2200" dirty="0"/>
+              <a:t>_[</a:t>
+            </a:r>
+            <a:r>
+              <a:rPr lang="en-US" sz="2200" dirty="0" smtClean="0"/>
+              <a:t>30,90,180,270]days </a:t>
+            </a:r>
+            <a:r>
+              <a:rPr lang="en-US" sz="2200" dirty="0" err="1" smtClean="0"/>
               <a:t>company_purchased_qty</a:t>
             </a:r>
             <a:r>
-              <a:rPr lang="en-US" dirty="0" smtClean="0"/>
-              <a:t>_</a:t>
-            </a:r>
-            <a:r>
-              <a:rPr lang="en-US" dirty="0"/>
-              <a:t>[</a:t>
-            </a:r>
-            <a:r>
-              <a:rPr lang="en-US" dirty="0" smtClean="0"/>
+              <a:rPr lang="en-US" sz="2200" dirty="0"/>
+              <a:t>_[</a:t>
+            </a:r>
+            <a:r>
+              <a:rPr lang="en-US" sz="2200" dirty="0" smtClean="0"/>
               <a:t>30,90,180,270]days</a:t>
             </a:r>
           </a:p>
@@ -11968,7 +11926,7 @@
               <a:buFont typeface="Wingdings" charset="2"/>
               <a:buChar char="Ø"/>
             </a:pPr>
-            <a:endParaRPr lang="en-US" dirty="0"/>
+            <a:endParaRPr lang="en-US" sz="2200" dirty="0"/>
           </a:p>
           <a:p>
             <a:pPr marL="285750" indent="-285750">
@@ -11976,79 +11934,32 @@
               <a:buChar char="Ø"/>
             </a:pPr>
             <a:r>
-              <a:rPr lang="en-US" dirty="0" err="1" smtClean="0"/>
-              <a:t>brand_purchased_count</a:t>
-            </a:r>
-            <a:r>
-              <a:rPr lang="en-US" dirty="0" smtClean="0"/>
+              <a:rPr lang="en-US" sz="2200" dirty="0" err="1"/>
+              <a:t>brand_purchased_amt</a:t>
+            </a:r>
+            <a:r>
+              <a:rPr lang="en-US" sz="2200" dirty="0"/>
               <a:t>_[</a:t>
             </a:r>
             <a:r>
-              <a:rPr lang="en-US" dirty="0"/>
-              <a:t>30,90,180,270]days</a:t>
-            </a:r>
-            <a:r>
-              <a:rPr lang="en-US" dirty="0" smtClean="0"/>
-              <a:t>              </a:t>
-            </a:r>
-            <a:r>
-              <a:rPr lang="en-US" dirty="0" err="1" smtClean="0"/>
-              <a:t>brand_purchased_amt</a:t>
-            </a:r>
-            <a:r>
-              <a:rPr lang="en-US" dirty="0" smtClean="0"/>
-              <a:t>_[</a:t>
-            </a:r>
-            <a:r>
-              <a:rPr lang="en-US" dirty="0"/>
-              <a:t>30,90,180,270]days</a:t>
-            </a:r>
-            <a:r>
-              <a:rPr lang="en-US" dirty="0" smtClean="0"/>
-              <a:t>                </a:t>
-            </a:r>
-            <a:r>
-              <a:rPr lang="en-US" dirty="0" err="1" smtClean="0"/>
+              <a:rPr lang="en-US" sz="2200" dirty="0" smtClean="0"/>
+              <a:t>30,90,180,270]days </a:t>
+            </a:r>
+            <a:r>
+              <a:rPr lang="en-US" sz="2200" dirty="0" err="1" smtClean="0"/>
               <a:t>brand_purchased_qty</a:t>
             </a:r>
             <a:r>
-              <a:rPr lang="en-US" dirty="0" smtClean="0"/>
-              <a:t>_[</a:t>
-            </a:r>
-            <a:r>
-              <a:rPr lang="en-US" dirty="0"/>
-              <a:t>30,90,180,270]days</a:t>
-            </a:r>
-            <a:endParaRPr lang="en-US" dirty="0" smtClean="0"/>
+              <a:rPr lang="en-US" sz="2200" dirty="0"/>
+              <a:t>_[30,90,180,270]days</a:t>
+            </a:r>
           </a:p>
           <a:p>
             <a:pPr marL="285750" indent="-285750">
               <a:buFont typeface="Wingdings" charset="2"/>
               <a:buChar char="Ø"/>
             </a:pPr>
-            <a:endParaRPr lang="en-US" dirty="0"/>
-          </a:p>
-          <a:p>
-            <a:pPr marL="285750" indent="-285750">
-              <a:buFont typeface="Wingdings" charset="2"/>
-              <a:buChar char="Ø"/>
-            </a:pPr>
-            <a:r>
-              <a:rPr lang="en-US" dirty="0" err="1"/>
-              <a:t>purchased_company_category_brand_count</a:t>
-            </a:r>
-            <a:r>
-              <a:rPr lang="en-US" dirty="0"/>
-              <a:t>    </a:t>
-            </a:r>
-            <a:r>
-              <a:rPr lang="en-US" dirty="0" err="1"/>
-              <a:t>purchased_company_category_count</a:t>
-            </a:r>
-            <a:r>
-              <a:rPr lang="en-US" dirty="0"/>
-              <a:t> </a:t>
-            </a:r>
+            <a:endParaRPr lang="en-US" sz="2200" dirty="0"/>
           </a:p>
         </p:txBody>
       </p:sp>
@@ -12134,14 +12045,14 @@
             <p:ph idx="1"/>
             <p:extLst>
               <p:ext uri="{D42A27DB-BD31-4B8C-83A1-F6EECF244321}">
-                <p14:modId xmlns:p14="http://schemas.microsoft.com/office/powerpoint/2010/main" val="1346495045"/>
+                <p14:modId xmlns:p14="http://schemas.microsoft.com/office/powerpoint/2010/main" val="630870357"/>
               </p:ext>
             </p:extLst>
           </p:nvPr>
         </p:nvGraphicFramePr>
         <p:xfrm>
           <a:off x="1412764" y="2732689"/>
-          <a:ext cx="9307788" cy="1005840"/>
+          <a:ext cx="9307788" cy="823544"/>
         </p:xfrm>
         <a:graphic>
           <a:graphicData uri="http://schemas.openxmlformats.org/drawingml/2006/table">
@@ -12254,7 +12165,7 @@
                     <a:p>
                       <a:r>
                         <a:rPr lang="nb-NO" dirty="0" smtClean="0"/>
-                        <a:t>0.54</a:t>
+                        <a:t>0.5225</a:t>
                       </a:r>
                       <a:endParaRPr lang="en-US" dirty="0"/>
                     </a:p>
@@ -12268,7 +12179,7 @@
                     <a:p>
                       <a:r>
                         <a:rPr lang="nb-NO" dirty="0" smtClean="0"/>
-                        <a:t>0.50</a:t>
+                        <a:t>0.5161</a:t>
                       </a:r>
                       <a:endParaRPr lang="en-US" dirty="0"/>
                     </a:p>
@@ -12299,11 +12210,8 @@
                       </a:pPr>
                       <a:r>
                         <a:rPr lang="nb-NO" dirty="0" smtClean="0"/>
-                        <a:t>0.61</a:t>
+                        <a:t>0.6118</a:t>
                       </a:r>
-                      <a:endParaRPr lang="en-US" dirty="0" smtClean="0"/>
-                    </a:p>
-                    <a:p>
                       <a:endParaRPr lang="en-US" dirty="0"/>
                     </a:p>
                   </a:txBody>
@@ -12447,6 +12355,46 @@
               <a:t>20</a:t>
             </a:r>
             <a:endParaRPr lang="en-US" dirty="0"/>
+          </a:p>
+        </p:txBody>
+      </p:sp>
+      <p:sp>
+        <p:nvSpPr>
+          <p:cNvPr id="3" name="Left Arrow 2"/>
+          <p:cNvSpPr/>
+          <p:nvPr/>
+        </p:nvSpPr>
+        <p:spPr>
+          <a:xfrm>
+            <a:off x="9280634" y="3212344"/>
+            <a:ext cx="525518" cy="140313"/>
+          </a:xfrm>
+          <a:prstGeom prst="leftArrow">
+            <a:avLst/>
+          </a:prstGeom>
+        </p:spPr>
+        <p:style>
+          <a:lnRef idx="2">
+            <a:schemeClr val="accent1">
+              <a:shade val="50000"/>
+            </a:schemeClr>
+          </a:lnRef>
+          <a:fillRef idx="1">
+            <a:schemeClr val="accent1"/>
+          </a:fillRef>
+          <a:effectRef idx="0">
+            <a:schemeClr val="accent1"/>
+          </a:effectRef>
+          <a:fontRef idx="minor">
+            <a:schemeClr val="lt1"/>
+          </a:fontRef>
+        </p:style>
+        <p:txBody>
+          <a:bodyPr rtlCol="0" anchor="ctr"/>
+          <a:lstStyle/>
+          <a:p>
+            <a:pPr algn="ctr"/>
+            <a:endParaRPr lang="en-US"/>
           </a:p>
         </p:txBody>
       </p:sp>
@@ -12579,7 +12527,7 @@
       </p:sp>
       <p:pic>
         <p:nvPicPr>
-          <p:cNvPr id="6" name="Content Placeholder 5"/>
+          <p:cNvPr id="4" name="Content Placeholder 3"/>
           <p:cNvPicPr>
             <a:picLocks noGrp="1" noChangeAspect="1"/>
           </p:cNvPicPr>
@@ -12601,8 +12549,8 @@
         </p:blipFill>
         <p:spPr>
           <a:xfrm>
-            <a:off x="764462" y="1457763"/>
-            <a:ext cx="7930385" cy="4351338"/>
+            <a:off x="779332" y="1185437"/>
+            <a:ext cx="9636420" cy="5238824"/>
           </a:xfrm>
         </p:spPr>
       </p:pic>
@@ -12665,204 +12613,24 @@
             <p:ph type="title"/>
           </p:nvPr>
         </p:nvSpPr>
-        <p:spPr/>
-        <p:txBody>
-          <a:bodyPr/>
-          <a:lstStyle/>
-          <a:p>
-            <a:r>
-              <a:rPr lang="en-US" dirty="0" smtClean="0"/>
-              <a:t>Recommendations to Clients</a:t>
-            </a:r>
-            <a:endParaRPr lang="en-US" dirty="0"/>
-          </a:p>
-        </p:txBody>
-      </p:sp>
-      <p:sp>
-        <p:nvSpPr>
-          <p:cNvPr id="3" name="Content Placeholder 2"/>
-          <p:cNvSpPr>
-            <a:spLocks noGrp="1"/>
-          </p:cNvSpPr>
-          <p:nvPr>
-            <p:ph idx="1"/>
-          </p:nvPr>
-        </p:nvSpPr>
         <p:spPr>
           <a:xfrm>
-            <a:off x="974834" y="1534511"/>
-            <a:ext cx="10810941" cy="4779262"/>
+            <a:off x="838200" y="365125"/>
+            <a:ext cx="10515600" cy="864585"/>
           </a:xfrm>
         </p:spPr>
         <p:txBody>
-          <a:bodyPr>
-            <a:normAutofit/>
-          </a:bodyPr>
-          <a:lstStyle/>
-          <a:p>
-            <a:pPr>
-              <a:buClr>
-                <a:schemeClr val="tx1"/>
-              </a:buClr>
-              <a:buFont typeface="Wingdings" charset="2"/>
-              <a:buChar char="Ø"/>
-            </a:pPr>
-            <a:r>
-              <a:rPr lang="en-US" sz="2400" dirty="0" smtClean="0"/>
-              <a:t> Factors </a:t>
-            </a:r>
-            <a:r>
-              <a:rPr lang="en-US" sz="2400" dirty="0"/>
-              <a:t>Influencing </a:t>
-            </a:r>
-            <a:r>
-              <a:rPr lang="en-US" sz="2400" dirty="0" smtClean="0"/>
-              <a:t>customers to repeat purchases</a:t>
-            </a:r>
-          </a:p>
-          <a:p>
-            <a:pPr lvl="1">
-              <a:buClr>
-                <a:schemeClr val="tx1"/>
-              </a:buClr>
-              <a:buFont typeface="Wingdings" charset="2"/>
-              <a:buChar char="§"/>
-            </a:pPr>
-            <a:r>
-              <a:rPr lang="en-US" sz="1800" dirty="0"/>
-              <a:t>Category, </a:t>
-            </a:r>
-            <a:r>
-              <a:rPr lang="en-US" sz="1800" dirty="0" smtClean="0"/>
-              <a:t>Company, </a:t>
-            </a:r>
-            <a:r>
-              <a:rPr lang="en-US" sz="1800" dirty="0"/>
-              <a:t>Brand</a:t>
-            </a:r>
-            <a:r>
-              <a:rPr lang="en-US" sz="1800" dirty="0" smtClean="0"/>
-              <a:t> of the offered product</a:t>
-            </a:r>
-          </a:p>
-          <a:p>
-            <a:pPr lvl="1">
-              <a:buClr>
-                <a:schemeClr val="tx1"/>
-              </a:buClr>
-              <a:buFont typeface="Wingdings" charset="2"/>
-              <a:buChar char="§"/>
-            </a:pPr>
-            <a:r>
-              <a:rPr lang="en-US" sz="1800" dirty="0" smtClean="0"/>
-              <a:t>Purchase History of Category, Company, Brand</a:t>
-            </a:r>
-          </a:p>
-          <a:p>
-            <a:pPr lvl="1">
-              <a:buClr>
-                <a:schemeClr val="tx1"/>
-              </a:buClr>
-              <a:buFont typeface="Wingdings" charset="2"/>
-              <a:buChar char="§"/>
-            </a:pPr>
-            <a:endParaRPr lang="en-US" sz="1800" dirty="0" smtClean="0"/>
-          </a:p>
-          <a:p>
-            <a:pPr>
-              <a:buClr>
-                <a:schemeClr val="tx1"/>
-              </a:buClr>
-              <a:buFont typeface="Wingdings" charset="2"/>
-              <a:buChar char="Ø"/>
-            </a:pPr>
+          <a:bodyPr/>
+          <a:lstStyle/>
+          <a:p>
+            <a:r>
+              <a:rPr lang="en-US" dirty="0"/>
+              <a:t>Model </a:t>
+            </a:r>
             <a:r>
               <a:rPr lang="en-US" dirty="0" smtClean="0"/>
-              <a:t> </a:t>
-            </a:r>
-            <a:r>
-              <a:rPr lang="en-US" sz="2400" dirty="0" smtClean="0"/>
-              <a:t>Recommendations to </a:t>
-            </a:r>
-            <a:r>
-              <a:rPr lang="en-US" sz="2400" dirty="0" smtClean="0"/>
-              <a:t>Companies</a:t>
-            </a:r>
-            <a:endParaRPr lang="en-US" sz="1800" dirty="0" smtClean="0"/>
-          </a:p>
-          <a:p>
-            <a:pPr lvl="1">
-              <a:buClr>
-                <a:schemeClr val="tx1"/>
-              </a:buClr>
-              <a:buFont typeface="Wingdings" charset="2"/>
-              <a:buChar char="§"/>
-            </a:pPr>
-            <a:r>
-              <a:rPr lang="en-US" sz="1800" dirty="0" smtClean="0"/>
-              <a:t>Offers </a:t>
-            </a:r>
-            <a:r>
-              <a:rPr lang="en-US" sz="1800" dirty="0" smtClean="0"/>
-              <a:t>are effective way of improving sales and retaining customers</a:t>
-            </a:r>
-            <a:endParaRPr lang="en-US" sz="1800" dirty="0" smtClean="0"/>
-          </a:p>
-          <a:p>
-            <a:pPr lvl="1">
-              <a:buClr>
-                <a:schemeClr val="tx1"/>
-              </a:buClr>
-              <a:buFont typeface="Wingdings" charset="2"/>
-              <a:buChar char="§"/>
-            </a:pPr>
-            <a:r>
-              <a:rPr lang="en-US" sz="1800" dirty="0" smtClean="0"/>
-              <a:t>Choose right </a:t>
-            </a:r>
-            <a:r>
-              <a:rPr lang="en-US" sz="1800" dirty="0" smtClean="0"/>
-              <a:t>Offer for products </a:t>
-            </a:r>
-            <a:r>
-              <a:rPr lang="en-US" sz="1800" dirty="0" smtClean="0"/>
-              <a:t>of Category, Company, Brand</a:t>
-            </a:r>
-          </a:p>
-          <a:p>
-            <a:pPr lvl="1">
-              <a:buClr>
-                <a:schemeClr val="tx1"/>
-              </a:buClr>
-              <a:buFont typeface="Wingdings" charset="2"/>
-              <a:buChar char="§"/>
-            </a:pPr>
-            <a:endParaRPr lang="en-US" dirty="0" smtClean="0"/>
-          </a:p>
-          <a:p>
-            <a:pPr lvl="1">
-              <a:buClr>
-                <a:schemeClr val="tx1"/>
-              </a:buClr>
-              <a:buFont typeface="Wingdings" charset="2"/>
-              <a:buChar char="Ø"/>
-            </a:pPr>
-            <a:endParaRPr lang="en-US" dirty="0" smtClean="0"/>
-          </a:p>
-          <a:p>
-            <a:pPr>
-              <a:buClr>
-                <a:schemeClr val="tx1"/>
-              </a:buClr>
-            </a:pPr>
-            <a:endParaRPr lang="en-US" dirty="0" smtClean="0"/>
-          </a:p>
-          <a:p>
-            <a:pPr>
-              <a:buClr>
-                <a:schemeClr val="tx1"/>
-              </a:buClr>
-            </a:pPr>
+              <a:t>Evaluation &amp; Selection</a:t>
+            </a:r>
             <a:endParaRPr lang="en-US" dirty="0"/>
           </a:p>
         </p:txBody>
@@ -12913,10 +12681,39 @@
           </a:p>
         </p:txBody>
       </p:sp>
+      <p:pic>
+        <p:nvPicPr>
+          <p:cNvPr id="6" name="Content Placeholder 5"/>
+          <p:cNvPicPr>
+            <a:picLocks noGrp="1" noChangeAspect="1"/>
+          </p:cNvPicPr>
+          <p:nvPr>
+            <p:ph idx="1"/>
+          </p:nvPr>
+        </p:nvPicPr>
+        <p:blipFill>
+          <a:blip r:embed="rId2">
+            <a:extLst>
+              <a:ext uri="{28A0092B-C50C-407E-A947-70E740481C1C}">
+                <a14:useLocalDpi xmlns:a14="http://schemas.microsoft.com/office/drawing/2010/main" val="0"/>
+              </a:ext>
+            </a:extLst>
+          </a:blip>
+          <a:stretch>
+            <a:fillRect/>
+          </a:stretch>
+        </p:blipFill>
+        <p:spPr>
+          <a:xfrm>
+            <a:off x="764462" y="1457763"/>
+            <a:ext cx="7930385" cy="4351338"/>
+          </a:xfrm>
+        </p:spPr>
+      </p:pic>
     </p:spTree>
     <p:extLst>
       <p:ext uri="{BB962C8B-B14F-4D97-AF65-F5344CB8AC3E}">
-        <p14:creationId xmlns:p14="http://schemas.microsoft.com/office/powerpoint/2010/main" val="1914520342"/>
+        <p14:creationId xmlns:p14="http://schemas.microsoft.com/office/powerpoint/2010/main" val="1519518081"/>
       </p:ext>
     </p:extLst>
   </p:cSld>
@@ -13278,6 +13075,241 @@
       </p:grpSpPr>
       <p:sp>
         <p:nvSpPr>
+          <p:cNvPr id="2" name="Title 1"/>
+          <p:cNvSpPr>
+            <a:spLocks noGrp="1"/>
+          </p:cNvSpPr>
+          <p:nvPr>
+            <p:ph type="title"/>
+          </p:nvPr>
+        </p:nvSpPr>
+        <p:spPr/>
+        <p:txBody>
+          <a:bodyPr/>
+          <a:lstStyle/>
+          <a:p>
+            <a:r>
+              <a:rPr lang="en-US" dirty="0" smtClean="0"/>
+              <a:t>Recommendations to Clients</a:t>
+            </a:r>
+            <a:endParaRPr lang="en-US" dirty="0"/>
+          </a:p>
+        </p:txBody>
+      </p:sp>
+      <p:sp>
+        <p:nvSpPr>
+          <p:cNvPr id="3" name="Content Placeholder 2"/>
+          <p:cNvSpPr>
+            <a:spLocks noGrp="1"/>
+          </p:cNvSpPr>
+          <p:nvPr>
+            <p:ph idx="1"/>
+          </p:nvPr>
+        </p:nvSpPr>
+        <p:spPr>
+          <a:xfrm>
+            <a:off x="974834" y="1534511"/>
+            <a:ext cx="10810941" cy="4779262"/>
+          </a:xfrm>
+        </p:spPr>
+        <p:txBody>
+          <a:bodyPr>
+            <a:normAutofit/>
+          </a:bodyPr>
+          <a:lstStyle/>
+          <a:p>
+            <a:pPr>
+              <a:buClr>
+                <a:schemeClr val="tx1"/>
+              </a:buClr>
+              <a:buFont typeface="Wingdings" charset="2"/>
+              <a:buChar char="Ø"/>
+            </a:pPr>
+            <a:r>
+              <a:rPr lang="en-US" sz="2400" dirty="0" smtClean="0"/>
+              <a:t> Factors </a:t>
+            </a:r>
+            <a:r>
+              <a:rPr lang="en-US" sz="2400" dirty="0"/>
+              <a:t>Influencing </a:t>
+            </a:r>
+            <a:r>
+              <a:rPr lang="en-US" sz="2400" dirty="0" smtClean="0"/>
+              <a:t>customers to repeat purchases</a:t>
+            </a:r>
+          </a:p>
+          <a:p>
+            <a:pPr lvl="1">
+              <a:buClr>
+                <a:schemeClr val="tx1"/>
+              </a:buClr>
+              <a:buFont typeface="Wingdings" charset="2"/>
+              <a:buChar char="§"/>
+            </a:pPr>
+            <a:r>
+              <a:rPr lang="en-US" sz="1800" dirty="0" smtClean="0"/>
+              <a:t>Average customer spending</a:t>
+            </a:r>
+          </a:p>
+          <a:p>
+            <a:pPr lvl="1">
+              <a:buClr>
+                <a:schemeClr val="tx1"/>
+              </a:buClr>
+              <a:buFont typeface="Wingdings" charset="2"/>
+              <a:buChar char="§"/>
+            </a:pPr>
+            <a:r>
+              <a:rPr lang="en-US" sz="1800" dirty="0" smtClean="0"/>
+              <a:t>Recent Purchase trends of customer</a:t>
+            </a:r>
+            <a:endParaRPr lang="en-US" sz="1800" dirty="0" smtClean="0"/>
+          </a:p>
+          <a:p>
+            <a:pPr lvl="1">
+              <a:buClr>
+                <a:schemeClr val="tx1"/>
+              </a:buClr>
+              <a:buFont typeface="Wingdings" charset="2"/>
+              <a:buChar char="§"/>
+            </a:pPr>
+            <a:r>
+              <a:rPr lang="en-US" sz="1800" dirty="0" smtClean="0"/>
+              <a:t>History of Category</a:t>
+            </a:r>
+            <a:r>
+              <a:rPr lang="en-US" sz="1800" dirty="0"/>
+              <a:t>, </a:t>
+            </a:r>
+            <a:r>
+              <a:rPr lang="en-US" sz="1800" dirty="0" smtClean="0"/>
+              <a:t>Company, </a:t>
+            </a:r>
+            <a:r>
+              <a:rPr lang="en-US" sz="1800" dirty="0"/>
+              <a:t>Brand</a:t>
+            </a:r>
+            <a:r>
+              <a:rPr lang="en-US" sz="1800" dirty="0" smtClean="0"/>
+              <a:t> </a:t>
+            </a:r>
+            <a:r>
+              <a:rPr lang="en-US" sz="1800" dirty="0" smtClean="0"/>
+              <a:t>purchases by customer</a:t>
+            </a:r>
+            <a:endParaRPr lang="en-US" sz="1800" dirty="0"/>
+          </a:p>
+          <a:p>
+            <a:pPr lvl="1">
+              <a:buClr>
+                <a:schemeClr val="tx1"/>
+              </a:buClr>
+              <a:buFont typeface="Wingdings" charset="2"/>
+              <a:buChar char="§"/>
+            </a:pPr>
+            <a:endParaRPr lang="en-US" sz="1800" dirty="0" smtClean="0"/>
+          </a:p>
+          <a:p>
+            <a:pPr>
+              <a:buClr>
+                <a:schemeClr val="tx1"/>
+              </a:buClr>
+              <a:buFont typeface="Wingdings" charset="2"/>
+              <a:buChar char="Ø"/>
+            </a:pPr>
+            <a:r>
+              <a:rPr lang="en-US" dirty="0" smtClean="0"/>
+              <a:t> </a:t>
+            </a:r>
+            <a:r>
+              <a:rPr lang="en-US" sz="2400" dirty="0" smtClean="0"/>
+              <a:t>Recommendations to </a:t>
+            </a:r>
+            <a:r>
+              <a:rPr lang="en-US" sz="2400" dirty="0" smtClean="0"/>
+              <a:t>Companies</a:t>
+            </a:r>
+            <a:endParaRPr lang="en-US" sz="1800" dirty="0" smtClean="0"/>
+          </a:p>
+          <a:p>
+            <a:pPr lvl="1">
+              <a:buClr>
+                <a:schemeClr val="tx1"/>
+              </a:buClr>
+              <a:buFont typeface="Wingdings" charset="2"/>
+              <a:buChar char="§"/>
+            </a:pPr>
+            <a:r>
+              <a:rPr lang="en-US" sz="1800" dirty="0" smtClean="0"/>
+              <a:t>Offers </a:t>
+            </a:r>
+            <a:r>
+              <a:rPr lang="en-US" sz="1800" dirty="0" smtClean="0"/>
+              <a:t>are effective way of improving sales and retaining customers</a:t>
+            </a:r>
+            <a:endParaRPr lang="en-US" sz="1800" dirty="0" smtClean="0"/>
+          </a:p>
+          <a:p>
+            <a:pPr lvl="1">
+              <a:buClr>
+                <a:schemeClr val="tx1"/>
+              </a:buClr>
+              <a:buFont typeface="Wingdings" charset="2"/>
+              <a:buChar char="§"/>
+            </a:pPr>
+            <a:r>
+              <a:rPr lang="en-US" sz="1800" dirty="0" smtClean="0"/>
+              <a:t>Choose right </a:t>
+            </a:r>
+            <a:r>
+              <a:rPr lang="en-US" sz="1800" dirty="0" smtClean="0"/>
+              <a:t>Offer for products </a:t>
+            </a:r>
+            <a:r>
+              <a:rPr lang="en-US" sz="1800" dirty="0" smtClean="0"/>
+              <a:t>of Category, Company, Brand</a:t>
+            </a:r>
+          </a:p>
+          <a:p>
+            <a:pPr lvl="1">
+              <a:buClr>
+                <a:schemeClr val="tx1"/>
+              </a:buClr>
+              <a:buFont typeface="Wingdings" charset="2"/>
+              <a:buChar char="§"/>
+            </a:pPr>
+            <a:endParaRPr lang="en-US" dirty="0" smtClean="0"/>
+          </a:p>
+          <a:p>
+            <a:pPr lvl="1">
+              <a:buClr>
+                <a:schemeClr val="tx1"/>
+              </a:buClr>
+              <a:buFont typeface="Wingdings" charset="2"/>
+              <a:buChar char="Ø"/>
+            </a:pPr>
+            <a:endParaRPr lang="en-US" dirty="0" smtClean="0"/>
+          </a:p>
+          <a:p>
+            <a:pPr>
+              <a:buClr>
+                <a:schemeClr val="tx1"/>
+              </a:buClr>
+            </a:pPr>
+            <a:endParaRPr lang="en-US" dirty="0" smtClean="0"/>
+          </a:p>
+          <a:p>
+            <a:pPr>
+              <a:buClr>
+                <a:schemeClr val="tx1"/>
+              </a:buClr>
+            </a:pPr>
+            <a:endParaRPr lang="en-US" dirty="0"/>
+          </a:p>
+        </p:txBody>
+      </p:sp>
+      <p:sp>
+        <p:nvSpPr>
           <p:cNvPr id="7" name="Footer Placeholder 6"/>
           <p:cNvSpPr>
             <a:spLocks noGrp="1"/>
@@ -13295,6 +13327,101 @@
               <a:rPr lang="en-US" smtClean="0"/>
               <a:t>Acquire Valued Customers</a:t>
             </a:r>
+            <a:endParaRPr lang="en-US"/>
+          </a:p>
+        </p:txBody>
+      </p:sp>
+      <p:sp>
+        <p:nvSpPr>
+          <p:cNvPr id="8" name="Slide Number Placeholder 7"/>
+          <p:cNvSpPr>
+            <a:spLocks noGrp="1"/>
+          </p:cNvSpPr>
+          <p:nvPr>
+            <p:ph type="sldNum" sz="quarter" idx="12"/>
+          </p:nvPr>
+        </p:nvSpPr>
+        <p:spPr/>
+        <p:txBody>
+          <a:bodyPr/>
+          <a:lstStyle/>
+          <a:p>
+            <a:fld id="{60EF466A-EEA5-8240-8FEF-ED01E632D46D}" type="slidenum">
+              <a:rPr lang="en-US" smtClean="0"/>
+              <a:t>20</a:t>
+            </a:fld>
+            <a:endParaRPr lang="en-US"/>
+          </a:p>
+        </p:txBody>
+      </p:sp>
+    </p:spTree>
+    <p:extLst>
+      <p:ext uri="{BB962C8B-B14F-4D97-AF65-F5344CB8AC3E}">
+        <p14:creationId xmlns:p14="http://schemas.microsoft.com/office/powerpoint/2010/main" val="1914520342"/>
+      </p:ext>
+    </p:extLst>
+  </p:cSld>
+  <p:clrMapOvr>
+    <a:masterClrMapping/>
+  </p:clrMapOvr>
+  <mc:AlternateContent xmlns:mc="http://schemas.openxmlformats.org/markup-compatibility/2006" xmlns:p14="http://schemas.microsoft.com/office/powerpoint/2010/main">
+    <mc:Choice Requires="p14">
+      <p:transition spd="slow" p14:dur="1400">
+        <p14:doors dir="vert"/>
+      </p:transition>
+    </mc:Choice>
+    <mc:Fallback xmlns="">
+      <p:transition spd="slow">
+        <p:fade/>
+      </p:transition>
+    </mc:Fallback>
+  </mc:AlternateContent>
+  <p:timing>
+    <p:tnLst>
+      <p:par>
+        <p:cTn id="1" dur="indefinite" restart="never" nodeType="tmRoot"/>
+      </p:par>
+    </p:tnLst>
+  </p:timing>
+</p:sld>
+</file>
+
+<file path=ppt/slides/slide21.xml><?xml version="1.0" encoding="utf-8"?>
+<p:sld xmlns:a="http://schemas.openxmlformats.org/drawingml/2006/main" xmlns:r="http://schemas.openxmlformats.org/officeDocument/2006/relationships" xmlns:p="http://schemas.openxmlformats.org/presentationml/2006/main">
+  <p:cSld>
+    <p:spTree>
+      <p:nvGrpSpPr>
+        <p:cNvPr id="1" name=""/>
+        <p:cNvGrpSpPr/>
+        <p:nvPr/>
+      </p:nvGrpSpPr>
+      <p:grpSpPr>
+        <a:xfrm>
+          <a:off x="0" y="0"/>
+          <a:ext cx="0" cy="0"/>
+          <a:chOff x="0" y="0"/>
+          <a:chExt cx="0" cy="0"/>
+        </a:xfrm>
+      </p:grpSpPr>
+      <p:sp>
+        <p:nvSpPr>
+          <p:cNvPr id="7" name="Footer Placeholder 6"/>
+          <p:cNvSpPr>
+            <a:spLocks noGrp="1"/>
+          </p:cNvSpPr>
+          <p:nvPr>
+            <p:ph type="ftr" sz="quarter" idx="11"/>
+          </p:nvPr>
+        </p:nvSpPr>
+        <p:spPr/>
+        <p:txBody>
+          <a:bodyPr/>
+          <a:lstStyle/>
+          <a:p>
+            <a:r>
+              <a:rPr lang="en-US" smtClean="0"/>
+              <a:t>Acquire Valued Customers</a:t>
+            </a:r>
             <a:endParaRPr lang="en-US" dirty="0"/>
           </a:p>
         </p:txBody>
@@ -13316,7 +13443,7 @@
           <a:p>
             <a:fld id="{60EF466A-EEA5-8240-8FEF-ED01E632D46D}" type="slidenum">
               <a:rPr lang="en-US" smtClean="0"/>
-              <a:t>20</a:t>
+              <a:t>21</a:t>
             </a:fld>
             <a:endParaRPr lang="en-US"/>
           </a:p>

--- a/project_report/project_presentation_II.pptx
+++ b/project_report/project_presentation_II.pptx
@@ -7,10 +7,10 @@
     <p:sldMasterId id="2147483829" r:id="rId3"/>
   </p:sldMasterIdLst>
   <p:notesMasterIdLst>
-    <p:notesMasterId r:id="rId25"/>
+    <p:notesMasterId r:id="rId24"/>
   </p:notesMasterIdLst>
   <p:handoutMasterIdLst>
-    <p:handoutMasterId r:id="rId26"/>
+    <p:handoutMasterId r:id="rId25"/>
   </p:handoutMasterIdLst>
   <p:sldIdLst>
     <p:sldId id="256" r:id="rId4"/>
@@ -31,9 +31,8 @@
     <p:sldId id="293" r:id="rId19"/>
     <p:sldId id="260" r:id="rId20"/>
     <p:sldId id="286" r:id="rId21"/>
-    <p:sldId id="294" r:id="rId22"/>
-    <p:sldId id="285" r:id="rId23"/>
-    <p:sldId id="288" r:id="rId24"/>
+    <p:sldId id="285" r:id="rId22"/>
+    <p:sldId id="288" r:id="rId23"/>
   </p:sldIdLst>
   <p:sldSz cx="12192000" cy="6858000"/>
   <p:notesSz cx="6858000" cy="9144000"/>
@@ -11823,7 +11822,7 @@
         <p:spPr>
           <a:xfrm>
             <a:off x="5917323" y="1434662"/>
-            <a:ext cx="5917325" cy="3816429"/>
+            <a:ext cx="5917325" cy="4832092"/>
           </a:xfrm>
           <a:prstGeom prst="rect">
             <a:avLst/>
@@ -11951,8 +11950,38 @@
             </a:r>
             <a:r>
               <a:rPr lang="en-US" sz="2200" dirty="0"/>
-              <a:t>_[30,90,180,270]days</a:t>
-            </a:r>
+              <a:t>_[</a:t>
+            </a:r>
+            <a:r>
+              <a:rPr lang="en-US" sz="2200" dirty="0" smtClean="0"/>
+              <a:t>30,90,180,270]days</a:t>
+            </a:r>
+          </a:p>
+          <a:p>
+            <a:pPr marL="285750" indent="-285750">
+              <a:buFont typeface="Wingdings" charset="2"/>
+              <a:buChar char="Ø"/>
+            </a:pPr>
+            <a:endParaRPr lang="en-US" sz="2200" dirty="0" smtClean="0"/>
+          </a:p>
+          <a:p>
+            <a:pPr marL="285750" indent="-285750">
+              <a:buFont typeface="Wingdings" charset="2"/>
+              <a:buChar char="Ø"/>
+            </a:pPr>
+            <a:r>
+              <a:rPr lang="en-US" sz="2200" dirty="0" err="1" smtClean="0"/>
+              <a:t>purchased_company_category_brand_count</a:t>
+            </a:r>
+            <a:r>
+              <a:rPr lang="en-US" sz="2200" dirty="0" smtClean="0"/>
+              <a:t> </a:t>
+            </a:r>
+            <a:r>
+              <a:rPr lang="en-US" sz="2200" dirty="0" err="1" smtClean="0"/>
+              <a:t>purchased_company_category_count</a:t>
+            </a:r>
+            <a:endParaRPr lang="en-US" sz="2200" dirty="0"/>
           </a:p>
           <a:p>
             <a:pPr marL="285750" indent="-285750">
@@ -12045,7 +12074,7 @@
             <p:ph idx="1"/>
             <p:extLst>
               <p:ext uri="{D42A27DB-BD31-4B8C-83A1-F6EECF244321}">
-                <p14:modId xmlns:p14="http://schemas.microsoft.com/office/powerpoint/2010/main" val="630870357"/>
+                <p14:modId xmlns:p14="http://schemas.microsoft.com/office/powerpoint/2010/main" val="226156680"/>
               </p:ext>
             </p:extLst>
           </p:nvPr>
@@ -12165,7 +12194,7 @@
                     <a:p>
                       <a:r>
                         <a:rPr lang="nb-NO" dirty="0" smtClean="0"/>
-                        <a:t>0.5225</a:t>
+                        <a:t>0.5192</a:t>
                       </a:r>
                       <a:endParaRPr lang="en-US" dirty="0"/>
                     </a:p>
@@ -12179,7 +12208,7 @@
                     <a:p>
                       <a:r>
                         <a:rPr lang="nb-NO" dirty="0" smtClean="0"/>
-                        <a:t>0.5161</a:t>
+                        <a:t>0.5556</a:t>
                       </a:r>
                       <a:endParaRPr lang="en-US" dirty="0"/>
                     </a:p>
@@ -12210,7 +12239,7 @@
                       </a:pPr>
                       <a:r>
                         <a:rPr lang="nb-NO" dirty="0" smtClean="0"/>
-                        <a:t>0.6118</a:t>
+                        <a:t>0.6677</a:t>
                       </a:r>
                       <a:endParaRPr lang="en-US" dirty="0"/>
                     </a:p>
@@ -12527,7 +12556,7 @@
       </p:sp>
       <p:pic>
         <p:nvPicPr>
-          <p:cNvPr id="4" name="Content Placeholder 3"/>
+          <p:cNvPr id="9" name="Content Placeholder 8"/>
           <p:cNvPicPr>
             <a:picLocks noGrp="1" noChangeAspect="1"/>
           </p:cNvPicPr>
@@ -12549,8 +12578,8 @@
         </p:blipFill>
         <p:spPr>
           <a:xfrm>
-            <a:off x="779332" y="1185437"/>
-            <a:ext cx="9636420" cy="5238824"/>
+            <a:off x="346841" y="1114095"/>
+            <a:ext cx="11487807" cy="5242255"/>
           </a:xfrm>
         </p:spPr>
       </p:pic>
@@ -12613,24 +12642,220 @@
             <p:ph type="title"/>
           </p:nvPr>
         </p:nvSpPr>
+        <p:spPr/>
+        <p:txBody>
+          <a:bodyPr/>
+          <a:lstStyle/>
+          <a:p>
+            <a:r>
+              <a:rPr lang="en-US" dirty="0" smtClean="0"/>
+              <a:t>Recommendations to Clients</a:t>
+            </a:r>
+            <a:endParaRPr lang="en-US" dirty="0"/>
+          </a:p>
+        </p:txBody>
+      </p:sp>
+      <p:sp>
+        <p:nvSpPr>
+          <p:cNvPr id="3" name="Content Placeholder 2"/>
+          <p:cNvSpPr>
+            <a:spLocks noGrp="1"/>
+          </p:cNvSpPr>
+          <p:nvPr>
+            <p:ph idx="1"/>
+          </p:nvPr>
+        </p:nvSpPr>
         <p:spPr>
           <a:xfrm>
-            <a:off x="838200" y="365125"/>
-            <a:ext cx="10515600" cy="864585"/>
+            <a:off x="974834" y="1534511"/>
+            <a:ext cx="10810941" cy="4779262"/>
           </a:xfrm>
         </p:spPr>
         <p:txBody>
-          <a:bodyPr/>
-          <a:lstStyle/>
-          <a:p>
-            <a:r>
-              <a:rPr lang="en-US" dirty="0"/>
-              <a:t>Model </a:t>
-            </a:r>
+          <a:bodyPr>
+            <a:normAutofit/>
+          </a:bodyPr>
+          <a:lstStyle/>
+          <a:p>
+            <a:pPr>
+              <a:buClr>
+                <a:schemeClr val="tx1"/>
+              </a:buClr>
+              <a:buFont typeface="Wingdings" charset="2"/>
+              <a:buChar char="Ø"/>
+            </a:pPr>
+            <a:r>
+              <a:rPr lang="en-US" sz="2400" dirty="0" smtClean="0"/>
+              <a:t> Factors </a:t>
+            </a:r>
+            <a:r>
+              <a:rPr lang="en-US" sz="2400" dirty="0"/>
+              <a:t>Influencing </a:t>
+            </a:r>
+            <a:r>
+              <a:rPr lang="en-US" sz="2400" dirty="0" smtClean="0"/>
+              <a:t>customers </a:t>
+            </a:r>
+            <a:r>
+              <a:rPr lang="en-US" sz="2400" dirty="0" smtClean="0"/>
+              <a:t>purchases</a:t>
+            </a:r>
+            <a:endParaRPr lang="en-US" sz="2400" dirty="0" smtClean="0"/>
+          </a:p>
+          <a:p>
+            <a:pPr lvl="1">
+              <a:buClr>
+                <a:schemeClr val="tx1"/>
+              </a:buClr>
+              <a:buFont typeface="Wingdings" charset="2"/>
+              <a:buChar char="§"/>
+            </a:pPr>
+            <a:r>
+              <a:rPr lang="en-US" sz="1800" dirty="0" smtClean="0"/>
+              <a:t>Average customer spending of Customer over a period of time</a:t>
+            </a:r>
+          </a:p>
+          <a:p>
+            <a:pPr lvl="1">
+              <a:buClr>
+                <a:schemeClr val="tx1"/>
+              </a:buClr>
+              <a:buFont typeface="Wingdings" charset="2"/>
+              <a:buChar char="§"/>
+            </a:pPr>
+            <a:r>
+              <a:rPr lang="en-US" sz="1800"/>
+              <a:t>Recent Purchase trends of customer</a:t>
+            </a:r>
+            <a:r>
+              <a:rPr lang="en-US" sz="1800"/>
+              <a:t> </a:t>
+            </a:r>
+            <a:endParaRPr lang="en-US" sz="1800" dirty="0" smtClean="0"/>
+          </a:p>
+          <a:p>
+            <a:pPr lvl="1">
+              <a:buClr>
+                <a:schemeClr val="tx1"/>
+              </a:buClr>
+              <a:buFont typeface="Wingdings" charset="2"/>
+              <a:buChar char="§"/>
+            </a:pPr>
+            <a:r>
+              <a:rPr lang="en-US" sz="1800" dirty="0"/>
+              <a:t>History of Category, Company, Brand purchases by </a:t>
+            </a:r>
+            <a:r>
+              <a:rPr lang="en-US" sz="1800" dirty="0" smtClean="0"/>
+              <a:t>customer</a:t>
+            </a:r>
+            <a:endParaRPr lang="en-US" sz="1800" dirty="0"/>
+          </a:p>
+          <a:p>
+            <a:pPr lvl="1">
+              <a:buClr>
+                <a:schemeClr val="tx1"/>
+              </a:buClr>
+              <a:buFont typeface="Wingdings" charset="2"/>
+              <a:buChar char="§"/>
+            </a:pPr>
+            <a:endParaRPr lang="en-US" sz="1800" dirty="0" smtClean="0"/>
+          </a:p>
+          <a:p>
+            <a:pPr>
+              <a:buClr>
+                <a:schemeClr val="tx1"/>
+              </a:buClr>
+              <a:buFont typeface="Wingdings" charset="2"/>
+              <a:buChar char="Ø"/>
+            </a:pPr>
             <a:r>
               <a:rPr lang="en-US" dirty="0" smtClean="0"/>
-              <a:t>Evaluation &amp; Selection</a:t>
-            </a:r>
+              <a:t> </a:t>
+            </a:r>
+            <a:r>
+              <a:rPr lang="en-US" sz="2400" dirty="0" smtClean="0"/>
+              <a:t>Recommendations to </a:t>
+            </a:r>
+            <a:r>
+              <a:rPr lang="en-US" sz="2400" dirty="0" smtClean="0"/>
+              <a:t>Companies</a:t>
+            </a:r>
+            <a:endParaRPr lang="en-US" sz="1800" dirty="0" smtClean="0"/>
+          </a:p>
+          <a:p>
+            <a:pPr lvl="1">
+              <a:buClr>
+                <a:schemeClr val="tx1"/>
+              </a:buClr>
+              <a:buFont typeface="Wingdings" charset="2"/>
+              <a:buChar char="§"/>
+            </a:pPr>
+            <a:r>
+              <a:rPr lang="en-US" sz="1800" dirty="0" smtClean="0"/>
+              <a:t>Offers </a:t>
+            </a:r>
+            <a:r>
+              <a:rPr lang="en-US" sz="1800" dirty="0" smtClean="0"/>
+              <a:t>are found to be an effective way of improving sales and retaining customers</a:t>
+            </a:r>
+            <a:endParaRPr lang="en-US" sz="1800" dirty="0" smtClean="0"/>
+          </a:p>
+          <a:p>
+            <a:pPr lvl="1">
+              <a:buClr>
+                <a:schemeClr val="tx1"/>
+              </a:buClr>
+              <a:buFont typeface="Wingdings" charset="2"/>
+              <a:buChar char="§"/>
+            </a:pPr>
+            <a:r>
+              <a:rPr lang="en-US" sz="1800" dirty="0" smtClean="0"/>
+              <a:t>Choose right </a:t>
+            </a:r>
+            <a:r>
+              <a:rPr lang="en-US" sz="1800" dirty="0" smtClean="0"/>
+              <a:t>Offer for products </a:t>
+            </a:r>
+            <a:r>
+              <a:rPr lang="en-US" sz="1800" dirty="0" smtClean="0"/>
+              <a:t>of Category, Company, Brand</a:t>
+            </a:r>
+          </a:p>
+          <a:p>
+            <a:pPr lvl="1">
+              <a:buClr>
+                <a:schemeClr val="tx1"/>
+              </a:buClr>
+              <a:buFont typeface="Wingdings" charset="2"/>
+              <a:buChar char="§"/>
+            </a:pPr>
+            <a:endParaRPr lang="en-US" dirty="0" smtClean="0"/>
+          </a:p>
+          <a:p>
+            <a:pPr lvl="1">
+              <a:buClr>
+                <a:schemeClr val="tx1"/>
+              </a:buClr>
+              <a:buFont typeface="Wingdings" charset="2"/>
+              <a:buChar char="Ø"/>
+            </a:pPr>
+            <a:endParaRPr lang="en-US" dirty="0" smtClean="0"/>
+          </a:p>
+          <a:p>
+            <a:pPr>
+              <a:buClr>
+                <a:schemeClr val="tx1"/>
+              </a:buClr>
+            </a:pPr>
+            <a:endParaRPr lang="en-US" dirty="0" smtClean="0"/>
+          </a:p>
+          <a:p>
+            <a:pPr>
+              <a:buClr>
+                <a:schemeClr val="tx1"/>
+              </a:buClr>
+            </a:pPr>
             <a:endParaRPr lang="en-US" dirty="0"/>
           </a:p>
         </p:txBody>
@@ -12681,39 +12906,10 @@
           </a:p>
         </p:txBody>
       </p:sp>
-      <p:pic>
-        <p:nvPicPr>
-          <p:cNvPr id="6" name="Content Placeholder 5"/>
-          <p:cNvPicPr>
-            <a:picLocks noGrp="1" noChangeAspect="1"/>
-          </p:cNvPicPr>
-          <p:nvPr>
-            <p:ph idx="1"/>
-          </p:nvPr>
-        </p:nvPicPr>
-        <p:blipFill>
-          <a:blip r:embed="rId2">
-            <a:extLst>
-              <a:ext uri="{28A0092B-C50C-407E-A947-70E740481C1C}">
-                <a14:useLocalDpi xmlns:a14="http://schemas.microsoft.com/office/drawing/2010/main" val="0"/>
-              </a:ext>
-            </a:extLst>
-          </a:blip>
-          <a:stretch>
-            <a:fillRect/>
-          </a:stretch>
-        </p:blipFill>
-        <p:spPr>
-          <a:xfrm>
-            <a:off x="764462" y="1457763"/>
-            <a:ext cx="7930385" cy="4351338"/>
-          </a:xfrm>
-        </p:spPr>
-      </p:pic>
     </p:spTree>
     <p:extLst>
       <p:ext uri="{BB962C8B-B14F-4D97-AF65-F5344CB8AC3E}">
-        <p14:creationId xmlns:p14="http://schemas.microsoft.com/office/powerpoint/2010/main" val="1519518081"/>
+        <p14:creationId xmlns:p14="http://schemas.microsoft.com/office/powerpoint/2010/main" val="1914520342"/>
       </p:ext>
     </p:extLst>
   </p:cSld>
@@ -13075,12 +13271,12 @@
       </p:grpSpPr>
       <p:sp>
         <p:nvSpPr>
-          <p:cNvPr id="2" name="Title 1"/>
-          <p:cNvSpPr>
-            <a:spLocks noGrp="1"/>
-          </p:cNvSpPr>
-          <p:nvPr>
-            <p:ph type="title"/>
+          <p:cNvPr id="7" name="Footer Placeholder 6"/>
+          <p:cNvSpPr>
+            <a:spLocks noGrp="1"/>
+          </p:cNvSpPr>
+          <p:nvPr>
+            <p:ph type="ftr" sz="quarter" idx="11"/>
           </p:nvPr>
         </p:nvSpPr>
         <p:spPr/>
@@ -13089,8 +13285,8 @@
           <a:lstStyle/>
           <a:p>
             <a:r>
-              <a:rPr lang="en-US" dirty="0" smtClean="0"/>
-              <a:t>Recommendations to Clients</a:t>
+              <a:rPr lang="en-US" smtClean="0"/>
+              <a:t>Acquire Valued Customers</a:t>
             </a:r>
             <a:endParaRPr lang="en-US" dirty="0"/>
           </a:p>
@@ -13098,224 +13294,12 @@
       </p:sp>
       <p:sp>
         <p:nvSpPr>
-          <p:cNvPr id="3" name="Content Placeholder 2"/>
-          <p:cNvSpPr>
-            <a:spLocks noGrp="1"/>
-          </p:cNvSpPr>
-          <p:nvPr>
-            <p:ph idx="1"/>
-          </p:nvPr>
-        </p:nvSpPr>
-        <p:spPr>
-          <a:xfrm>
-            <a:off x="974834" y="1534511"/>
-            <a:ext cx="10810941" cy="4779262"/>
-          </a:xfrm>
-        </p:spPr>
-        <p:txBody>
-          <a:bodyPr>
-            <a:normAutofit/>
-          </a:bodyPr>
-          <a:lstStyle/>
-          <a:p>
-            <a:pPr>
-              <a:buClr>
-                <a:schemeClr val="tx1"/>
-              </a:buClr>
-              <a:buFont typeface="Wingdings" charset="2"/>
-              <a:buChar char="Ø"/>
-            </a:pPr>
-            <a:r>
-              <a:rPr lang="en-US" sz="2400" dirty="0" smtClean="0"/>
-              <a:t> Factors </a:t>
-            </a:r>
-            <a:r>
-              <a:rPr lang="en-US" sz="2400" dirty="0"/>
-              <a:t>Influencing </a:t>
-            </a:r>
-            <a:r>
-              <a:rPr lang="en-US" sz="2400" dirty="0" smtClean="0"/>
-              <a:t>customers to repeat purchases</a:t>
-            </a:r>
-          </a:p>
-          <a:p>
-            <a:pPr lvl="1">
-              <a:buClr>
-                <a:schemeClr val="tx1"/>
-              </a:buClr>
-              <a:buFont typeface="Wingdings" charset="2"/>
-              <a:buChar char="§"/>
-            </a:pPr>
-            <a:r>
-              <a:rPr lang="en-US" sz="1800" dirty="0" smtClean="0"/>
-              <a:t>Average customer spending</a:t>
-            </a:r>
-          </a:p>
-          <a:p>
-            <a:pPr lvl="1">
-              <a:buClr>
-                <a:schemeClr val="tx1"/>
-              </a:buClr>
-              <a:buFont typeface="Wingdings" charset="2"/>
-              <a:buChar char="§"/>
-            </a:pPr>
-            <a:r>
-              <a:rPr lang="en-US" sz="1800" dirty="0" smtClean="0"/>
-              <a:t>Recent Purchase trends of customer</a:t>
-            </a:r>
-            <a:endParaRPr lang="en-US" sz="1800" dirty="0" smtClean="0"/>
-          </a:p>
-          <a:p>
-            <a:pPr lvl="1">
-              <a:buClr>
-                <a:schemeClr val="tx1"/>
-              </a:buClr>
-              <a:buFont typeface="Wingdings" charset="2"/>
-              <a:buChar char="§"/>
-            </a:pPr>
-            <a:r>
-              <a:rPr lang="en-US" sz="1800" dirty="0" smtClean="0"/>
-              <a:t>History of Category</a:t>
-            </a:r>
-            <a:r>
-              <a:rPr lang="en-US" sz="1800" dirty="0"/>
-              <a:t>, </a:t>
-            </a:r>
-            <a:r>
-              <a:rPr lang="en-US" sz="1800" dirty="0" smtClean="0"/>
-              <a:t>Company, </a:t>
-            </a:r>
-            <a:r>
-              <a:rPr lang="en-US" sz="1800" dirty="0"/>
-              <a:t>Brand</a:t>
-            </a:r>
-            <a:r>
-              <a:rPr lang="en-US" sz="1800" dirty="0" smtClean="0"/>
-              <a:t> </a:t>
-            </a:r>
-            <a:r>
-              <a:rPr lang="en-US" sz="1800" dirty="0" smtClean="0"/>
-              <a:t>purchases by customer</a:t>
-            </a:r>
-            <a:endParaRPr lang="en-US" sz="1800" dirty="0"/>
-          </a:p>
-          <a:p>
-            <a:pPr lvl="1">
-              <a:buClr>
-                <a:schemeClr val="tx1"/>
-              </a:buClr>
-              <a:buFont typeface="Wingdings" charset="2"/>
-              <a:buChar char="§"/>
-            </a:pPr>
-            <a:endParaRPr lang="en-US" sz="1800" dirty="0" smtClean="0"/>
-          </a:p>
-          <a:p>
-            <a:pPr>
-              <a:buClr>
-                <a:schemeClr val="tx1"/>
-              </a:buClr>
-              <a:buFont typeface="Wingdings" charset="2"/>
-              <a:buChar char="Ø"/>
-            </a:pPr>
-            <a:r>
-              <a:rPr lang="en-US" dirty="0" smtClean="0"/>
-              <a:t> </a:t>
-            </a:r>
-            <a:r>
-              <a:rPr lang="en-US" sz="2400" dirty="0" smtClean="0"/>
-              <a:t>Recommendations to </a:t>
-            </a:r>
-            <a:r>
-              <a:rPr lang="en-US" sz="2400" dirty="0" smtClean="0"/>
-              <a:t>Companies</a:t>
-            </a:r>
-            <a:endParaRPr lang="en-US" sz="1800" dirty="0" smtClean="0"/>
-          </a:p>
-          <a:p>
-            <a:pPr lvl="1">
-              <a:buClr>
-                <a:schemeClr val="tx1"/>
-              </a:buClr>
-              <a:buFont typeface="Wingdings" charset="2"/>
-              <a:buChar char="§"/>
-            </a:pPr>
-            <a:r>
-              <a:rPr lang="en-US" sz="1800" dirty="0" smtClean="0"/>
-              <a:t>Offers </a:t>
-            </a:r>
-            <a:r>
-              <a:rPr lang="en-US" sz="1800" dirty="0" smtClean="0"/>
-              <a:t>are effective way of improving sales and retaining customers</a:t>
-            </a:r>
-            <a:endParaRPr lang="en-US" sz="1800" dirty="0" smtClean="0"/>
-          </a:p>
-          <a:p>
-            <a:pPr lvl="1">
-              <a:buClr>
-                <a:schemeClr val="tx1"/>
-              </a:buClr>
-              <a:buFont typeface="Wingdings" charset="2"/>
-              <a:buChar char="§"/>
-            </a:pPr>
-            <a:r>
-              <a:rPr lang="en-US" sz="1800" dirty="0" smtClean="0"/>
-              <a:t>Choose right </a:t>
-            </a:r>
-            <a:r>
-              <a:rPr lang="en-US" sz="1800" dirty="0" smtClean="0"/>
-              <a:t>Offer for products </a:t>
-            </a:r>
-            <a:r>
-              <a:rPr lang="en-US" sz="1800" dirty="0" smtClean="0"/>
-              <a:t>of Category, Company, Brand</a:t>
-            </a:r>
-          </a:p>
-          <a:p>
-            <a:pPr lvl="1">
-              <a:buClr>
-                <a:schemeClr val="tx1"/>
-              </a:buClr>
-              <a:buFont typeface="Wingdings" charset="2"/>
-              <a:buChar char="§"/>
-            </a:pPr>
-            <a:endParaRPr lang="en-US" dirty="0" smtClean="0"/>
-          </a:p>
-          <a:p>
-            <a:pPr lvl="1">
-              <a:buClr>
-                <a:schemeClr val="tx1"/>
-              </a:buClr>
-              <a:buFont typeface="Wingdings" charset="2"/>
-              <a:buChar char="Ø"/>
-            </a:pPr>
-            <a:endParaRPr lang="en-US" dirty="0" smtClean="0"/>
-          </a:p>
-          <a:p>
-            <a:pPr>
-              <a:buClr>
-                <a:schemeClr val="tx1"/>
-              </a:buClr>
-            </a:pPr>
-            <a:endParaRPr lang="en-US" dirty="0" smtClean="0"/>
-          </a:p>
-          <a:p>
-            <a:pPr>
-              <a:buClr>
-                <a:schemeClr val="tx1"/>
-              </a:buClr>
-            </a:pPr>
-            <a:endParaRPr lang="en-US" dirty="0"/>
-          </a:p>
-        </p:txBody>
-      </p:sp>
-      <p:sp>
-        <p:nvSpPr>
-          <p:cNvPr id="7" name="Footer Placeholder 6"/>
-          <p:cNvSpPr>
-            <a:spLocks noGrp="1"/>
-          </p:cNvSpPr>
-          <p:nvPr>
-            <p:ph type="ftr" sz="quarter" idx="11"/>
+          <p:cNvPr id="8" name="Slide Number Placeholder 7"/>
+          <p:cNvSpPr>
+            <a:spLocks noGrp="1"/>
+          </p:cNvSpPr>
+          <p:nvPr>
+            <p:ph type="sldNum" sz="quarter" idx="12"/>
           </p:nvPr>
         </p:nvSpPr>
         <p:spPr/>
@@ -13323,127 +13307,9 @@
           <a:bodyPr/>
           <a:lstStyle/>
           <a:p>
-            <a:r>
-              <a:rPr lang="en-US" smtClean="0"/>
-              <a:t>Acquire Valued Customers</a:t>
-            </a:r>
-            <a:endParaRPr lang="en-US"/>
-          </a:p>
-        </p:txBody>
-      </p:sp>
-      <p:sp>
-        <p:nvSpPr>
-          <p:cNvPr id="8" name="Slide Number Placeholder 7"/>
-          <p:cNvSpPr>
-            <a:spLocks noGrp="1"/>
-          </p:cNvSpPr>
-          <p:nvPr>
-            <p:ph type="sldNum" sz="quarter" idx="12"/>
-          </p:nvPr>
-        </p:nvSpPr>
-        <p:spPr/>
-        <p:txBody>
-          <a:bodyPr/>
-          <a:lstStyle/>
-          <a:p>
             <a:fld id="{60EF466A-EEA5-8240-8FEF-ED01E632D46D}" type="slidenum">
               <a:rPr lang="en-US" smtClean="0"/>
               <a:t>20</a:t>
-            </a:fld>
-            <a:endParaRPr lang="en-US"/>
-          </a:p>
-        </p:txBody>
-      </p:sp>
-    </p:spTree>
-    <p:extLst>
-      <p:ext uri="{BB962C8B-B14F-4D97-AF65-F5344CB8AC3E}">
-        <p14:creationId xmlns:p14="http://schemas.microsoft.com/office/powerpoint/2010/main" val="1914520342"/>
-      </p:ext>
-    </p:extLst>
-  </p:cSld>
-  <p:clrMapOvr>
-    <a:masterClrMapping/>
-  </p:clrMapOvr>
-  <mc:AlternateContent xmlns:mc="http://schemas.openxmlformats.org/markup-compatibility/2006" xmlns:p14="http://schemas.microsoft.com/office/powerpoint/2010/main">
-    <mc:Choice Requires="p14">
-      <p:transition spd="slow" p14:dur="1400">
-        <p14:doors dir="vert"/>
-      </p:transition>
-    </mc:Choice>
-    <mc:Fallback xmlns="">
-      <p:transition spd="slow">
-        <p:fade/>
-      </p:transition>
-    </mc:Fallback>
-  </mc:AlternateContent>
-  <p:timing>
-    <p:tnLst>
-      <p:par>
-        <p:cTn id="1" dur="indefinite" restart="never" nodeType="tmRoot"/>
-      </p:par>
-    </p:tnLst>
-  </p:timing>
-</p:sld>
-</file>
-
-<file path=ppt/slides/slide21.xml><?xml version="1.0" encoding="utf-8"?>
-<p:sld xmlns:a="http://schemas.openxmlformats.org/drawingml/2006/main" xmlns:r="http://schemas.openxmlformats.org/officeDocument/2006/relationships" xmlns:p="http://schemas.openxmlformats.org/presentationml/2006/main">
-  <p:cSld>
-    <p:spTree>
-      <p:nvGrpSpPr>
-        <p:cNvPr id="1" name=""/>
-        <p:cNvGrpSpPr/>
-        <p:nvPr/>
-      </p:nvGrpSpPr>
-      <p:grpSpPr>
-        <a:xfrm>
-          <a:off x="0" y="0"/>
-          <a:ext cx="0" cy="0"/>
-          <a:chOff x="0" y="0"/>
-          <a:chExt cx="0" cy="0"/>
-        </a:xfrm>
-      </p:grpSpPr>
-      <p:sp>
-        <p:nvSpPr>
-          <p:cNvPr id="7" name="Footer Placeholder 6"/>
-          <p:cNvSpPr>
-            <a:spLocks noGrp="1"/>
-          </p:cNvSpPr>
-          <p:nvPr>
-            <p:ph type="ftr" sz="quarter" idx="11"/>
-          </p:nvPr>
-        </p:nvSpPr>
-        <p:spPr/>
-        <p:txBody>
-          <a:bodyPr/>
-          <a:lstStyle/>
-          <a:p>
-            <a:r>
-              <a:rPr lang="en-US" smtClean="0"/>
-              <a:t>Acquire Valued Customers</a:t>
-            </a:r>
-            <a:endParaRPr lang="en-US" dirty="0"/>
-          </a:p>
-        </p:txBody>
-      </p:sp>
-      <p:sp>
-        <p:nvSpPr>
-          <p:cNvPr id="8" name="Slide Number Placeholder 7"/>
-          <p:cNvSpPr>
-            <a:spLocks noGrp="1"/>
-          </p:cNvSpPr>
-          <p:nvPr>
-            <p:ph type="sldNum" sz="quarter" idx="12"/>
-          </p:nvPr>
-        </p:nvSpPr>
-        <p:spPr/>
-        <p:txBody>
-          <a:bodyPr/>
-          <a:lstStyle/>
-          <a:p>
-            <a:fld id="{60EF466A-EEA5-8240-8FEF-ED01E632D46D}" type="slidenum">
-              <a:rPr lang="en-US" smtClean="0"/>
-              <a:t>21</a:t>
             </a:fld>
             <a:endParaRPr lang="en-US"/>
           </a:p>
@@ -13918,7 +13784,15 @@
             </a:pPr>
             <a:r>
               <a:rPr lang="en-US" dirty="0" smtClean="0"/>
-              <a:t>Acquired dataset is reduced to manageable size for EDA and Model building.</a:t>
+              <a:t>Acquired dataset is reduced to manageable size </a:t>
+            </a:r>
+            <a:r>
+              <a:rPr lang="en-US" dirty="0" smtClean="0"/>
+              <a:t>with randomly picked customers for </a:t>
+            </a:r>
+            <a:r>
+              <a:rPr lang="en-US" dirty="0" smtClean="0"/>
+              <a:t>EDA and Model building.</a:t>
             </a:r>
           </a:p>
           <a:p>

--- a/project_report/project_presentation_II.pptx
+++ b/project_report/project_presentation_II.pptx
@@ -7,10 +7,10 @@
     <p:sldMasterId id="2147483829" r:id="rId3"/>
   </p:sldMasterIdLst>
   <p:notesMasterIdLst>
-    <p:notesMasterId r:id="rId24"/>
+    <p:notesMasterId r:id="rId22"/>
   </p:notesMasterIdLst>
   <p:handoutMasterIdLst>
-    <p:handoutMasterId r:id="rId25"/>
+    <p:handoutMasterId r:id="rId23"/>
   </p:handoutMasterIdLst>
   <p:sldIdLst>
     <p:sldId id="256" r:id="rId4"/>
@@ -23,16 +23,14 @@
     <p:sldId id="292" r:id="rId11"/>
     <p:sldId id="282" r:id="rId12"/>
     <p:sldId id="279" r:id="rId13"/>
-    <p:sldId id="280" r:id="rId14"/>
-    <p:sldId id="281" r:id="rId15"/>
-    <p:sldId id="289" r:id="rId16"/>
-    <p:sldId id="278" r:id="rId17"/>
-    <p:sldId id="290" r:id="rId18"/>
-    <p:sldId id="293" r:id="rId19"/>
-    <p:sldId id="260" r:id="rId20"/>
-    <p:sldId id="286" r:id="rId21"/>
-    <p:sldId id="285" r:id="rId22"/>
-    <p:sldId id="288" r:id="rId23"/>
+    <p:sldId id="281" r:id="rId14"/>
+    <p:sldId id="278" r:id="rId15"/>
+    <p:sldId id="290" r:id="rId16"/>
+    <p:sldId id="293" r:id="rId17"/>
+    <p:sldId id="260" r:id="rId18"/>
+    <p:sldId id="286" r:id="rId19"/>
+    <p:sldId id="285" r:id="rId20"/>
+    <p:sldId id="288" r:id="rId21"/>
   </p:sldIdLst>
   <p:sldSz cx="12192000" cy="6858000"/>
   <p:notesSz cx="6858000" cy="9144000"/>
@@ -224,7 +222,7 @@
           <a:p>
             <a:fld id="{8C5409F7-8A42-334A-9A35-CDCD26D8F5B6}" type="datetimeFigureOut">
               <a:rPr lang="en-US" smtClean="0"/>
-              <a:t>11/11/18</a:t>
+              <a:t>11/16/18</a:t>
             </a:fld>
             <a:endParaRPr lang="en-US"/>
           </a:p>
@@ -390,7 +388,7 @@
           <a:p>
             <a:fld id="{88D627A7-C818-CC46-BF9E-FFCBC18694EF}" type="datetimeFigureOut">
               <a:rPr lang="en-US" smtClean="0"/>
-              <a:t>11/11/18</a:t>
+              <a:t>11/16/18</a:t>
             </a:fld>
             <a:endParaRPr lang="en-US"/>
           </a:p>
@@ -1050,7 +1048,7 @@
           <a:p>
             <a:fld id="{3BAD3133-B71F-A446-A625-D95F699F62BC}" type="datetime1">
               <a:rPr lang="en-US" smtClean="0"/>
-              <a:t>11/11/18</a:t>
+              <a:t>11/16/18</a:t>
             </a:fld>
             <a:endParaRPr lang="en-US"/>
           </a:p>
@@ -1232,7 +1230,7 @@
           <a:p>
             <a:fld id="{6EA89B3C-E5D7-1846-8F25-311BB0CF1E64}" type="datetime1">
               <a:rPr lang="en-US" smtClean="0"/>
-              <a:t>11/11/18</a:t>
+              <a:t>11/16/18</a:t>
             </a:fld>
             <a:endParaRPr lang="en-US"/>
           </a:p>
@@ -1424,7 +1422,7 @@
           <a:p>
             <a:fld id="{3CF270D0-31CF-0B43-B739-7B8D5D88F683}" type="datetime1">
               <a:rPr lang="en-US" smtClean="0"/>
-              <a:t>11/11/18</a:t>
+              <a:t>11/16/18</a:t>
             </a:fld>
             <a:endParaRPr lang="en-US"/>
           </a:p>
@@ -1620,7 +1618,7 @@
           <a:p>
             <a:fld id="{10A178B0-932D-EE44-BE81-10F7E2C0551E}" type="datetime1">
               <a:rPr lang="en-US" smtClean="0"/>
-              <a:t>11/11/18</a:t>
+              <a:t>11/16/18</a:t>
             </a:fld>
             <a:endParaRPr lang="en-US"/>
           </a:p>
@@ -1796,7 +1794,7 @@
           <a:p>
             <a:fld id="{0DA3B7C8-F0C4-D749-9ECF-205D9B1A8B3D}" type="datetime1">
               <a:rPr lang="en-US" smtClean="0"/>
-              <a:t>11/11/18</a:t>
+              <a:t>11/16/18</a:t>
             </a:fld>
             <a:endParaRPr lang="en-US"/>
           </a:p>
@@ -2048,7 +2046,7 @@
           <a:p>
             <a:fld id="{3447B543-D896-AB4B-A963-E20ADA152602}" type="datetime1">
               <a:rPr lang="en-US" smtClean="0"/>
-              <a:t>11/11/18</a:t>
+              <a:t>11/16/18</a:t>
             </a:fld>
             <a:endParaRPr lang="en-US"/>
           </a:p>
@@ -2279,7 +2277,7 @@
           <a:p>
             <a:fld id="{3ABBE0D5-D1E9-FB4D-BC1B-11A480337CD6}" type="datetime1">
               <a:rPr lang="en-US" smtClean="0"/>
-              <a:t>11/11/18</a:t>
+              <a:t>11/16/18</a:t>
             </a:fld>
             <a:endParaRPr lang="en-US"/>
           </a:p>
@@ -2652,7 +2650,7 @@
           <a:p>
             <a:fld id="{8C2F9275-F314-6F4D-90A9-30D3A9291419}" type="datetime1">
               <a:rPr lang="en-US" smtClean="0"/>
-              <a:t>11/11/18</a:t>
+              <a:t>11/16/18</a:t>
             </a:fld>
             <a:endParaRPr lang="en-US"/>
           </a:p>
@@ -2776,7 +2774,7 @@
           <a:p>
             <a:fld id="{AD768426-BAE8-AC46-AC90-1E521808582F}" type="datetime1">
               <a:rPr lang="en-US" smtClean="0"/>
-              <a:t>11/11/18</a:t>
+              <a:t>11/16/18</a:t>
             </a:fld>
             <a:endParaRPr lang="en-US"/>
           </a:p>
@@ -2901,7 +2899,7 @@
           <a:p>
             <a:fld id="{EE9C391A-BBDC-B448-B4F2-64A8E12B68FA}" type="datetime1">
               <a:rPr lang="en-US" smtClean="0"/>
-              <a:t>11/11/18</a:t>
+              <a:t>11/16/18</a:t>
             </a:fld>
             <a:endParaRPr lang="en-US"/>
           </a:p>
@@ -3026,7 +3024,7 @@
           <a:p>
             <a:fld id="{CAA7D06A-60DE-3E44-B4BA-F59F51C5E77C}" type="datetime1">
               <a:rPr lang="en-US" smtClean="0"/>
-              <a:t>11/11/18</a:t>
+              <a:t>11/16/18</a:t>
             </a:fld>
             <a:endParaRPr lang="en-US"/>
           </a:p>
@@ -3203,7 +3201,7 @@
           <a:p>
             <a:fld id="{D6C5CA11-AA9D-234C-BF9B-A0BA9A179CCC}" type="datetime1">
               <a:rPr lang="en-US" smtClean="0"/>
-              <a:t>11/11/18</a:t>
+              <a:t>11/16/18</a:t>
             </a:fld>
             <a:endParaRPr lang="en-US"/>
           </a:p>
@@ -3302,7 +3300,7 @@
           <a:p>
             <a:fld id="{62955C01-DFCD-094D-8700-89D5D1B25B00}" type="datetime1">
               <a:rPr lang="en-US" smtClean="0"/>
-              <a:t>11/11/18</a:t>
+              <a:t>11/16/18</a:t>
             </a:fld>
             <a:endParaRPr lang="en-US"/>
           </a:p>
@@ -3578,7 +3576,7 @@
           <a:p>
             <a:fld id="{D86AAB19-7971-F048-921C-8934DE4F9A82}" type="datetime1">
               <a:rPr lang="en-US" smtClean="0"/>
-              <a:t>11/11/18</a:t>
+              <a:t>11/16/18</a:t>
             </a:fld>
             <a:endParaRPr lang="en-US"/>
           </a:p>
@@ -3834,7 +3832,7 @@
           <a:p>
             <a:fld id="{8D899261-FF54-E44C-8E2F-77CC44716B27}" type="datetime1">
               <a:rPr lang="en-US" smtClean="0"/>
-              <a:t>11/11/18</a:t>
+              <a:t>11/16/18</a:t>
             </a:fld>
             <a:endParaRPr lang="en-US"/>
           </a:p>
@@ -4003,7 +4001,7 @@
           <a:p>
             <a:fld id="{CF0A6374-F2B4-AF4B-9881-3ED2BDFCD3C6}" type="datetime1">
               <a:rPr lang="en-US" smtClean="0"/>
-              <a:t>11/11/18</a:t>
+              <a:t>11/16/18</a:t>
             </a:fld>
             <a:endParaRPr lang="en-US"/>
           </a:p>
@@ -4182,7 +4180,7 @@
           <a:p>
             <a:fld id="{2B86A86E-025A-9447-AA6A-7A6702686334}" type="datetime1">
               <a:rPr lang="en-US" smtClean="0"/>
-              <a:t>11/11/18</a:t>
+              <a:t>11/16/18</a:t>
             </a:fld>
             <a:endParaRPr lang="en-US"/>
           </a:p>
@@ -4373,7 +4371,7 @@
           <a:p>
             <a:fld id="{EDE0F8B7-6146-B648-9172-3CF8AB1EF668}" type="datetime1">
               <a:rPr lang="en-US" smtClean="0"/>
-              <a:t>11/11/18</a:t>
+              <a:t>11/16/18</a:t>
             </a:fld>
             <a:endParaRPr lang="en-US"/>
           </a:p>
@@ -4547,7 +4545,7 @@
           <a:p>
             <a:fld id="{E0CDC819-2C4C-A742-86ED-0AEBC808C162}" type="datetime1">
               <a:rPr lang="en-US" smtClean="0"/>
-              <a:t>11/11/18</a:t>
+              <a:t>11/16/18</a:t>
             </a:fld>
             <a:endParaRPr lang="en-US"/>
           </a:p>
@@ -4797,7 +4795,7 @@
           <a:p>
             <a:fld id="{56DFC848-6EAD-EA4A-BC6D-3C2D1FA027AD}" type="datetime1">
               <a:rPr lang="en-US" smtClean="0"/>
-              <a:t>11/11/18</a:t>
+              <a:t>11/16/18</a:t>
             </a:fld>
             <a:endParaRPr lang="en-US"/>
           </a:p>
@@ -5033,7 +5031,7 @@
           <a:p>
             <a:fld id="{FA067F17-398A-5D4F-B9BE-85ED31528281}" type="datetime1">
               <a:rPr lang="en-US" smtClean="0"/>
-              <a:t>11/11/18</a:t>
+              <a:t>11/16/18</a:t>
             </a:fld>
             <a:endParaRPr lang="en-US"/>
           </a:p>
@@ -5404,7 +5402,7 @@
           <a:p>
             <a:fld id="{3A392F65-DE8A-9542-8002-72B617B25A0F}" type="datetime1">
               <a:rPr lang="en-US" smtClean="0"/>
-              <a:t>11/11/18</a:t>
+              <a:t>11/16/18</a:t>
             </a:fld>
             <a:endParaRPr lang="en-US"/>
           </a:p>
@@ -5662,7 +5660,7 @@
           <a:p>
             <a:fld id="{5C6CA054-9A48-A34F-B06C-F5689C2D668C}" type="datetime1">
               <a:rPr lang="en-US" smtClean="0"/>
-              <a:t>11/11/18</a:t>
+              <a:t>11/16/18</a:t>
             </a:fld>
             <a:endParaRPr lang="en-US"/>
           </a:p>
@@ -5784,7 +5782,7 @@
           <a:p>
             <a:fld id="{FC9FAC12-6D25-B34A-84EA-7B86499B17FC}" type="datetime1">
               <a:rPr lang="en-US" smtClean="0"/>
-              <a:t>11/11/18</a:t>
+              <a:t>11/16/18</a:t>
             </a:fld>
             <a:endParaRPr lang="en-US"/>
           </a:p>
@@ -5883,7 +5881,7 @@
           <a:p>
             <a:fld id="{360153C8-2A86-9141-8767-2007D207729F}" type="datetime1">
               <a:rPr lang="en-US" smtClean="0"/>
-              <a:t>11/11/18</a:t>
+              <a:t>11/16/18</a:t>
             </a:fld>
             <a:endParaRPr lang="en-US"/>
           </a:p>
@@ -6164,7 +6162,7 @@
           <a:p>
             <a:fld id="{9EAC2CEA-0388-3F4F-B4CB-0E2C0773B95D}" type="datetime1">
               <a:rPr lang="en-US" smtClean="0"/>
-              <a:t>11/11/18</a:t>
+              <a:t>11/16/18</a:t>
             </a:fld>
             <a:endParaRPr lang="en-US"/>
           </a:p>
@@ -6421,7 +6419,7 @@
           <a:p>
             <a:fld id="{CC27938E-350C-1342-8F7C-EAEBB64DF04D}" type="datetime1">
               <a:rPr lang="en-US" smtClean="0"/>
-              <a:t>11/11/18</a:t>
+              <a:t>11/16/18</a:t>
             </a:fld>
             <a:endParaRPr lang="en-US"/>
           </a:p>
@@ -6595,7 +6593,7 @@
           <a:p>
             <a:fld id="{AC9BEB48-54E0-0C48-AE1D-7CC81A48795B}" type="datetime1">
               <a:rPr lang="en-US" smtClean="0"/>
-              <a:t>11/11/18</a:t>
+              <a:t>11/16/18</a:t>
             </a:fld>
             <a:endParaRPr lang="en-US"/>
           </a:p>
@@ -6779,7 +6777,7 @@
           <a:p>
             <a:fld id="{B5C2AB64-680F-EC40-AB01-821A6374C0D4}" type="datetime1">
               <a:rPr lang="en-US" smtClean="0"/>
-              <a:t>11/11/18</a:t>
+              <a:t>11/16/18</a:t>
             </a:fld>
             <a:endParaRPr lang="en-US"/>
           </a:p>
@@ -7023,7 +7021,7 @@
           <a:p>
             <a:fld id="{6E368881-438E-0F4A-8BF6-F90DFBB178E5}" type="datetime1">
               <a:rPr lang="en-US" smtClean="0"/>
-              <a:t>11/11/18</a:t>
+              <a:t>11/16/18</a:t>
             </a:fld>
             <a:endParaRPr lang="en-US"/>
           </a:p>
@@ -7402,7 +7400,7 @@
           <a:p>
             <a:fld id="{EDBC338C-7CE0-334D-BDE7-C5E0777A1279}" type="datetime1">
               <a:rPr lang="en-US" smtClean="0"/>
-              <a:t>11/11/18</a:t>
+              <a:t>11/16/18</a:t>
             </a:fld>
             <a:endParaRPr lang="en-US"/>
           </a:p>
@@ -7532,7 +7530,7 @@
           <a:p>
             <a:fld id="{53B78CCC-16E4-EF45-8592-6821D2D61002}" type="datetime1">
               <a:rPr lang="en-US" smtClean="0"/>
-              <a:t>11/11/18</a:t>
+              <a:t>11/16/18</a:t>
             </a:fld>
             <a:endParaRPr lang="en-US"/>
           </a:p>
@@ -7646,7 +7644,7 @@
           <a:p>
             <a:fld id="{51C8BB38-4F60-0E4C-BB04-0F4182E80F16}" type="datetime1">
               <a:rPr lang="en-US" smtClean="0"/>
-              <a:t>11/11/18</a:t>
+              <a:t>11/16/18</a:t>
             </a:fld>
             <a:endParaRPr lang="en-US"/>
           </a:p>
@@ -7942,7 +7940,7 @@
           <a:p>
             <a:fld id="{AD52F390-9AB2-8344-97C8-1718A10C9095}" type="datetime1">
               <a:rPr lang="en-US" smtClean="0"/>
-              <a:t>11/11/18</a:t>
+              <a:t>11/16/18</a:t>
             </a:fld>
             <a:endParaRPr lang="en-US"/>
           </a:p>
@@ -8207,7 +8205,7 @@
           <a:p>
             <a:fld id="{B2048F8C-8C0C-474E-954C-D8FE9353E1FB}" type="datetime1">
               <a:rPr lang="en-US" smtClean="0"/>
-              <a:t>11/11/18</a:t>
+              <a:t>11/16/18</a:t>
             </a:fld>
             <a:endParaRPr lang="en-US"/>
           </a:p>
@@ -8942,7 +8940,7 @@
           <a:p>
             <a:fld id="{1D661817-C4C1-3041-99E0-BAA0B2AA2A38}" type="datetime1">
               <a:rPr lang="en-US" smtClean="0"/>
-              <a:t>11/11/18</a:t>
+              <a:t>11/16/18</a:t>
             </a:fld>
             <a:endParaRPr lang="en-US"/>
           </a:p>
@@ -9492,7 +9490,7 @@
           <a:p>
             <a:fld id="{EC671D4E-E4B6-8B48-BDA2-92CC6DA15927}" type="datetime1">
               <a:rPr lang="en-US" smtClean="0"/>
-              <a:t>11/11/18</a:t>
+              <a:t>11/16/18</a:t>
             </a:fld>
             <a:endParaRPr lang="en-US"/>
           </a:p>
@@ -9955,11 +9953,19 @@
           <a:p>
             <a:r>
               <a:rPr lang="en-US" dirty="0"/>
-              <a:t>p</a:t>
+              <a:t>P</a:t>
             </a:r>
             <a:r>
               <a:rPr lang="en-US" dirty="0" smtClean="0"/>
-              <a:t>redict repeat buyers</a:t>
+              <a:t>redicting </a:t>
+            </a:r>
+            <a:r>
+              <a:rPr lang="en-US" dirty="0" smtClean="0"/>
+              <a:t>repeat </a:t>
+            </a:r>
+            <a:r>
+              <a:rPr lang="en-US" dirty="0" smtClean="0"/>
+              <a:t>customers</a:t>
             </a:r>
             <a:endParaRPr lang="en-US" dirty="0"/>
           </a:p>
@@ -10056,7 +10062,7 @@
         </p:nvSpPr>
         <p:spPr>
           <a:xfrm>
-            <a:off x="767253" y="732150"/>
+            <a:off x="767253" y="574308"/>
             <a:ext cx="10273315" cy="683172"/>
           </a:xfrm>
         </p:spPr>
@@ -10098,8 +10104,8 @@
         </p:blipFill>
         <p:spPr>
           <a:xfrm>
-            <a:off x="767253" y="1452992"/>
-            <a:ext cx="6436672" cy="4865688"/>
+            <a:off x="6390290" y="2374453"/>
+            <a:ext cx="5249368" cy="3968166"/>
           </a:xfrm>
         </p:spPr>
       </p:pic>
@@ -10157,8 +10163,8 @@
         </p:nvSpPr>
         <p:spPr>
           <a:xfrm>
-            <a:off x="7469831" y="1831364"/>
-            <a:ext cx="3764685" cy="369332"/>
+            <a:off x="6523030" y="1073736"/>
+            <a:ext cx="4414029" cy="1477328"/>
           </a:xfrm>
           <a:prstGeom prst="rect">
             <a:avLst/>
@@ -10176,17 +10182,84 @@
               <a:buChar char="Ø"/>
             </a:pPr>
             <a:r>
+              <a:rPr lang="en-US" dirty="0"/>
+              <a:t>Top 25 highly transacted Categories which</a:t>
+            </a:r>
+          </a:p>
+          <a:p>
+            <a:r>
+              <a:rPr lang="en-US" dirty="0"/>
+              <a:t> could have impact on </a:t>
+            </a:r>
+            <a:r>
+              <a:rPr lang="en-US" dirty="0" smtClean="0"/>
+              <a:t>prediction</a:t>
+            </a:r>
+          </a:p>
+          <a:p>
+            <a:endParaRPr lang="en-US" dirty="0" smtClean="0"/>
+          </a:p>
+          <a:p>
+            <a:pPr marL="285750" indent="-285750">
+              <a:buFont typeface="Wingdings" charset="2"/>
+              <a:buChar char="Ø"/>
+            </a:pPr>
+            <a:r>
               <a:rPr lang="en-US" dirty="0" err="1" smtClean="0"/>
               <a:t>Returntrip</a:t>
             </a:r>
             <a:r>
               <a:rPr lang="en-US" dirty="0" smtClean="0"/>
-              <a:t> count for each category</a:t>
-            </a:r>
+              <a:t> </a:t>
+            </a:r>
+            <a:r>
+              <a:rPr lang="en-US" dirty="0" smtClean="0"/>
+              <a:t>count for each </a:t>
+            </a:r>
+            <a:r>
+              <a:rPr lang="en-US" dirty="0" smtClean="0"/>
+              <a:t>category</a:t>
+            </a:r>
+          </a:p>
+          <a:p>
+            <a:pPr marL="285750" indent="-285750">
+              <a:buFont typeface="Wingdings" charset="2"/>
+              <a:buChar char="Ø"/>
+            </a:pPr>
             <a:endParaRPr lang="en-US" dirty="0"/>
           </a:p>
         </p:txBody>
       </p:sp>
+      <p:pic>
+        <p:nvPicPr>
+          <p:cNvPr id="7" name="Picture 6"/>
+          <p:cNvPicPr>
+            <a:picLocks noChangeAspect="1"/>
+          </p:cNvPicPr>
+          <p:nvPr/>
+        </p:nvPicPr>
+        <p:blipFill>
+          <a:blip r:embed="rId3">
+            <a:extLst>
+              <a:ext uri="{28A0092B-C50C-407E-A947-70E740481C1C}">
+                <a14:useLocalDpi xmlns:a14="http://schemas.microsoft.com/office/drawing/2010/main" val="0"/>
+              </a:ext>
+            </a:extLst>
+          </a:blip>
+          <a:stretch>
+            <a:fillRect/>
+          </a:stretch>
+        </p:blipFill>
+        <p:spPr>
+          <a:xfrm>
+            <a:off x="490140" y="1291602"/>
+            <a:ext cx="4838606" cy="3592050"/>
+          </a:xfrm>
+          <a:prstGeom prst="rect">
+            <a:avLst/>
+          </a:prstGeom>
+        </p:spPr>
+      </p:pic>
     </p:spTree>
     <p:extLst>
       <p:ext uri="{BB962C8B-B14F-4D97-AF65-F5344CB8AC3E}">
@@ -10248,7 +10321,7 @@
         </p:nvSpPr>
         <p:spPr>
           <a:xfrm>
-            <a:off x="1118817" y="739070"/>
+            <a:off x="944373" y="751490"/>
             <a:ext cx="10273315" cy="683172"/>
           </a:xfrm>
         </p:spPr>
@@ -10259,12 +10332,8 @@
           <a:lstStyle/>
           <a:p>
             <a:r>
-              <a:rPr lang="en-US" dirty="0"/>
-              <a:t>Explanatory Data </a:t>
-            </a:r>
-            <a:r>
               <a:rPr lang="en-US" dirty="0" smtClean="0"/>
-              <a:t>Analysis</a:t>
+              <a:t>Explanatory Data Analysis</a:t>
             </a:r>
             <a:endParaRPr lang="en-US" dirty="0"/>
           </a:p>
@@ -10282,15 +10351,33 @@
         </p:nvSpPr>
         <p:spPr>
           <a:xfrm>
-            <a:off x="767253" y="1555617"/>
-            <a:ext cx="11193519" cy="4887224"/>
+            <a:off x="805451" y="1532881"/>
+            <a:ext cx="11235561" cy="5066464"/>
           </a:xfrm>
+          <a:pattFill prst="pct5">
+            <a:fgClr>
+              <a:schemeClr val="bg1"/>
+            </a:fgClr>
+            <a:bgClr>
+              <a:schemeClr val="bg1"/>
+            </a:bgClr>
+          </a:pattFill>
+          <a:ln>
+            <a:noFill/>
+          </a:ln>
         </p:spPr>
         <p:txBody>
           <a:bodyPr>
             <a:normAutofit/>
           </a:bodyPr>
           <a:lstStyle/>
+          <a:p>
+            <a:pPr marL="285750" indent="-285750">
+              <a:buFont typeface="Wingdings" charset="2"/>
+              <a:buChar char="Ø"/>
+            </a:pPr>
+            <a:endParaRPr lang="en-US" sz="2000" dirty="0" smtClean="0"/>
+          </a:p>
           <a:p>
             <a:pPr>
               <a:buClr>
@@ -10301,18 +10388,11 @@
             </a:pPr>
             <a:endParaRPr lang="en-US" dirty="0"/>
           </a:p>
-          <a:p>
-            <a:pPr>
-              <a:buFont typeface="Wingdings" charset="2"/>
-              <a:buChar char="Ø"/>
-            </a:pPr>
-            <a:endParaRPr lang="en-US" dirty="0"/>
-          </a:p>
-        </p:txBody>
-      </p:sp>
-      <p:sp>
-        <p:nvSpPr>
-          <p:cNvPr id="5" name="Footer Placeholder 4"/>
+        </p:txBody>
+      </p:sp>
+      <p:sp>
+        <p:nvSpPr>
+          <p:cNvPr id="9" name="Footer Placeholder 8"/>
           <p:cNvSpPr>
             <a:spLocks noGrp="1"/>
           </p:cNvSpPr>
@@ -10329,13 +10409,13 @@
               <a:rPr lang="en-US" smtClean="0"/>
               <a:t>Acquire Valued Customers</a:t>
             </a:r>
-            <a:endParaRPr lang="en-US" dirty="0"/>
-          </a:p>
-        </p:txBody>
-      </p:sp>
-      <p:sp>
-        <p:nvSpPr>
-          <p:cNvPr id="7" name="Slide Number Placeholder 6"/>
+            <a:endParaRPr lang="en-US"/>
+          </a:p>
+        </p:txBody>
+      </p:sp>
+      <p:sp>
+        <p:nvSpPr>
+          <p:cNvPr id="10" name="Slide Number Placeholder 9"/>
           <p:cNvSpPr>
             <a:spLocks noGrp="1"/>
           </p:cNvSpPr>
@@ -10352,7 +10432,7 @@
               <a:rPr lang="en-US" smtClean="0"/>
               <a:t>11</a:t>
             </a:fld>
-            <a:endParaRPr lang="en-US" dirty="0"/>
+            <a:endParaRPr lang="en-US"/>
           </a:p>
         </p:txBody>
       </p:sp>
@@ -10378,8 +10458,8 @@
         </p:blipFill>
         <p:spPr>
           <a:xfrm>
-            <a:off x="767253" y="1555617"/>
-            <a:ext cx="6285186" cy="4707040"/>
+            <a:off x="5951742" y="2731300"/>
+            <a:ext cx="4919611" cy="3502920"/>
           </a:xfrm>
           <a:prstGeom prst="rect">
             <a:avLst/>
@@ -10388,14 +10468,14 @@
       </p:pic>
       <p:sp>
         <p:nvSpPr>
-          <p:cNvPr id="10" name="TextBox 9"/>
+          <p:cNvPr id="7" name="TextBox 6"/>
           <p:cNvSpPr txBox="1"/>
           <p:nvPr/>
         </p:nvSpPr>
         <p:spPr>
           <a:xfrm>
-            <a:off x="6604988" y="1797269"/>
-            <a:ext cx="4787144" cy="369332"/>
+            <a:off x="5891308" y="1531252"/>
+            <a:ext cx="5604226" cy="646331"/>
           </a:xfrm>
           <a:prstGeom prst="rect">
             <a:avLst/>
@@ -10413,17 +10493,77 @@
               <a:buChar char="Ø"/>
             </a:pPr>
             <a:r>
-              <a:rPr lang="en-US" smtClean="0"/>
-              <a:t>Category 3203 was offered to 27 % Customers</a:t>
-            </a:r>
-            <a:endParaRPr lang="en-US"/>
-          </a:p>
-        </p:txBody>
-      </p:sp>
+              <a:rPr lang="en-US" dirty="0"/>
+              <a:t>Category 3203 was offered to 27 % </a:t>
+            </a:r>
+            <a:r>
+              <a:rPr lang="en-US" dirty="0" smtClean="0"/>
+              <a:t>Customers</a:t>
+            </a:r>
+            <a:endParaRPr lang="en-US" dirty="0" smtClean="0"/>
+          </a:p>
+          <a:p>
+            <a:pPr marL="285750" indent="-285750">
+              <a:buFont typeface="Wingdings" charset="2"/>
+              <a:buChar char="Ø"/>
+            </a:pPr>
+            <a:r>
+              <a:rPr lang="en-US" dirty="0" smtClean="0"/>
+              <a:t>Nearly 5000 </a:t>
+            </a:r>
+            <a:r>
+              <a:rPr lang="en-US" dirty="0" smtClean="0"/>
+              <a:t>customers were </a:t>
+            </a:r>
+            <a:r>
+              <a:rPr lang="en-US" dirty="0" smtClean="0"/>
+              <a:t> Offered </a:t>
+            </a:r>
+            <a:r>
+              <a:rPr lang="en-US" dirty="0" smtClean="0"/>
+              <a:t>coupon </a:t>
+            </a:r>
+            <a:r>
+              <a:rPr lang="en-US" dirty="0" smtClean="0"/>
+              <a:t>1197502</a:t>
+            </a:r>
+          </a:p>
+        </p:txBody>
+      </p:sp>
+      <p:pic>
+        <p:nvPicPr>
+          <p:cNvPr id="8" name="Picture 7"/>
+          <p:cNvPicPr>
+            <a:picLocks noChangeAspect="1"/>
+          </p:cNvPicPr>
+          <p:nvPr/>
+        </p:nvPicPr>
+        <p:blipFill>
+          <a:blip r:embed="rId3">
+            <a:extLst>
+              <a:ext uri="{28A0092B-C50C-407E-A947-70E740481C1C}">
+                <a14:useLocalDpi xmlns:a14="http://schemas.microsoft.com/office/drawing/2010/main" val="0"/>
+              </a:ext>
+            </a:extLst>
+          </a:blip>
+          <a:stretch>
+            <a:fillRect/>
+          </a:stretch>
+        </p:blipFill>
+        <p:spPr>
+          <a:xfrm>
+            <a:off x="805451" y="1507531"/>
+            <a:ext cx="4901666" cy="3684579"/>
+          </a:xfrm>
+          <a:prstGeom prst="rect">
+            <a:avLst/>
+          </a:prstGeom>
+        </p:spPr>
+      </p:pic>
     </p:spTree>
     <p:extLst>
       <p:ext uri="{BB962C8B-B14F-4D97-AF65-F5344CB8AC3E}">
-        <p14:creationId xmlns:p14="http://schemas.microsoft.com/office/powerpoint/2010/main" val="1472646096"/>
+        <p14:creationId xmlns:p14="http://schemas.microsoft.com/office/powerpoint/2010/main" val="1854704048"/>
       </p:ext>
     </p:extLst>
   </p:cSld>
@@ -10481,7 +10621,7 @@
         </p:nvSpPr>
         <p:spPr>
           <a:xfrm>
-            <a:off x="944373" y="751490"/>
+            <a:off x="767254" y="751490"/>
             <a:ext cx="10273315" cy="683172"/>
           </a:xfrm>
         </p:spPr>
@@ -10493,7 +10633,7 @@
           <a:p>
             <a:r>
               <a:rPr lang="en-US" dirty="0" smtClean="0"/>
-              <a:t>Explanatory Data Analysis</a:t>
+              <a:t>Data Aggregation</a:t>
             </a:r>
             <a:endParaRPr lang="en-US" dirty="0"/>
           </a:p>
@@ -10511,33 +10651,15 @@
         </p:nvSpPr>
         <p:spPr>
           <a:xfrm>
-            <a:off x="805451" y="1569612"/>
-            <a:ext cx="11235561" cy="5066464"/>
+            <a:off x="767254" y="1345913"/>
+            <a:ext cx="11235559" cy="5010437"/>
           </a:xfrm>
-          <a:pattFill prst="pct5">
-            <a:fgClr>
-              <a:schemeClr val="bg1"/>
-            </a:fgClr>
-            <a:bgClr>
-              <a:schemeClr val="bg1"/>
-            </a:bgClr>
-          </a:pattFill>
-          <a:ln>
-            <a:noFill/>
-          </a:ln>
         </p:spPr>
         <p:txBody>
           <a:bodyPr>
             <a:normAutofit/>
           </a:bodyPr>
           <a:lstStyle/>
-          <a:p>
-            <a:pPr marL="285750" indent="-285750">
-              <a:buFont typeface="Wingdings" charset="2"/>
-              <a:buChar char="Ø"/>
-            </a:pPr>
-            <a:endParaRPr lang="en-US" sz="2000" dirty="0" smtClean="0"/>
-          </a:p>
           <a:p>
             <a:pPr>
               <a:buClr>
@@ -10546,13 +10668,74 @@
               <a:buFont typeface="Wingdings" charset="2"/>
               <a:buChar char="Ø"/>
             </a:pPr>
-            <a:endParaRPr lang="en-US" dirty="0"/>
-          </a:p>
-        </p:txBody>
-      </p:sp>
-      <p:sp>
-        <p:nvSpPr>
-          <p:cNvPr id="9" name="Footer Placeholder 8"/>
+            <a:endParaRPr lang="en-US" sz="2400" dirty="0"/>
+          </a:p>
+          <a:p>
+            <a:pPr>
+              <a:buClr>
+                <a:schemeClr val="tx1"/>
+              </a:buClr>
+              <a:buFont typeface="Wingdings" charset="2"/>
+              <a:buChar char="Ø"/>
+            </a:pPr>
+            <a:r>
+              <a:rPr lang="en-US" sz="1800" dirty="0" smtClean="0"/>
+              <a:t>Aggregate </a:t>
+            </a:r>
+            <a:r>
+              <a:rPr lang="en-US" sz="1800" dirty="0"/>
+              <a:t>purchase amount and </a:t>
+            </a:r>
+            <a:r>
+              <a:rPr lang="en-US" sz="1800" dirty="0" smtClean="0"/>
+              <a:t>quantity of transactions data for each customer.</a:t>
+            </a:r>
+          </a:p>
+          <a:p>
+            <a:pPr marL="0" lvl="0" indent="0">
+              <a:lnSpc>
+                <a:spcPct val="100000"/>
+              </a:lnSpc>
+              <a:spcBef>
+                <a:spcPts val="0"/>
+              </a:spcBef>
+              <a:spcAft>
+                <a:spcPts val="0"/>
+              </a:spcAft>
+              <a:buClr>
+                <a:schemeClr val="tx1"/>
+              </a:buClr>
+              <a:buSzTx/>
+              <a:buNone/>
+              <a:defRPr/>
+            </a:pPr>
+            <a:endParaRPr lang="en-US" sz="2400" dirty="0"/>
+          </a:p>
+          <a:p>
+            <a:pPr marL="0" lvl="0" indent="0">
+              <a:lnSpc>
+                <a:spcPct val="100000"/>
+              </a:lnSpc>
+              <a:spcBef>
+                <a:spcPts val="0"/>
+              </a:spcBef>
+              <a:spcAft>
+                <a:spcPts val="0"/>
+              </a:spcAft>
+              <a:buClr>
+                <a:schemeClr val="tx1"/>
+              </a:buClr>
+              <a:buSzTx/>
+              <a:buNone/>
+              <a:defRPr/>
+            </a:pPr>
+            <a:endParaRPr lang="en-US" sz="2400" dirty="0"/>
+          </a:p>
+        </p:txBody>
+      </p:sp>
+      <p:sp>
+        <p:nvSpPr>
+          <p:cNvPr id="5" name="Footer Placeholder 4"/>
           <p:cNvSpPr>
             <a:spLocks noGrp="1"/>
           </p:cNvSpPr>
@@ -10575,7 +10758,7 @@
       </p:sp>
       <p:sp>
         <p:nvSpPr>
-          <p:cNvPr id="10" name="Slide Number Placeholder 9"/>
+          <p:cNvPr id="9" name="Slide Number Placeholder 8"/>
           <p:cNvSpPr>
             <a:spLocks noGrp="1"/>
           </p:cNvSpPr>
@@ -10598,7 +10781,7 @@
       </p:sp>
       <p:pic>
         <p:nvPicPr>
-          <p:cNvPr id="4" name="Picture 3"/>
+          <p:cNvPr id="6" name="Picture 5"/>
           <p:cNvPicPr>
             <a:picLocks noChangeAspect="1"/>
           </p:cNvPicPr>
@@ -10618,8 +10801,8 @@
         </p:blipFill>
         <p:spPr>
           <a:xfrm>
-            <a:off x="805451" y="1532881"/>
-            <a:ext cx="6574221" cy="4681055"/>
+            <a:off x="5591502" y="2438400"/>
+            <a:ext cx="5678215" cy="3626069"/>
           </a:xfrm>
           <a:prstGeom prst="rect">
             <a:avLst/>
@@ -10634,8 +10817,8 @@
         </p:nvSpPr>
         <p:spPr>
           <a:xfrm>
-            <a:off x="7764741" y="2091559"/>
-            <a:ext cx="3589059" cy="646331"/>
+            <a:off x="767254" y="2669627"/>
+            <a:ext cx="4785990" cy="646331"/>
           </a:xfrm>
           <a:prstGeom prst="rect">
             <a:avLst/>
@@ -10648,20 +10831,32 @@
           </a:bodyPr>
           <a:lstStyle/>
           <a:p>
-            <a:pPr marL="285750" indent="-285750">
+            <a:pPr>
+              <a:buClr>
+                <a:schemeClr val="tx1"/>
+              </a:buClr>
               <a:buFont typeface="Wingdings" charset="2"/>
               <a:buChar char="Ø"/>
             </a:pPr>
             <a:r>
               <a:rPr lang="en-US" dirty="0" smtClean="0"/>
-              <a:t>More than 4000 customers were </a:t>
-            </a:r>
-          </a:p>
-          <a:p>
+              <a:t> Merge </a:t>
+            </a:r>
+            <a:r>
+              <a:rPr lang="en-US" dirty="0"/>
+              <a:t>aggregated transactions and </a:t>
+            </a:r>
+            <a:r>
+              <a:rPr lang="en-US" dirty="0" err="1" smtClean="0"/>
+              <a:t>Hist_Offer</a:t>
+            </a:r>
             <a:r>
               <a:rPr lang="en-US" dirty="0" smtClean="0"/>
-              <a:t>Offered coupon 1197502</a:t>
-            </a:r>
+              <a:t>.</a:t>
+            </a:r>
+            <a:endParaRPr lang="en-US" dirty="0"/>
+          </a:p>
+          <a:p>
             <a:endParaRPr lang="en-US" dirty="0"/>
           </a:p>
         </p:txBody>
@@ -10669,7 +10864,7 @@
     </p:spTree>
     <p:extLst>
       <p:ext uri="{BB962C8B-B14F-4D97-AF65-F5344CB8AC3E}">
-        <p14:creationId xmlns:p14="http://schemas.microsoft.com/office/powerpoint/2010/main" val="1854704048"/>
+        <p14:creationId xmlns:p14="http://schemas.microsoft.com/office/powerpoint/2010/main" val="1553758880"/>
       </p:ext>
     </p:extLst>
   </p:cSld>
@@ -10758,7 +10953,7 @@
         <p:spPr>
           <a:xfrm>
             <a:off x="805451" y="1532882"/>
-            <a:ext cx="11235561" cy="4835875"/>
+            <a:ext cx="11235561" cy="5066464"/>
           </a:xfrm>
           <a:pattFill prst="pct5">
             <a:fgClr>
@@ -10844,7 +11039,7 @@
       </p:sp>
       <p:pic>
         <p:nvPicPr>
-          <p:cNvPr id="5" name="Picture 4"/>
+          <p:cNvPr id="4" name="Picture 3"/>
           <p:cNvPicPr>
             <a:picLocks noChangeAspect="1"/>
           </p:cNvPicPr>
@@ -10864,8 +11059,8 @@
         </p:blipFill>
         <p:spPr>
           <a:xfrm>
-            <a:off x="805450" y="1434662"/>
-            <a:ext cx="6646383" cy="4934095"/>
+            <a:off x="944373" y="1509821"/>
+            <a:ext cx="6451600" cy="4724400"/>
           </a:xfrm>
           <a:prstGeom prst="rect">
             <a:avLst/>
@@ -10880,8 +11075,8 @@
         </p:nvSpPr>
         <p:spPr>
           <a:xfrm>
-            <a:off x="7615903" y="2070539"/>
-            <a:ext cx="4414029" cy="646331"/>
+            <a:off x="7872248" y="1618593"/>
+            <a:ext cx="4014953" cy="923330"/>
           </a:xfrm>
           <a:prstGeom prst="rect">
             <a:avLst/>
@@ -10889,7 +11084,7 @@
           <a:noFill/>
         </p:spPr>
         <p:txBody>
-          <a:bodyPr wrap="none" rtlCol="0">
+          <a:bodyPr wrap="square" rtlCol="0">
             <a:spAutoFit/>
           </a:bodyPr>
           <a:lstStyle/>
@@ -10899,14 +11094,44 @@
               <a:buChar char="Ø"/>
             </a:pPr>
             <a:r>
+              <a:rPr lang="en-US" dirty="0" err="1" smtClean="0"/>
+              <a:t>purchaseamount</a:t>
+            </a:r>
+            <a:r>
               <a:rPr lang="en-US" dirty="0" smtClean="0"/>
-              <a:t>Top 25 highly transacted Categories which</a:t>
-            </a:r>
-          </a:p>
-          <a:p>
+              <a:t>, </a:t>
+            </a:r>
+            <a:r>
+              <a:rPr lang="en-US" dirty="0" err="1" smtClean="0"/>
+              <a:t>purchasequantity</a:t>
+            </a:r>
             <a:r>
               <a:rPr lang="en-US" dirty="0" smtClean="0"/>
-              <a:t> could have impact on prediction</a:t>
+              <a:t> </a:t>
+            </a:r>
+          </a:p>
+          <a:p>
+            <a:r>
+              <a:rPr lang="en-US" dirty="0" smtClean="0"/>
+              <a:t>and </a:t>
+            </a:r>
+            <a:r>
+              <a:rPr lang="en-US" dirty="0" err="1" smtClean="0"/>
+              <a:t>total_transaction_count</a:t>
+            </a:r>
+            <a:r>
+              <a:rPr lang="en-US" dirty="0" smtClean="0"/>
+              <a:t> is found </a:t>
+            </a:r>
+          </a:p>
+          <a:p>
+            <a:r>
+              <a:rPr lang="en-US" dirty="0" smtClean="0"/>
+              <a:t>correlated to </a:t>
+            </a:r>
+            <a:r>
+              <a:rPr lang="en-US" dirty="0" err="1" smtClean="0"/>
+              <a:t>repeattrips</a:t>
             </a:r>
             <a:endParaRPr lang="en-US" dirty="0"/>
           </a:p>
@@ -10915,7 +11140,7 @@
     </p:spTree>
     <p:extLst>
       <p:ext uri="{BB962C8B-B14F-4D97-AF65-F5344CB8AC3E}">
-        <p14:creationId xmlns:p14="http://schemas.microsoft.com/office/powerpoint/2010/main" val="378198315"/>
+        <p14:creationId xmlns:p14="http://schemas.microsoft.com/office/powerpoint/2010/main" val="1415607622"/>
       </p:ext>
     </p:extLst>
   </p:cSld>
@@ -10973,7 +11198,7 @@
         </p:nvSpPr>
         <p:spPr>
           <a:xfrm>
-            <a:off x="767254" y="751490"/>
+            <a:off x="959342" y="660209"/>
             <a:ext cx="10273315" cy="683172"/>
           </a:xfrm>
         </p:spPr>
@@ -10985,7 +11210,7 @@
           <a:p>
             <a:r>
               <a:rPr lang="en-US" dirty="0" smtClean="0"/>
-              <a:t>Data Aggregation</a:t>
+              <a:t>Feature Extraction</a:t>
             </a:r>
             <a:endParaRPr lang="en-US" dirty="0"/>
           </a:p>
@@ -11003,91 +11228,208 @@
         </p:nvSpPr>
         <p:spPr>
           <a:xfrm>
-            <a:off x="767254" y="1345913"/>
-            <a:ext cx="11235559" cy="5010437"/>
+            <a:off x="568798" y="1617224"/>
+            <a:ext cx="5724101" cy="4921688"/>
           </a:xfrm>
+          <a:pattFill prst="pct5">
+            <a:fgClr>
+              <a:schemeClr val="bg1"/>
+            </a:fgClr>
+            <a:bgClr>
+              <a:schemeClr val="bg1"/>
+            </a:bgClr>
+          </a:pattFill>
+          <a:ln>
+            <a:noFill/>
+          </a:ln>
         </p:spPr>
         <p:txBody>
           <a:bodyPr>
-            <a:normAutofit/>
+            <a:normAutofit fontScale="77500" lnSpcReduction="20000"/>
           </a:bodyPr>
           <a:lstStyle/>
           <a:p>
-            <a:pPr>
-              <a:buClr>
-                <a:schemeClr val="tx1"/>
-              </a:buClr>
+            <a:pPr marL="285750" indent="-285750">
               <a:buFont typeface="Wingdings" charset="2"/>
               <a:buChar char="Ø"/>
             </a:pPr>
-            <a:endParaRPr lang="en-US" sz="2400" dirty="0"/>
-          </a:p>
-          <a:p>
-            <a:pPr>
-              <a:buClr>
-                <a:schemeClr val="tx1"/>
-              </a:buClr>
+            <a:r>
+              <a:rPr lang="mr-IN" dirty="0" err="1"/>
+              <a:t>offer</a:t>
+            </a:r>
+            <a:r>
+              <a:rPr lang="mr-IN" dirty="0"/>
+              <a:t>                                     </a:t>
+            </a:r>
+            <a:r>
+              <a:rPr lang="mr-IN" dirty="0" err="1"/>
+              <a:t>repeater</a:t>
+            </a:r>
+            <a:r>
+              <a:rPr lang="mr-IN" dirty="0"/>
+              <a:t>                                  </a:t>
+            </a:r>
+            <a:r>
+              <a:rPr lang="mr-IN" dirty="0" err="1"/>
+              <a:t>repeattrips</a:t>
+            </a:r>
+            <a:r>
+              <a:rPr lang="mr-IN" dirty="0"/>
+              <a:t>                               </a:t>
+            </a:r>
+            <a:r>
+              <a:rPr lang="en-US" dirty="0" smtClean="0"/>
+              <a:t>offer_</a:t>
+            </a:r>
+            <a:r>
+              <a:rPr lang="mr-IN" dirty="0" err="1" smtClean="0"/>
+              <a:t>company</a:t>
+            </a:r>
+            <a:r>
+              <a:rPr lang="mr-IN" dirty="0" smtClean="0"/>
+              <a:t>                                   </a:t>
+            </a:r>
+            <a:r>
+              <a:rPr lang="en-US" dirty="0" smtClean="0"/>
+              <a:t>offer_</a:t>
+            </a:r>
+            <a:r>
+              <a:rPr lang="mr-IN" dirty="0" err="1" smtClean="0"/>
+              <a:t>category</a:t>
+            </a:r>
+            <a:r>
+              <a:rPr lang="mr-IN" dirty="0" smtClean="0"/>
+              <a:t>                                  </a:t>
+            </a:r>
+            <a:r>
+              <a:rPr lang="en-US" dirty="0" smtClean="0"/>
+              <a:t>offer_</a:t>
+            </a:r>
+            <a:r>
+              <a:rPr lang="mr-IN" dirty="0" err="1" smtClean="0"/>
+              <a:t>brand</a:t>
+            </a:r>
+            <a:endParaRPr lang="en-US" dirty="0" smtClean="0"/>
+          </a:p>
+          <a:p>
+            <a:pPr marL="285750" indent="-285750">
               <a:buFont typeface="Wingdings" charset="2"/>
               <a:buChar char="Ø"/>
             </a:pPr>
             <a:r>
-              <a:rPr lang="en-US" sz="1800" dirty="0" smtClean="0"/>
-              <a:t>Aggregate </a:t>
-            </a:r>
-            <a:r>
-              <a:rPr lang="en-US" sz="1800" dirty="0"/>
-              <a:t>purchase amount and </a:t>
-            </a:r>
-            <a:r>
-              <a:rPr lang="en-US" sz="1800" dirty="0" smtClean="0"/>
-              <a:t>quantity of transactions data for each customer.</a:t>
-            </a:r>
-          </a:p>
-          <a:p>
-            <a:pPr marL="0" lvl="0" indent="0">
-              <a:lnSpc>
-                <a:spcPct val="100000"/>
-              </a:lnSpc>
-              <a:spcBef>
-                <a:spcPts val="0"/>
-              </a:spcBef>
-              <a:spcAft>
-                <a:spcPts val="0"/>
-              </a:spcAft>
-              <a:buClr>
-                <a:schemeClr val="tx1"/>
-              </a:buClr>
-              <a:buSzTx/>
-              <a:buNone/>
-              <a:defRPr/>
+              <a:rPr lang="mr-IN" dirty="0" err="1"/>
+              <a:t>offervalue</a:t>
+            </a:r>
+            <a:r>
+              <a:rPr lang="mr-IN" dirty="0"/>
+              <a:t>                                </a:t>
+            </a:r>
+            <a:r>
+              <a:rPr lang="mr-IN" dirty="0" err="1"/>
+              <a:t>offeredmonth</a:t>
+            </a:r>
+            <a:r>
+              <a:rPr lang="mr-IN" dirty="0"/>
+              <a:t>                              </a:t>
+            </a:r>
+            <a:r>
+              <a:rPr lang="mr-IN" dirty="0" err="1" smtClean="0"/>
+              <a:t>quantity</a:t>
+            </a:r>
+            <a:endParaRPr lang="en-US" dirty="0" smtClean="0"/>
+          </a:p>
+          <a:p>
+            <a:pPr marL="285750" indent="-285750">
+              <a:buFont typeface="Wingdings" charset="2"/>
+              <a:buChar char="Ø"/>
             </a:pPr>
-            <a:endParaRPr lang="en-US" sz="2400" dirty="0"/>
-          </a:p>
-          <a:p>
-            <a:pPr marL="0" lvl="0" indent="0">
-              <a:lnSpc>
-                <a:spcPct val="100000"/>
-              </a:lnSpc>
-              <a:spcBef>
-                <a:spcPts val="0"/>
-              </a:spcBef>
-              <a:spcAft>
-                <a:spcPts val="0"/>
-              </a:spcAft>
-              <a:buClr>
-                <a:schemeClr val="tx1"/>
-              </a:buClr>
-              <a:buSzTx/>
-              <a:buNone/>
-              <a:defRPr/>
+            <a:r>
+              <a:rPr lang="en-US" dirty="0" err="1"/>
+              <a:t>t</a:t>
+            </a:r>
+            <a:r>
+              <a:rPr lang="en-US" dirty="0" err="1" smtClean="0"/>
+              <a:t>otal_purchaseamount</a:t>
+            </a:r>
+            <a:r>
+              <a:rPr lang="en-US" dirty="0" smtClean="0"/>
+              <a:t>                            </a:t>
+            </a:r>
+            <a:r>
+              <a:rPr lang="en-US" dirty="0" err="1" smtClean="0"/>
+              <a:t>total_urchasequantity</a:t>
+            </a:r>
+            <a:endParaRPr lang="en-US" dirty="0" smtClean="0"/>
+          </a:p>
+          <a:p>
+            <a:pPr marL="285750" indent="-285750">
+              <a:buFont typeface="Wingdings" charset="2"/>
+              <a:buChar char="Ø"/>
             </a:pPr>
-            <a:endParaRPr lang="en-US" sz="2400" dirty="0"/>
-          </a:p>
-        </p:txBody>
-      </p:sp>
-      <p:sp>
-        <p:nvSpPr>
-          <p:cNvPr id="5" name="Footer Placeholder 4"/>
+            <a:r>
+              <a:rPr lang="en-US" dirty="0" err="1"/>
+              <a:t>total_trans_purchaseamount_avg</a:t>
+            </a:r>
+            <a:r>
+              <a:rPr lang="en-US" dirty="0"/>
+              <a:t> </a:t>
+            </a:r>
+            <a:r>
+              <a:rPr lang="en-US" dirty="0" err="1"/>
+              <a:t>purchaseamount_category_avg</a:t>
+            </a:r>
+            <a:endParaRPr lang="en-US" dirty="0" smtClean="0"/>
+          </a:p>
+          <a:p>
+            <a:pPr marL="285750" indent="-285750">
+              <a:buFont typeface="Wingdings" charset="2"/>
+              <a:buChar char="Ø"/>
+            </a:pPr>
+            <a:r>
+              <a:rPr lang="en-US" dirty="0" err="1"/>
+              <a:t>total_transactions_count</a:t>
+            </a:r>
+            <a:endParaRPr lang="en-US" dirty="0" smtClean="0"/>
+          </a:p>
+          <a:p>
+            <a:pPr marL="285750" indent="-285750">
+              <a:buFont typeface="Wingdings" charset="2"/>
+              <a:buChar char="Ø"/>
+            </a:pPr>
+            <a:r>
+              <a:rPr lang="en-US" dirty="0" err="1"/>
+              <a:t>total_purcahse_company_count</a:t>
+            </a:r>
+            <a:r>
+              <a:rPr lang="en-US" dirty="0"/>
+              <a:t>              </a:t>
+            </a:r>
+            <a:r>
+              <a:rPr lang="en-US" dirty="0" err="1"/>
+              <a:t>total_purcahse_category_count</a:t>
+            </a:r>
+            <a:r>
+              <a:rPr lang="en-US" dirty="0"/>
+              <a:t>             </a:t>
+            </a:r>
+            <a:r>
+              <a:rPr lang="en-US" dirty="0" err="1" smtClean="0"/>
+              <a:t>total_purcahse_brand_count</a:t>
+            </a:r>
+            <a:endParaRPr lang="en-US" dirty="0" smtClean="0"/>
+          </a:p>
+          <a:p>
+            <a:pPr marL="285750" indent="-285750">
+              <a:buFont typeface="Wingdings" charset="2"/>
+              <a:buChar char="Ø"/>
+            </a:pPr>
+            <a:endParaRPr lang="en-US" dirty="0"/>
+          </a:p>
+        </p:txBody>
+      </p:sp>
+      <p:sp>
+        <p:nvSpPr>
+          <p:cNvPr id="9" name="Footer Placeholder 8"/>
           <p:cNvSpPr>
             <a:spLocks noGrp="1"/>
           </p:cNvSpPr>
@@ -11101,16 +11443,16 @@
           <a:lstStyle/>
           <a:p>
             <a:r>
-              <a:rPr lang="en-US" smtClean="0"/>
+              <a:rPr lang="en-US" dirty="0" smtClean="0"/>
               <a:t>Acquire Valued Customers</a:t>
             </a:r>
-            <a:endParaRPr lang="en-US"/>
-          </a:p>
-        </p:txBody>
-      </p:sp>
-      <p:sp>
-        <p:nvSpPr>
-          <p:cNvPr id="9" name="Slide Number Placeholder 8"/>
+            <a:endParaRPr lang="en-US" dirty="0"/>
+          </a:p>
+        </p:txBody>
+      </p:sp>
+      <p:sp>
+        <p:nvSpPr>
+          <p:cNvPr id="10" name="Slide Number Placeholder 9"/>
           <p:cNvSpPr>
             <a:spLocks noGrp="1"/>
           </p:cNvSpPr>
@@ -11131,46 +11473,16 @@
           </a:p>
         </p:txBody>
       </p:sp>
-      <p:pic>
-        <p:nvPicPr>
-          <p:cNvPr id="6" name="Picture 5"/>
-          <p:cNvPicPr>
-            <a:picLocks noChangeAspect="1"/>
-          </p:cNvPicPr>
+      <p:sp>
+        <p:nvSpPr>
+          <p:cNvPr id="5" name="TextBox 4"/>
+          <p:cNvSpPr txBox="1"/>
           <p:nvPr/>
-        </p:nvPicPr>
-        <p:blipFill>
-          <a:blip r:embed="rId2">
-            <a:extLst>
-              <a:ext uri="{28A0092B-C50C-407E-A947-70E740481C1C}">
-                <a14:useLocalDpi xmlns:a14="http://schemas.microsoft.com/office/drawing/2010/main" val="0"/>
-              </a:ext>
-            </a:extLst>
-          </a:blip>
-          <a:stretch>
-            <a:fillRect/>
-          </a:stretch>
-        </p:blipFill>
+        </p:nvSpPr>
         <p:spPr>
           <a:xfrm>
-            <a:off x="5591502" y="2438400"/>
-            <a:ext cx="5678215" cy="3626069"/>
-          </a:xfrm>
-          <a:prstGeom prst="rect">
-            <a:avLst/>
-          </a:prstGeom>
-        </p:spPr>
-      </p:pic>
-      <p:sp>
-        <p:nvSpPr>
-          <p:cNvPr id="7" name="TextBox 6"/>
-          <p:cNvSpPr txBox="1"/>
-          <p:nvPr/>
-        </p:nvSpPr>
-        <p:spPr>
-          <a:xfrm>
-            <a:off x="767254" y="2669627"/>
-            <a:ext cx="4785990" cy="646331"/>
+            <a:off x="5917323" y="1434662"/>
+            <a:ext cx="5917325" cy="4832092"/>
           </a:xfrm>
           <a:prstGeom prst="rect">
             <a:avLst/>
@@ -11178,45 +11490,172 @@
           <a:noFill/>
         </p:spPr>
         <p:txBody>
-          <a:bodyPr wrap="none" rtlCol="0">
+          <a:bodyPr wrap="square" rtlCol="0">
             <a:spAutoFit/>
           </a:bodyPr>
           <a:lstStyle/>
           <a:p>
-            <a:pPr>
-              <a:buClr>
-                <a:schemeClr val="tx1"/>
-              </a:buClr>
+            <a:pPr marL="285750" indent="-285750">
               <a:buFont typeface="Wingdings" charset="2"/>
               <a:buChar char="Ø"/>
             </a:pPr>
             <a:r>
-              <a:rPr lang="en-US" dirty="0" smtClean="0"/>
-              <a:t> Merge </a:t>
-            </a:r>
-            <a:r>
-              <a:rPr lang="en-US" dirty="0"/>
-              <a:t>aggregated transactions and </a:t>
-            </a:r>
-            <a:r>
-              <a:rPr lang="en-US" dirty="0" err="1" smtClean="0"/>
-              <a:t>Hist_Offer</a:t>
-            </a:r>
-            <a:r>
-              <a:rPr lang="en-US" dirty="0" smtClean="0"/>
-              <a:t>.</a:t>
-            </a:r>
-            <a:endParaRPr lang="en-US" dirty="0"/>
-          </a:p>
-          <a:p>
-            <a:endParaRPr lang="en-US" dirty="0"/>
+              <a:rPr lang="en-US" sz="2200" dirty="0"/>
+              <a:t>[1,3,6,9,12]_</a:t>
+            </a:r>
+            <a:r>
+              <a:rPr lang="en-US" sz="2200" dirty="0" err="1" smtClean="0"/>
+              <a:t>month_total_purchase_amt</a:t>
+            </a:r>
+            <a:endParaRPr lang="en-US" sz="2200" dirty="0" smtClean="0"/>
+          </a:p>
+          <a:p>
+            <a:pPr marL="285750" indent="-285750">
+              <a:buFont typeface="Wingdings" charset="2"/>
+              <a:buChar char="Ø"/>
+            </a:pPr>
+            <a:endParaRPr lang="en-US" sz="2200" dirty="0" smtClean="0"/>
+          </a:p>
+          <a:p>
+            <a:pPr marL="285750" indent="-285750">
+              <a:buFont typeface="Wingdings" charset="2"/>
+              <a:buChar char="Ø"/>
+            </a:pPr>
+            <a:r>
+              <a:rPr lang="en-US" sz="2200" dirty="0" err="1"/>
+              <a:t>category_purchased_amt</a:t>
+            </a:r>
+            <a:r>
+              <a:rPr lang="en-US" sz="2200" dirty="0"/>
+              <a:t>_[</a:t>
+            </a:r>
+            <a:r>
+              <a:rPr lang="en-US" sz="2200" dirty="0" smtClean="0"/>
+              <a:t>30,90,180,270]days </a:t>
+            </a:r>
+            <a:r>
+              <a:rPr lang="en-US" sz="2200" dirty="0" err="1" smtClean="0"/>
+              <a:t>category_purchased_qty</a:t>
+            </a:r>
+            <a:r>
+              <a:rPr lang="en-US" sz="2200" dirty="0"/>
+              <a:t>_[30,90,180,270]days </a:t>
+            </a:r>
+            <a:endParaRPr lang="en-US" sz="2200" dirty="0" smtClean="0"/>
+          </a:p>
+          <a:p>
+            <a:pPr marL="285750" indent="-285750">
+              <a:buFont typeface="Wingdings" charset="2"/>
+              <a:buChar char="Ø"/>
+            </a:pPr>
+            <a:endParaRPr lang="en-US" sz="2200" dirty="0" smtClean="0"/>
+          </a:p>
+          <a:p>
+            <a:pPr marL="285750" indent="-285750">
+              <a:buFont typeface="Wingdings" charset="2"/>
+              <a:buChar char="Ø"/>
+            </a:pPr>
+            <a:r>
+              <a:rPr lang="en-US" sz="2200" dirty="0" err="1"/>
+              <a:t>company_purchased_amt</a:t>
+            </a:r>
+            <a:r>
+              <a:rPr lang="en-US" sz="2200" dirty="0"/>
+              <a:t>_[</a:t>
+            </a:r>
+            <a:r>
+              <a:rPr lang="en-US" sz="2200" dirty="0" smtClean="0"/>
+              <a:t>30,90,180,270]days </a:t>
+            </a:r>
+            <a:r>
+              <a:rPr lang="en-US" sz="2200" dirty="0" err="1" smtClean="0"/>
+              <a:t>company_purchased_qty</a:t>
+            </a:r>
+            <a:r>
+              <a:rPr lang="en-US" sz="2200" dirty="0"/>
+              <a:t>_[</a:t>
+            </a:r>
+            <a:r>
+              <a:rPr lang="en-US" sz="2200" dirty="0" smtClean="0"/>
+              <a:t>30,90,180,270]days</a:t>
+            </a:r>
+          </a:p>
+          <a:p>
+            <a:pPr marL="285750" indent="-285750">
+              <a:buFont typeface="Wingdings" charset="2"/>
+              <a:buChar char="Ø"/>
+            </a:pPr>
+            <a:endParaRPr lang="en-US" sz="2200" dirty="0"/>
+          </a:p>
+          <a:p>
+            <a:pPr marL="285750" indent="-285750">
+              <a:buFont typeface="Wingdings" charset="2"/>
+              <a:buChar char="Ø"/>
+            </a:pPr>
+            <a:r>
+              <a:rPr lang="en-US" sz="2200" dirty="0" err="1"/>
+              <a:t>brand_purchased_amt</a:t>
+            </a:r>
+            <a:r>
+              <a:rPr lang="en-US" sz="2200" dirty="0"/>
+              <a:t>_[</a:t>
+            </a:r>
+            <a:r>
+              <a:rPr lang="en-US" sz="2200" dirty="0" smtClean="0"/>
+              <a:t>30,90,180,270]days </a:t>
+            </a:r>
+            <a:r>
+              <a:rPr lang="en-US" sz="2200" dirty="0" err="1" smtClean="0"/>
+              <a:t>brand_purchased_qty</a:t>
+            </a:r>
+            <a:r>
+              <a:rPr lang="en-US" sz="2200" dirty="0"/>
+              <a:t>_[</a:t>
+            </a:r>
+            <a:r>
+              <a:rPr lang="en-US" sz="2200" dirty="0" smtClean="0"/>
+              <a:t>30,90,180,270]days</a:t>
+            </a:r>
+          </a:p>
+          <a:p>
+            <a:pPr marL="285750" indent="-285750">
+              <a:buFont typeface="Wingdings" charset="2"/>
+              <a:buChar char="Ø"/>
+            </a:pPr>
+            <a:endParaRPr lang="en-US" sz="2200" dirty="0" smtClean="0"/>
+          </a:p>
+          <a:p>
+            <a:pPr marL="285750" indent="-285750">
+              <a:buFont typeface="Wingdings" charset="2"/>
+              <a:buChar char="Ø"/>
+            </a:pPr>
+            <a:r>
+              <a:rPr lang="en-US" sz="2200" dirty="0" err="1" smtClean="0"/>
+              <a:t>purchased_company_category_brand_count</a:t>
+            </a:r>
+            <a:r>
+              <a:rPr lang="en-US" sz="2200" dirty="0" smtClean="0"/>
+              <a:t> </a:t>
+            </a:r>
+            <a:r>
+              <a:rPr lang="en-US" sz="2200" dirty="0" err="1" smtClean="0"/>
+              <a:t>purchased_company_category_count</a:t>
+            </a:r>
+            <a:endParaRPr lang="en-US" sz="2200" dirty="0"/>
+          </a:p>
+          <a:p>
+            <a:pPr marL="285750" indent="-285750">
+              <a:buFont typeface="Wingdings" charset="2"/>
+              <a:buChar char="Ø"/>
+            </a:pPr>
+            <a:endParaRPr lang="en-US" sz="2200" dirty="0"/>
           </a:p>
         </p:txBody>
       </p:sp>
     </p:spTree>
     <p:extLst>
       <p:ext uri="{BB962C8B-B14F-4D97-AF65-F5344CB8AC3E}">
-        <p14:creationId xmlns:p14="http://schemas.microsoft.com/office/powerpoint/2010/main" val="1553758880"/>
+        <p14:creationId xmlns:p14="http://schemas.microsoft.com/office/powerpoint/2010/main" val="514492617"/>
       </p:ext>
     </p:extLst>
   </p:cSld>
@@ -11272,785 +11711,6 @@
             <p:ph type="title"/>
           </p:nvPr>
         </p:nvSpPr>
-        <p:spPr>
-          <a:xfrm>
-            <a:off x="944373" y="751490"/>
-            <a:ext cx="10273315" cy="683172"/>
-          </a:xfrm>
-        </p:spPr>
-        <p:txBody>
-          <a:bodyPr>
-            <a:normAutofit fontScale="90000"/>
-          </a:bodyPr>
-          <a:lstStyle/>
-          <a:p>
-            <a:r>
-              <a:rPr lang="en-US" dirty="0" smtClean="0"/>
-              <a:t>Explanatory Data Analysis</a:t>
-            </a:r>
-            <a:endParaRPr lang="en-US" dirty="0"/>
-          </a:p>
-        </p:txBody>
-      </p:sp>
-      <p:sp>
-        <p:nvSpPr>
-          <p:cNvPr id="3" name="Content Placeholder 2"/>
-          <p:cNvSpPr>
-            <a:spLocks noGrp="1"/>
-          </p:cNvSpPr>
-          <p:nvPr>
-            <p:ph idx="1"/>
-          </p:nvPr>
-        </p:nvSpPr>
-        <p:spPr>
-          <a:xfrm>
-            <a:off x="805451" y="1532882"/>
-            <a:ext cx="11235561" cy="5066464"/>
-          </a:xfrm>
-          <a:pattFill prst="pct5">
-            <a:fgClr>
-              <a:schemeClr val="bg1"/>
-            </a:fgClr>
-            <a:bgClr>
-              <a:schemeClr val="bg1"/>
-            </a:bgClr>
-          </a:pattFill>
-          <a:ln>
-            <a:noFill/>
-          </a:ln>
-        </p:spPr>
-        <p:txBody>
-          <a:bodyPr>
-            <a:normAutofit/>
-          </a:bodyPr>
-          <a:lstStyle/>
-          <a:p>
-            <a:pPr marL="285750" indent="-285750">
-              <a:buFont typeface="Wingdings" charset="2"/>
-              <a:buChar char="Ø"/>
-            </a:pPr>
-            <a:endParaRPr lang="en-US" sz="2000" dirty="0" smtClean="0"/>
-          </a:p>
-          <a:p>
-            <a:pPr>
-              <a:buClr>
-                <a:schemeClr val="tx1"/>
-              </a:buClr>
-              <a:buFont typeface="Wingdings" charset="2"/>
-              <a:buChar char="Ø"/>
-            </a:pPr>
-            <a:endParaRPr lang="en-US" dirty="0"/>
-          </a:p>
-        </p:txBody>
-      </p:sp>
-      <p:sp>
-        <p:nvSpPr>
-          <p:cNvPr id="9" name="Footer Placeholder 8"/>
-          <p:cNvSpPr>
-            <a:spLocks noGrp="1"/>
-          </p:cNvSpPr>
-          <p:nvPr>
-            <p:ph type="ftr" sz="quarter" idx="11"/>
-          </p:nvPr>
-        </p:nvSpPr>
-        <p:spPr/>
-        <p:txBody>
-          <a:bodyPr/>
-          <a:lstStyle/>
-          <a:p>
-            <a:r>
-              <a:rPr lang="en-US" smtClean="0"/>
-              <a:t>Acquire Valued Customers</a:t>
-            </a:r>
-            <a:endParaRPr lang="en-US"/>
-          </a:p>
-        </p:txBody>
-      </p:sp>
-      <p:sp>
-        <p:nvSpPr>
-          <p:cNvPr id="10" name="Slide Number Placeholder 9"/>
-          <p:cNvSpPr>
-            <a:spLocks noGrp="1"/>
-          </p:cNvSpPr>
-          <p:nvPr>
-            <p:ph type="sldNum" sz="quarter" idx="12"/>
-          </p:nvPr>
-        </p:nvSpPr>
-        <p:spPr/>
-        <p:txBody>
-          <a:bodyPr/>
-          <a:lstStyle/>
-          <a:p>
-            <a:fld id="{60EF466A-EEA5-8240-8FEF-ED01E632D46D}" type="slidenum">
-              <a:rPr lang="en-US" smtClean="0"/>
-              <a:t>15</a:t>
-            </a:fld>
-            <a:endParaRPr lang="en-US"/>
-          </a:p>
-        </p:txBody>
-      </p:sp>
-      <p:pic>
-        <p:nvPicPr>
-          <p:cNvPr id="4" name="Picture 3"/>
-          <p:cNvPicPr>
-            <a:picLocks noChangeAspect="1"/>
-          </p:cNvPicPr>
-          <p:nvPr/>
-        </p:nvPicPr>
-        <p:blipFill>
-          <a:blip r:embed="rId2">
-            <a:extLst>
-              <a:ext uri="{28A0092B-C50C-407E-A947-70E740481C1C}">
-                <a14:useLocalDpi xmlns:a14="http://schemas.microsoft.com/office/drawing/2010/main" val="0"/>
-              </a:ext>
-            </a:extLst>
-          </a:blip>
-          <a:stretch>
-            <a:fillRect/>
-          </a:stretch>
-        </p:blipFill>
-        <p:spPr>
-          <a:xfrm>
-            <a:off x="944373" y="1509821"/>
-            <a:ext cx="6451600" cy="4724400"/>
-          </a:xfrm>
-          <a:prstGeom prst="rect">
-            <a:avLst/>
-          </a:prstGeom>
-        </p:spPr>
-      </p:pic>
-      <p:sp>
-        <p:nvSpPr>
-          <p:cNvPr id="6" name="TextBox 5"/>
-          <p:cNvSpPr txBox="1"/>
-          <p:nvPr/>
-        </p:nvSpPr>
-        <p:spPr>
-          <a:xfrm>
-            <a:off x="7872248" y="1618593"/>
-            <a:ext cx="4014953" cy="923330"/>
-          </a:xfrm>
-          <a:prstGeom prst="rect">
-            <a:avLst/>
-          </a:prstGeom>
-          <a:noFill/>
-        </p:spPr>
-        <p:txBody>
-          <a:bodyPr wrap="square" rtlCol="0">
-            <a:spAutoFit/>
-          </a:bodyPr>
-          <a:lstStyle/>
-          <a:p>
-            <a:pPr marL="285750" indent="-285750">
-              <a:buFont typeface="Wingdings" charset="2"/>
-              <a:buChar char="Ø"/>
-            </a:pPr>
-            <a:r>
-              <a:rPr lang="en-US" dirty="0" err="1" smtClean="0"/>
-              <a:t>purchaseamount</a:t>
-            </a:r>
-            <a:r>
-              <a:rPr lang="en-US" dirty="0" smtClean="0"/>
-              <a:t>, </a:t>
-            </a:r>
-            <a:r>
-              <a:rPr lang="en-US" dirty="0" err="1" smtClean="0"/>
-              <a:t>purchasequantity</a:t>
-            </a:r>
-            <a:r>
-              <a:rPr lang="en-US" dirty="0" smtClean="0"/>
-              <a:t> </a:t>
-            </a:r>
-          </a:p>
-          <a:p>
-            <a:r>
-              <a:rPr lang="en-US" dirty="0" smtClean="0"/>
-              <a:t>and </a:t>
-            </a:r>
-            <a:r>
-              <a:rPr lang="en-US" dirty="0" err="1" smtClean="0"/>
-              <a:t>total_transaction_count</a:t>
-            </a:r>
-            <a:r>
-              <a:rPr lang="en-US" dirty="0" smtClean="0"/>
-              <a:t> is found </a:t>
-            </a:r>
-          </a:p>
-          <a:p>
-            <a:r>
-              <a:rPr lang="en-US" dirty="0" smtClean="0"/>
-              <a:t>correlated to </a:t>
-            </a:r>
-            <a:r>
-              <a:rPr lang="en-US" dirty="0" err="1" smtClean="0"/>
-              <a:t>repeattrips</a:t>
-            </a:r>
-            <a:endParaRPr lang="en-US" dirty="0"/>
-          </a:p>
-        </p:txBody>
-      </p:sp>
-    </p:spTree>
-    <p:extLst>
-      <p:ext uri="{BB962C8B-B14F-4D97-AF65-F5344CB8AC3E}">
-        <p14:creationId xmlns:p14="http://schemas.microsoft.com/office/powerpoint/2010/main" val="1415607622"/>
-      </p:ext>
-    </p:extLst>
-  </p:cSld>
-  <p:clrMapOvr>
-    <a:masterClrMapping/>
-  </p:clrMapOvr>
-  <mc:AlternateContent xmlns:mc="http://schemas.openxmlformats.org/markup-compatibility/2006" xmlns:p14="http://schemas.microsoft.com/office/powerpoint/2010/main">
-    <mc:Choice Requires="p14">
-      <p:transition spd="slow" p14:dur="1400">
-        <p14:doors dir="vert"/>
-      </p:transition>
-    </mc:Choice>
-    <mc:Fallback xmlns="">
-      <p:transition spd="slow">
-        <p:fade/>
-      </p:transition>
-    </mc:Fallback>
-  </mc:AlternateContent>
-  <p:timing>
-    <p:tnLst>
-      <p:par>
-        <p:cTn id="1" dur="indefinite" restart="never" nodeType="tmRoot"/>
-      </p:par>
-    </p:tnLst>
-  </p:timing>
-</p:sld>
-</file>
-
-<file path=ppt/slides/slide16.xml><?xml version="1.0" encoding="utf-8"?>
-<p:sld xmlns:a="http://schemas.openxmlformats.org/drawingml/2006/main" xmlns:r="http://schemas.openxmlformats.org/officeDocument/2006/relationships" xmlns:p="http://schemas.openxmlformats.org/presentationml/2006/main" showMasterSp="0">
-  <p:cSld>
-    <p:spTree>
-      <p:nvGrpSpPr>
-        <p:cNvPr id="1" name=""/>
-        <p:cNvGrpSpPr/>
-        <p:nvPr/>
-      </p:nvGrpSpPr>
-      <p:grpSpPr>
-        <a:xfrm>
-          <a:off x="0" y="0"/>
-          <a:ext cx="0" cy="0"/>
-          <a:chOff x="0" y="0"/>
-          <a:chExt cx="0" cy="0"/>
-        </a:xfrm>
-      </p:grpSpPr>
-      <p:sp>
-        <p:nvSpPr>
-          <p:cNvPr id="2" name="Title 1"/>
-          <p:cNvSpPr>
-            <a:spLocks noGrp="1"/>
-          </p:cNvSpPr>
-          <p:nvPr>
-            <p:ph type="title"/>
-          </p:nvPr>
-        </p:nvSpPr>
-        <p:spPr>
-          <a:xfrm>
-            <a:off x="959342" y="660209"/>
-            <a:ext cx="10273315" cy="683172"/>
-          </a:xfrm>
-        </p:spPr>
-        <p:txBody>
-          <a:bodyPr>
-            <a:normAutofit fontScale="90000"/>
-          </a:bodyPr>
-          <a:lstStyle/>
-          <a:p>
-            <a:r>
-              <a:rPr lang="en-US" dirty="0" smtClean="0"/>
-              <a:t>Feature Extraction</a:t>
-            </a:r>
-            <a:endParaRPr lang="en-US" dirty="0"/>
-          </a:p>
-        </p:txBody>
-      </p:sp>
-      <p:sp>
-        <p:nvSpPr>
-          <p:cNvPr id="3" name="Content Placeholder 2"/>
-          <p:cNvSpPr>
-            <a:spLocks noGrp="1"/>
-          </p:cNvSpPr>
-          <p:nvPr>
-            <p:ph idx="1"/>
-          </p:nvPr>
-        </p:nvSpPr>
-        <p:spPr>
-          <a:xfrm>
-            <a:off x="568798" y="1617224"/>
-            <a:ext cx="5724101" cy="4921688"/>
-          </a:xfrm>
-          <a:pattFill prst="pct5">
-            <a:fgClr>
-              <a:schemeClr val="bg1"/>
-            </a:fgClr>
-            <a:bgClr>
-              <a:schemeClr val="bg1"/>
-            </a:bgClr>
-          </a:pattFill>
-          <a:ln>
-            <a:noFill/>
-          </a:ln>
-        </p:spPr>
-        <p:txBody>
-          <a:bodyPr>
-            <a:normAutofit fontScale="77500" lnSpcReduction="20000"/>
-          </a:bodyPr>
-          <a:lstStyle/>
-          <a:p>
-            <a:pPr marL="285750" indent="-285750">
-              <a:buFont typeface="Wingdings" charset="2"/>
-              <a:buChar char="Ø"/>
-            </a:pPr>
-            <a:r>
-              <a:rPr lang="mr-IN" dirty="0" err="1"/>
-              <a:t>offer</a:t>
-            </a:r>
-            <a:r>
-              <a:rPr lang="mr-IN" dirty="0"/>
-              <a:t>                                     </a:t>
-            </a:r>
-            <a:r>
-              <a:rPr lang="mr-IN" dirty="0" err="1"/>
-              <a:t>repeater</a:t>
-            </a:r>
-            <a:r>
-              <a:rPr lang="mr-IN" dirty="0"/>
-              <a:t>                                  </a:t>
-            </a:r>
-            <a:r>
-              <a:rPr lang="mr-IN" dirty="0" err="1"/>
-              <a:t>repeattrips</a:t>
-            </a:r>
-            <a:r>
-              <a:rPr lang="mr-IN" dirty="0"/>
-              <a:t>                               </a:t>
-            </a:r>
-            <a:r>
-              <a:rPr lang="mr-IN" dirty="0" err="1"/>
-              <a:t>company</a:t>
-            </a:r>
-            <a:r>
-              <a:rPr lang="mr-IN" dirty="0"/>
-              <a:t>                                   </a:t>
-            </a:r>
-            <a:r>
-              <a:rPr lang="mr-IN" dirty="0" err="1" smtClean="0"/>
-              <a:t>category</a:t>
-            </a:r>
-            <a:r>
-              <a:rPr lang="mr-IN" dirty="0" smtClean="0"/>
-              <a:t>                                  </a:t>
-            </a:r>
-            <a:r>
-              <a:rPr lang="mr-IN" dirty="0" err="1" smtClean="0"/>
-              <a:t>brand</a:t>
-            </a:r>
-            <a:endParaRPr lang="en-US" dirty="0" smtClean="0"/>
-          </a:p>
-          <a:p>
-            <a:pPr marL="285750" indent="-285750">
-              <a:buFont typeface="Wingdings" charset="2"/>
-              <a:buChar char="Ø"/>
-            </a:pPr>
-            <a:r>
-              <a:rPr lang="mr-IN" dirty="0" err="1"/>
-              <a:t>offervalue</a:t>
-            </a:r>
-            <a:r>
-              <a:rPr lang="mr-IN" dirty="0"/>
-              <a:t>                                </a:t>
-            </a:r>
-            <a:r>
-              <a:rPr lang="mr-IN" dirty="0" err="1"/>
-              <a:t>offeredmonth</a:t>
-            </a:r>
-            <a:r>
-              <a:rPr lang="mr-IN" dirty="0"/>
-              <a:t>                              </a:t>
-            </a:r>
-            <a:r>
-              <a:rPr lang="mr-IN" dirty="0" err="1" smtClean="0"/>
-              <a:t>quantity</a:t>
-            </a:r>
-            <a:endParaRPr lang="en-US" dirty="0" smtClean="0"/>
-          </a:p>
-          <a:p>
-            <a:pPr marL="285750" indent="-285750">
-              <a:buFont typeface="Wingdings" charset="2"/>
-              <a:buChar char="Ø"/>
-            </a:pPr>
-            <a:r>
-              <a:rPr lang="en-US" dirty="0" err="1"/>
-              <a:t>purchaseamount</a:t>
-            </a:r>
-            <a:r>
-              <a:rPr lang="en-US" dirty="0"/>
-              <a:t> </a:t>
-            </a:r>
-            <a:r>
-              <a:rPr lang="en-US" dirty="0" smtClean="0"/>
-              <a:t>                           </a:t>
-            </a:r>
-            <a:r>
-              <a:rPr lang="en-US" dirty="0" err="1" smtClean="0"/>
-              <a:t>purchasequantity</a:t>
-            </a:r>
-            <a:endParaRPr lang="en-US" dirty="0" smtClean="0"/>
-          </a:p>
-          <a:p>
-            <a:pPr marL="285750" indent="-285750">
-              <a:buFont typeface="Wingdings" charset="2"/>
-              <a:buChar char="Ø"/>
-            </a:pPr>
-            <a:r>
-              <a:rPr lang="en-US" dirty="0" err="1"/>
-              <a:t>total_trans_purchaseamount_avg</a:t>
-            </a:r>
-            <a:r>
-              <a:rPr lang="en-US" dirty="0"/>
-              <a:t> </a:t>
-            </a:r>
-            <a:r>
-              <a:rPr lang="en-US" dirty="0" err="1"/>
-              <a:t>purchaseamount_category_avg</a:t>
-            </a:r>
-            <a:endParaRPr lang="en-US" dirty="0" smtClean="0"/>
-          </a:p>
-          <a:p>
-            <a:pPr marL="285750" indent="-285750">
-              <a:buFont typeface="Wingdings" charset="2"/>
-              <a:buChar char="Ø"/>
-            </a:pPr>
-            <a:r>
-              <a:rPr lang="en-US" dirty="0" err="1"/>
-              <a:t>total_transactions_count</a:t>
-            </a:r>
-            <a:endParaRPr lang="en-US" dirty="0" smtClean="0"/>
-          </a:p>
-          <a:p>
-            <a:pPr marL="285750" indent="-285750">
-              <a:buFont typeface="Wingdings" charset="2"/>
-              <a:buChar char="Ø"/>
-            </a:pPr>
-            <a:r>
-              <a:rPr lang="en-US" dirty="0" err="1"/>
-              <a:t>total_purcahse_company_count</a:t>
-            </a:r>
-            <a:r>
-              <a:rPr lang="en-US" dirty="0"/>
-              <a:t>              </a:t>
-            </a:r>
-            <a:r>
-              <a:rPr lang="en-US" dirty="0" err="1"/>
-              <a:t>total_purcahse_category_count</a:t>
-            </a:r>
-            <a:r>
-              <a:rPr lang="en-US" dirty="0"/>
-              <a:t>             </a:t>
-            </a:r>
-            <a:r>
-              <a:rPr lang="en-US" dirty="0" err="1" smtClean="0"/>
-              <a:t>total_purcahse_brand_count</a:t>
-            </a:r>
-            <a:endParaRPr lang="en-US" dirty="0" smtClean="0"/>
-          </a:p>
-          <a:p>
-            <a:pPr marL="285750" indent="-285750">
-              <a:buFont typeface="Wingdings" charset="2"/>
-              <a:buChar char="Ø"/>
-            </a:pPr>
-            <a:endParaRPr lang="en-US" dirty="0"/>
-          </a:p>
-        </p:txBody>
-      </p:sp>
-      <p:sp>
-        <p:nvSpPr>
-          <p:cNvPr id="9" name="Footer Placeholder 8"/>
-          <p:cNvSpPr>
-            <a:spLocks noGrp="1"/>
-          </p:cNvSpPr>
-          <p:nvPr>
-            <p:ph type="ftr" sz="quarter" idx="11"/>
-          </p:nvPr>
-        </p:nvSpPr>
-        <p:spPr/>
-        <p:txBody>
-          <a:bodyPr/>
-          <a:lstStyle/>
-          <a:p>
-            <a:r>
-              <a:rPr lang="en-US" dirty="0" smtClean="0"/>
-              <a:t>Acquire Valued Customers</a:t>
-            </a:r>
-            <a:endParaRPr lang="en-US" dirty="0"/>
-          </a:p>
-        </p:txBody>
-      </p:sp>
-      <p:sp>
-        <p:nvSpPr>
-          <p:cNvPr id="10" name="Slide Number Placeholder 9"/>
-          <p:cNvSpPr>
-            <a:spLocks noGrp="1"/>
-          </p:cNvSpPr>
-          <p:nvPr>
-            <p:ph type="sldNum" sz="quarter" idx="12"/>
-          </p:nvPr>
-        </p:nvSpPr>
-        <p:spPr/>
-        <p:txBody>
-          <a:bodyPr/>
-          <a:lstStyle/>
-          <a:p>
-            <a:fld id="{60EF466A-EEA5-8240-8FEF-ED01E632D46D}" type="slidenum">
-              <a:rPr lang="en-US" smtClean="0"/>
-              <a:t>16</a:t>
-            </a:fld>
-            <a:endParaRPr lang="en-US"/>
-          </a:p>
-        </p:txBody>
-      </p:sp>
-      <p:sp>
-        <p:nvSpPr>
-          <p:cNvPr id="5" name="TextBox 4"/>
-          <p:cNvSpPr txBox="1"/>
-          <p:nvPr/>
-        </p:nvSpPr>
-        <p:spPr>
-          <a:xfrm>
-            <a:off x="5917323" y="1434662"/>
-            <a:ext cx="5917325" cy="4832092"/>
-          </a:xfrm>
-          <a:prstGeom prst="rect">
-            <a:avLst/>
-          </a:prstGeom>
-          <a:noFill/>
-        </p:spPr>
-        <p:txBody>
-          <a:bodyPr wrap="square" rtlCol="0">
-            <a:spAutoFit/>
-          </a:bodyPr>
-          <a:lstStyle/>
-          <a:p>
-            <a:pPr marL="285750" indent="-285750">
-              <a:buFont typeface="Wingdings" charset="2"/>
-              <a:buChar char="Ø"/>
-            </a:pPr>
-            <a:r>
-              <a:rPr lang="en-US" sz="2200" dirty="0"/>
-              <a:t>[1,3,6,9,12]_</a:t>
-            </a:r>
-            <a:r>
-              <a:rPr lang="en-US" sz="2200" dirty="0" err="1" smtClean="0"/>
-              <a:t>month_total_purchase_amt</a:t>
-            </a:r>
-            <a:endParaRPr lang="en-US" sz="2200" dirty="0" smtClean="0"/>
-          </a:p>
-          <a:p>
-            <a:pPr marL="285750" indent="-285750">
-              <a:buFont typeface="Wingdings" charset="2"/>
-              <a:buChar char="Ø"/>
-            </a:pPr>
-            <a:endParaRPr lang="en-US" sz="2200" dirty="0" smtClean="0"/>
-          </a:p>
-          <a:p>
-            <a:pPr marL="285750" indent="-285750">
-              <a:buFont typeface="Wingdings" charset="2"/>
-              <a:buChar char="Ø"/>
-            </a:pPr>
-            <a:r>
-              <a:rPr lang="en-US" sz="2200" dirty="0" err="1"/>
-              <a:t>category_purchased_amt</a:t>
-            </a:r>
-            <a:r>
-              <a:rPr lang="en-US" sz="2200" dirty="0"/>
-              <a:t>_[</a:t>
-            </a:r>
-            <a:r>
-              <a:rPr lang="en-US" sz="2200" dirty="0" smtClean="0"/>
-              <a:t>30,90,180,270]days </a:t>
-            </a:r>
-            <a:r>
-              <a:rPr lang="en-US" sz="2200" dirty="0" err="1" smtClean="0"/>
-              <a:t>category_purchased_qty</a:t>
-            </a:r>
-            <a:r>
-              <a:rPr lang="en-US" sz="2200" dirty="0"/>
-              <a:t>_[30,90,180,270]days </a:t>
-            </a:r>
-            <a:endParaRPr lang="en-US" sz="2200" dirty="0" smtClean="0"/>
-          </a:p>
-          <a:p>
-            <a:pPr marL="285750" indent="-285750">
-              <a:buFont typeface="Wingdings" charset="2"/>
-              <a:buChar char="Ø"/>
-            </a:pPr>
-            <a:endParaRPr lang="en-US" sz="2200" dirty="0" smtClean="0"/>
-          </a:p>
-          <a:p>
-            <a:pPr marL="285750" indent="-285750">
-              <a:buFont typeface="Wingdings" charset="2"/>
-              <a:buChar char="Ø"/>
-            </a:pPr>
-            <a:r>
-              <a:rPr lang="en-US" sz="2200" dirty="0" err="1"/>
-              <a:t>company_purchased_amt</a:t>
-            </a:r>
-            <a:r>
-              <a:rPr lang="en-US" sz="2200" dirty="0"/>
-              <a:t>_[</a:t>
-            </a:r>
-            <a:r>
-              <a:rPr lang="en-US" sz="2200" dirty="0" smtClean="0"/>
-              <a:t>30,90,180,270]days </a:t>
-            </a:r>
-            <a:r>
-              <a:rPr lang="en-US" sz="2200" dirty="0" err="1" smtClean="0"/>
-              <a:t>company_purchased_qty</a:t>
-            </a:r>
-            <a:r>
-              <a:rPr lang="en-US" sz="2200" dirty="0"/>
-              <a:t>_[</a:t>
-            </a:r>
-            <a:r>
-              <a:rPr lang="en-US" sz="2200" dirty="0" smtClean="0"/>
-              <a:t>30,90,180,270]days</a:t>
-            </a:r>
-          </a:p>
-          <a:p>
-            <a:pPr marL="285750" indent="-285750">
-              <a:buFont typeface="Wingdings" charset="2"/>
-              <a:buChar char="Ø"/>
-            </a:pPr>
-            <a:endParaRPr lang="en-US" sz="2200" dirty="0"/>
-          </a:p>
-          <a:p>
-            <a:pPr marL="285750" indent="-285750">
-              <a:buFont typeface="Wingdings" charset="2"/>
-              <a:buChar char="Ø"/>
-            </a:pPr>
-            <a:r>
-              <a:rPr lang="en-US" sz="2200" dirty="0" err="1"/>
-              <a:t>brand_purchased_amt</a:t>
-            </a:r>
-            <a:r>
-              <a:rPr lang="en-US" sz="2200" dirty="0"/>
-              <a:t>_[</a:t>
-            </a:r>
-            <a:r>
-              <a:rPr lang="en-US" sz="2200" dirty="0" smtClean="0"/>
-              <a:t>30,90,180,270]days </a:t>
-            </a:r>
-            <a:r>
-              <a:rPr lang="en-US" sz="2200" dirty="0" err="1" smtClean="0"/>
-              <a:t>brand_purchased_qty</a:t>
-            </a:r>
-            <a:r>
-              <a:rPr lang="en-US" sz="2200" dirty="0"/>
-              <a:t>_[</a:t>
-            </a:r>
-            <a:r>
-              <a:rPr lang="en-US" sz="2200" dirty="0" smtClean="0"/>
-              <a:t>30,90,180,270]days</a:t>
-            </a:r>
-          </a:p>
-          <a:p>
-            <a:pPr marL="285750" indent="-285750">
-              <a:buFont typeface="Wingdings" charset="2"/>
-              <a:buChar char="Ø"/>
-            </a:pPr>
-            <a:endParaRPr lang="en-US" sz="2200" dirty="0" smtClean="0"/>
-          </a:p>
-          <a:p>
-            <a:pPr marL="285750" indent="-285750">
-              <a:buFont typeface="Wingdings" charset="2"/>
-              <a:buChar char="Ø"/>
-            </a:pPr>
-            <a:r>
-              <a:rPr lang="en-US" sz="2200" dirty="0" err="1" smtClean="0"/>
-              <a:t>purchased_company_category_brand_count</a:t>
-            </a:r>
-            <a:r>
-              <a:rPr lang="en-US" sz="2200" dirty="0" smtClean="0"/>
-              <a:t> </a:t>
-            </a:r>
-            <a:r>
-              <a:rPr lang="en-US" sz="2200" dirty="0" err="1" smtClean="0"/>
-              <a:t>purchased_company_category_count</a:t>
-            </a:r>
-            <a:endParaRPr lang="en-US" sz="2200" dirty="0"/>
-          </a:p>
-          <a:p>
-            <a:pPr marL="285750" indent="-285750">
-              <a:buFont typeface="Wingdings" charset="2"/>
-              <a:buChar char="Ø"/>
-            </a:pPr>
-            <a:endParaRPr lang="en-US" sz="2200" dirty="0"/>
-          </a:p>
-        </p:txBody>
-      </p:sp>
-    </p:spTree>
-    <p:extLst>
-      <p:ext uri="{BB962C8B-B14F-4D97-AF65-F5344CB8AC3E}">
-        <p14:creationId xmlns:p14="http://schemas.microsoft.com/office/powerpoint/2010/main" val="514492617"/>
-      </p:ext>
-    </p:extLst>
-  </p:cSld>
-  <p:clrMapOvr>
-    <a:masterClrMapping/>
-  </p:clrMapOvr>
-  <mc:AlternateContent xmlns:mc="http://schemas.openxmlformats.org/markup-compatibility/2006" xmlns:p14="http://schemas.microsoft.com/office/powerpoint/2010/main">
-    <mc:Choice Requires="p14">
-      <p:transition spd="slow" p14:dur="1400">
-        <p14:doors dir="vert"/>
-      </p:transition>
-    </mc:Choice>
-    <mc:Fallback xmlns="">
-      <p:transition spd="slow">
-        <p:fade/>
-      </p:transition>
-    </mc:Fallback>
-  </mc:AlternateContent>
-  <p:timing>
-    <p:tnLst>
-      <p:par>
-        <p:cTn id="1" dur="indefinite" restart="never" nodeType="tmRoot"/>
-      </p:par>
-    </p:tnLst>
-  </p:timing>
-</p:sld>
-</file>
-
-<file path=ppt/slides/slide17.xml><?xml version="1.0" encoding="utf-8"?>
-<p:sld xmlns:a="http://schemas.openxmlformats.org/drawingml/2006/main" xmlns:r="http://schemas.openxmlformats.org/officeDocument/2006/relationships" xmlns:p="http://schemas.openxmlformats.org/presentationml/2006/main" showMasterSp="0">
-  <p:cSld>
-    <p:spTree>
-      <p:nvGrpSpPr>
-        <p:cNvPr id="1" name=""/>
-        <p:cNvGrpSpPr/>
-        <p:nvPr/>
-      </p:nvGrpSpPr>
-      <p:grpSpPr>
-        <a:xfrm>
-          <a:off x="0" y="0"/>
-          <a:ext cx="0" cy="0"/>
-          <a:chOff x="0" y="0"/>
-          <a:chExt cx="0" cy="0"/>
-        </a:xfrm>
-      </p:grpSpPr>
-      <p:sp>
-        <p:nvSpPr>
-          <p:cNvPr id="2" name="Title 1"/>
-          <p:cNvSpPr>
-            <a:spLocks noGrp="1"/>
-          </p:cNvSpPr>
-          <p:nvPr>
-            <p:ph type="title"/>
-          </p:nvPr>
-        </p:nvSpPr>
         <p:spPr/>
         <p:txBody>
           <a:bodyPr/>
@@ -12074,7 +11734,7 @@
             <p:ph idx="1"/>
             <p:extLst>
               <p:ext uri="{D42A27DB-BD31-4B8C-83A1-F6EECF244321}">
-                <p14:modId xmlns:p14="http://schemas.microsoft.com/office/powerpoint/2010/main" val="226156680"/>
+                <p14:modId xmlns:p14="http://schemas.microsoft.com/office/powerpoint/2010/main" val="849075420"/>
               </p:ext>
             </p:extLst>
           </p:nvPr>
@@ -12194,7 +11854,7 @@
                     <a:p>
                       <a:r>
                         <a:rPr lang="nb-NO" dirty="0" smtClean="0"/>
-                        <a:t>0.5192</a:t>
+                        <a:t>0.5290</a:t>
                       </a:r>
                       <a:endParaRPr lang="en-US" dirty="0"/>
                     </a:p>
@@ -12208,7 +11868,7 @@
                     <a:p>
                       <a:r>
                         <a:rPr lang="nb-NO" dirty="0" smtClean="0"/>
-                        <a:t>0.5556</a:t>
+                        <a:t>0.5621</a:t>
                       </a:r>
                       <a:endParaRPr lang="en-US" dirty="0"/>
                     </a:p>
@@ -12239,7 +11899,7 @@
                       </a:pPr>
                       <a:r>
                         <a:rPr lang="nb-NO" dirty="0" smtClean="0"/>
-                        <a:t>0.6677</a:t>
+                        <a:t>0.6599</a:t>
                       </a:r>
                       <a:endParaRPr lang="en-US" dirty="0"/>
                     </a:p>
@@ -12291,7 +11951,7 @@
           <a:p>
             <a:fld id="{60EF466A-EEA5-8240-8FEF-ED01E632D46D}" type="slidenum">
               <a:rPr lang="en-US" smtClean="0"/>
-              <a:t>17</a:t>
+              <a:t>15</a:t>
             </a:fld>
             <a:endParaRPr lang="en-US"/>
           </a:p>
@@ -12431,6 +12091,492 @@
     <p:extLst>
       <p:ext uri="{BB962C8B-B14F-4D97-AF65-F5344CB8AC3E}">
         <p14:creationId xmlns:p14="http://schemas.microsoft.com/office/powerpoint/2010/main" val="93532280"/>
+      </p:ext>
+    </p:extLst>
+  </p:cSld>
+  <p:clrMapOvr>
+    <a:masterClrMapping/>
+  </p:clrMapOvr>
+  <mc:AlternateContent xmlns:mc="http://schemas.openxmlformats.org/markup-compatibility/2006" xmlns:p14="http://schemas.microsoft.com/office/powerpoint/2010/main">
+    <mc:Choice Requires="p14">
+      <p:transition spd="slow" p14:dur="1400">
+        <p14:doors dir="vert"/>
+      </p:transition>
+    </mc:Choice>
+    <mc:Fallback xmlns="">
+      <p:transition spd="slow">
+        <p:fade/>
+      </p:transition>
+    </mc:Fallback>
+  </mc:AlternateContent>
+  <p:timing>
+    <p:tnLst>
+      <p:par>
+        <p:cTn id="1" dur="indefinite" restart="never" nodeType="tmRoot"/>
+      </p:par>
+    </p:tnLst>
+  </p:timing>
+</p:sld>
+</file>
+
+<file path=ppt/slides/slide16.xml><?xml version="1.0" encoding="utf-8"?>
+<p:sld xmlns:a="http://schemas.openxmlformats.org/drawingml/2006/main" xmlns:r="http://schemas.openxmlformats.org/officeDocument/2006/relationships" xmlns:p="http://schemas.openxmlformats.org/presentationml/2006/main">
+  <p:cSld>
+    <p:spTree>
+      <p:nvGrpSpPr>
+        <p:cNvPr id="1" name=""/>
+        <p:cNvGrpSpPr/>
+        <p:nvPr/>
+      </p:nvGrpSpPr>
+      <p:grpSpPr>
+        <a:xfrm>
+          <a:off x="0" y="0"/>
+          <a:ext cx="0" cy="0"/>
+          <a:chOff x="0" y="0"/>
+          <a:chExt cx="0" cy="0"/>
+        </a:xfrm>
+      </p:grpSpPr>
+      <p:sp>
+        <p:nvSpPr>
+          <p:cNvPr id="2" name="Title 1"/>
+          <p:cNvSpPr>
+            <a:spLocks noGrp="1"/>
+          </p:cNvSpPr>
+          <p:nvPr>
+            <p:ph type="title"/>
+          </p:nvPr>
+        </p:nvSpPr>
+        <p:spPr>
+          <a:xfrm>
+            <a:off x="838200" y="365125"/>
+            <a:ext cx="10515600" cy="864585"/>
+          </a:xfrm>
+        </p:spPr>
+        <p:txBody>
+          <a:bodyPr/>
+          <a:lstStyle/>
+          <a:p>
+            <a:r>
+              <a:rPr lang="en-US" dirty="0"/>
+              <a:t>Model </a:t>
+            </a:r>
+            <a:r>
+              <a:rPr lang="en-US" dirty="0" smtClean="0"/>
+              <a:t>Evaluation &amp; Selection</a:t>
+            </a:r>
+            <a:endParaRPr lang="en-US" dirty="0"/>
+          </a:p>
+        </p:txBody>
+      </p:sp>
+      <p:sp>
+        <p:nvSpPr>
+          <p:cNvPr id="7" name="Footer Placeholder 6"/>
+          <p:cNvSpPr>
+            <a:spLocks noGrp="1"/>
+          </p:cNvSpPr>
+          <p:nvPr>
+            <p:ph type="ftr" sz="quarter" idx="11"/>
+          </p:nvPr>
+        </p:nvSpPr>
+        <p:spPr/>
+        <p:txBody>
+          <a:bodyPr/>
+          <a:lstStyle/>
+          <a:p>
+            <a:r>
+              <a:rPr lang="en-US" smtClean="0"/>
+              <a:t>Acquire Valued Customers</a:t>
+            </a:r>
+            <a:endParaRPr lang="en-US"/>
+          </a:p>
+        </p:txBody>
+      </p:sp>
+      <p:sp>
+        <p:nvSpPr>
+          <p:cNvPr id="8" name="Slide Number Placeholder 7"/>
+          <p:cNvSpPr>
+            <a:spLocks noGrp="1"/>
+          </p:cNvSpPr>
+          <p:nvPr>
+            <p:ph type="sldNum" sz="quarter" idx="12"/>
+          </p:nvPr>
+        </p:nvSpPr>
+        <p:spPr/>
+        <p:txBody>
+          <a:bodyPr/>
+          <a:lstStyle/>
+          <a:p>
+            <a:fld id="{60EF466A-EEA5-8240-8FEF-ED01E632D46D}" type="slidenum">
+              <a:rPr lang="en-US" smtClean="0"/>
+              <a:t>16</a:t>
+            </a:fld>
+            <a:endParaRPr lang="en-US"/>
+          </a:p>
+        </p:txBody>
+      </p:sp>
+      <p:pic>
+        <p:nvPicPr>
+          <p:cNvPr id="15" name="Content Placeholder 14"/>
+          <p:cNvPicPr>
+            <a:picLocks noGrp="1" noChangeAspect="1"/>
+          </p:cNvPicPr>
+          <p:nvPr>
+            <p:ph idx="1"/>
+          </p:nvPr>
+        </p:nvPicPr>
+        <p:blipFill>
+          <a:blip r:embed="rId2">
+            <a:extLst>
+              <a:ext uri="{28A0092B-C50C-407E-A947-70E740481C1C}">
+                <a14:useLocalDpi xmlns:a14="http://schemas.microsoft.com/office/drawing/2010/main" val="0"/>
+              </a:ext>
+            </a:extLst>
+          </a:blip>
+          <a:stretch>
+            <a:fillRect/>
+          </a:stretch>
+        </p:blipFill>
+        <p:spPr>
+          <a:xfrm>
+            <a:off x="273268" y="1229710"/>
+            <a:ext cx="10531365" cy="4888035"/>
+          </a:xfrm>
+        </p:spPr>
+      </p:pic>
+    </p:spTree>
+    <p:extLst>
+      <p:ext uri="{BB962C8B-B14F-4D97-AF65-F5344CB8AC3E}">
+        <p14:creationId xmlns:p14="http://schemas.microsoft.com/office/powerpoint/2010/main" val="1490942521"/>
+      </p:ext>
+    </p:extLst>
+  </p:cSld>
+  <p:clrMapOvr>
+    <a:masterClrMapping/>
+  </p:clrMapOvr>
+  <mc:AlternateContent xmlns:mc="http://schemas.openxmlformats.org/markup-compatibility/2006" xmlns:p14="http://schemas.microsoft.com/office/powerpoint/2010/main">
+    <mc:Choice Requires="p14">
+      <p:transition spd="slow" p14:dur="1400">
+        <p14:doors dir="vert"/>
+      </p:transition>
+    </mc:Choice>
+    <mc:Fallback xmlns="">
+      <p:transition spd="slow">
+        <p:fade/>
+      </p:transition>
+    </mc:Fallback>
+  </mc:AlternateContent>
+  <p:timing>
+    <p:tnLst>
+      <p:par>
+        <p:cTn id="1" dur="indefinite" restart="never" nodeType="tmRoot"/>
+      </p:par>
+    </p:tnLst>
+  </p:timing>
+</p:sld>
+</file>
+
+<file path=ppt/slides/slide17.xml><?xml version="1.0" encoding="utf-8"?>
+<p:sld xmlns:a="http://schemas.openxmlformats.org/drawingml/2006/main" xmlns:r="http://schemas.openxmlformats.org/officeDocument/2006/relationships" xmlns:p="http://schemas.openxmlformats.org/presentationml/2006/main">
+  <p:cSld>
+    <p:spTree>
+      <p:nvGrpSpPr>
+        <p:cNvPr id="1" name=""/>
+        <p:cNvGrpSpPr/>
+        <p:nvPr/>
+      </p:nvGrpSpPr>
+      <p:grpSpPr>
+        <a:xfrm>
+          <a:off x="0" y="0"/>
+          <a:ext cx="0" cy="0"/>
+          <a:chOff x="0" y="0"/>
+          <a:chExt cx="0" cy="0"/>
+        </a:xfrm>
+      </p:grpSpPr>
+      <p:sp>
+        <p:nvSpPr>
+          <p:cNvPr id="2" name="Title 1"/>
+          <p:cNvSpPr>
+            <a:spLocks noGrp="1"/>
+          </p:cNvSpPr>
+          <p:nvPr>
+            <p:ph type="title"/>
+          </p:nvPr>
+        </p:nvSpPr>
+        <p:spPr/>
+        <p:txBody>
+          <a:bodyPr/>
+          <a:lstStyle/>
+          <a:p>
+            <a:r>
+              <a:rPr lang="en-US" dirty="0" smtClean="0"/>
+              <a:t>Recommendations to Clients</a:t>
+            </a:r>
+            <a:endParaRPr lang="en-US" dirty="0"/>
+          </a:p>
+        </p:txBody>
+      </p:sp>
+      <p:sp>
+        <p:nvSpPr>
+          <p:cNvPr id="3" name="Content Placeholder 2"/>
+          <p:cNvSpPr>
+            <a:spLocks noGrp="1"/>
+          </p:cNvSpPr>
+          <p:nvPr>
+            <p:ph idx="1"/>
+          </p:nvPr>
+        </p:nvSpPr>
+        <p:spPr>
+          <a:xfrm>
+            <a:off x="974834" y="1534511"/>
+            <a:ext cx="10810941" cy="4779262"/>
+          </a:xfrm>
+        </p:spPr>
+        <p:txBody>
+          <a:bodyPr>
+            <a:normAutofit/>
+          </a:bodyPr>
+          <a:lstStyle/>
+          <a:p>
+            <a:pPr>
+              <a:buClr>
+                <a:schemeClr val="tx1"/>
+              </a:buClr>
+              <a:buFont typeface="Wingdings" charset="2"/>
+              <a:buChar char="Ø"/>
+            </a:pPr>
+            <a:r>
+              <a:rPr lang="en-US" sz="2400" dirty="0" smtClean="0"/>
+              <a:t> Factors </a:t>
+            </a:r>
+            <a:r>
+              <a:rPr lang="en-US" sz="2400" dirty="0"/>
+              <a:t>Influencing </a:t>
+            </a:r>
+            <a:r>
+              <a:rPr lang="en-US" sz="2400" dirty="0" smtClean="0"/>
+              <a:t>customers purchases</a:t>
+            </a:r>
+          </a:p>
+          <a:p>
+            <a:pPr lvl="1">
+              <a:buClr>
+                <a:schemeClr val="tx1"/>
+              </a:buClr>
+              <a:buFont typeface="Wingdings" charset="2"/>
+              <a:buChar char="§"/>
+            </a:pPr>
+            <a:r>
+              <a:rPr lang="en-US" sz="1800" dirty="0" smtClean="0"/>
+              <a:t>Average </a:t>
+            </a:r>
+            <a:r>
+              <a:rPr lang="en-US" sz="1800" dirty="0" smtClean="0"/>
+              <a:t>spending </a:t>
+            </a:r>
+            <a:r>
+              <a:rPr lang="en-US" sz="1800" dirty="0" smtClean="0"/>
+              <a:t>of Customer over a period of time</a:t>
+            </a:r>
+          </a:p>
+          <a:p>
+            <a:pPr lvl="1">
+              <a:buClr>
+                <a:schemeClr val="tx1"/>
+              </a:buClr>
+              <a:buFont typeface="Wingdings" charset="2"/>
+              <a:buChar char="§"/>
+            </a:pPr>
+            <a:r>
+              <a:rPr lang="en-US" sz="1800" dirty="0"/>
+              <a:t>Recent Purchase trends of </a:t>
+            </a:r>
+            <a:r>
+              <a:rPr lang="en-US" sz="1800" dirty="0" smtClean="0"/>
+              <a:t>Customer (1-3 months of purchases)</a:t>
+            </a:r>
+          </a:p>
+          <a:p>
+            <a:pPr lvl="1">
+              <a:buClr>
+                <a:schemeClr val="tx1"/>
+              </a:buClr>
+              <a:buFont typeface="Wingdings" charset="2"/>
+              <a:buChar char="§"/>
+            </a:pPr>
+            <a:r>
+              <a:rPr lang="en-US" sz="1800" dirty="0" smtClean="0"/>
+              <a:t>Total transactions by a Customer</a:t>
+            </a:r>
+            <a:endParaRPr lang="en-US" sz="1800" dirty="0" smtClean="0"/>
+          </a:p>
+          <a:p>
+            <a:pPr lvl="1">
+              <a:buClr>
+                <a:schemeClr val="tx1"/>
+              </a:buClr>
+              <a:buFont typeface="Wingdings" charset="2"/>
+              <a:buChar char="§"/>
+            </a:pPr>
+            <a:r>
+              <a:rPr lang="en-US" sz="1800" dirty="0"/>
+              <a:t>History of Category, Company, Brand purchases by </a:t>
+            </a:r>
+            <a:r>
+              <a:rPr lang="en-US" sz="1800" dirty="0" smtClean="0"/>
+              <a:t>customer</a:t>
+            </a:r>
+            <a:endParaRPr lang="en-US" sz="1800" dirty="0"/>
+          </a:p>
+          <a:p>
+            <a:pPr lvl="1">
+              <a:buClr>
+                <a:schemeClr val="tx1"/>
+              </a:buClr>
+              <a:buFont typeface="Wingdings" charset="2"/>
+              <a:buChar char="§"/>
+            </a:pPr>
+            <a:endParaRPr lang="en-US" sz="1800" dirty="0" smtClean="0"/>
+          </a:p>
+          <a:p>
+            <a:pPr>
+              <a:buClr>
+                <a:schemeClr val="tx1"/>
+              </a:buClr>
+              <a:buFont typeface="Wingdings" charset="2"/>
+              <a:buChar char="Ø"/>
+            </a:pPr>
+            <a:r>
+              <a:rPr lang="en-US" dirty="0" smtClean="0"/>
+              <a:t> </a:t>
+            </a:r>
+            <a:r>
+              <a:rPr lang="en-US" sz="2400" dirty="0" smtClean="0"/>
+              <a:t>Recommendations to Companies</a:t>
+            </a:r>
+            <a:endParaRPr lang="en-US" sz="1800" dirty="0" smtClean="0"/>
+          </a:p>
+          <a:p>
+            <a:pPr lvl="1">
+              <a:buClr>
+                <a:schemeClr val="tx1"/>
+              </a:buClr>
+              <a:buFont typeface="Wingdings" charset="2"/>
+              <a:buChar char="§"/>
+            </a:pPr>
+            <a:r>
+              <a:rPr lang="en-US" sz="1800" dirty="0" smtClean="0"/>
+              <a:t>Offers are found to be an effective way of improving sales and retaining customers</a:t>
+            </a:r>
+          </a:p>
+          <a:p>
+            <a:pPr lvl="1">
+              <a:buClr>
+                <a:schemeClr val="tx1"/>
+              </a:buClr>
+              <a:buFont typeface="Wingdings" charset="2"/>
+              <a:buChar char="§"/>
+            </a:pPr>
+            <a:r>
+              <a:rPr lang="en-US" sz="1800" dirty="0" smtClean="0"/>
+              <a:t>Choose right Offer </a:t>
+            </a:r>
+            <a:r>
+              <a:rPr lang="en-US" sz="1800" dirty="0" smtClean="0"/>
+              <a:t>on products belonging to Category</a:t>
+            </a:r>
+            <a:r>
+              <a:rPr lang="en-US" sz="1800" dirty="0" smtClean="0"/>
+              <a:t>, Company, Brand</a:t>
+            </a:r>
+          </a:p>
+          <a:p>
+            <a:pPr lvl="1">
+              <a:buClr>
+                <a:schemeClr val="tx1"/>
+              </a:buClr>
+              <a:buFont typeface="Wingdings" charset="2"/>
+              <a:buChar char="§"/>
+            </a:pPr>
+            <a:endParaRPr lang="en-US" dirty="0" smtClean="0"/>
+          </a:p>
+          <a:p>
+            <a:pPr lvl="1">
+              <a:buClr>
+                <a:schemeClr val="tx1"/>
+              </a:buClr>
+              <a:buFont typeface="Wingdings" charset="2"/>
+              <a:buChar char="Ø"/>
+            </a:pPr>
+            <a:endParaRPr lang="en-US" dirty="0" smtClean="0"/>
+          </a:p>
+          <a:p>
+            <a:pPr>
+              <a:buClr>
+                <a:schemeClr val="tx1"/>
+              </a:buClr>
+            </a:pPr>
+            <a:endParaRPr lang="en-US" dirty="0" smtClean="0"/>
+          </a:p>
+          <a:p>
+            <a:pPr>
+              <a:buClr>
+                <a:schemeClr val="tx1"/>
+              </a:buClr>
+            </a:pPr>
+            <a:endParaRPr lang="en-US" dirty="0"/>
+          </a:p>
+        </p:txBody>
+      </p:sp>
+      <p:sp>
+        <p:nvSpPr>
+          <p:cNvPr id="7" name="Footer Placeholder 6"/>
+          <p:cNvSpPr>
+            <a:spLocks noGrp="1"/>
+          </p:cNvSpPr>
+          <p:nvPr>
+            <p:ph type="ftr" sz="quarter" idx="11"/>
+          </p:nvPr>
+        </p:nvSpPr>
+        <p:spPr/>
+        <p:txBody>
+          <a:bodyPr/>
+          <a:lstStyle/>
+          <a:p>
+            <a:r>
+              <a:rPr lang="en-US" smtClean="0"/>
+              <a:t>Acquire Valued Customers</a:t>
+            </a:r>
+            <a:endParaRPr lang="en-US"/>
+          </a:p>
+        </p:txBody>
+      </p:sp>
+      <p:sp>
+        <p:nvSpPr>
+          <p:cNvPr id="8" name="Slide Number Placeholder 7"/>
+          <p:cNvSpPr>
+            <a:spLocks noGrp="1"/>
+          </p:cNvSpPr>
+          <p:nvPr>
+            <p:ph type="sldNum" sz="quarter" idx="12"/>
+          </p:nvPr>
+        </p:nvSpPr>
+        <p:spPr/>
+        <p:txBody>
+          <a:bodyPr/>
+          <a:lstStyle/>
+          <a:p>
+            <a:fld id="{60EF466A-EEA5-8240-8FEF-ED01E632D46D}" type="slidenum">
+              <a:rPr lang="en-US" smtClean="0"/>
+              <a:t>17</a:t>
+            </a:fld>
+            <a:endParaRPr lang="en-US"/>
+          </a:p>
+        </p:txBody>
+      </p:sp>
+    </p:spTree>
+    <p:extLst>
+      <p:ext uri="{BB962C8B-B14F-4D97-AF65-F5344CB8AC3E}">
+        <p14:creationId xmlns:p14="http://schemas.microsoft.com/office/powerpoint/2010/main" val="1914520342"/>
       </p:ext>
     </p:extLst>
   </p:cSld>
@@ -12478,438 +12624,84 @@
       </p:grpSpPr>
       <p:sp>
         <p:nvSpPr>
-          <p:cNvPr id="2" name="Title 1"/>
-          <p:cNvSpPr>
-            <a:spLocks noGrp="1"/>
-          </p:cNvSpPr>
-          <p:nvPr>
-            <p:ph type="title"/>
-          </p:nvPr>
+          <p:cNvPr id="7" name="Footer Placeholder 6"/>
+          <p:cNvSpPr>
+            <a:spLocks noGrp="1"/>
+          </p:cNvSpPr>
+          <p:nvPr>
+            <p:ph type="ftr" sz="quarter" idx="11"/>
+          </p:nvPr>
+        </p:nvSpPr>
+        <p:spPr/>
+        <p:txBody>
+          <a:bodyPr/>
+          <a:lstStyle/>
+          <a:p>
+            <a:r>
+              <a:rPr lang="en-US" smtClean="0"/>
+              <a:t>Acquire Valued Customers</a:t>
+            </a:r>
+            <a:endParaRPr lang="en-US" dirty="0"/>
+          </a:p>
+        </p:txBody>
+      </p:sp>
+      <p:sp>
+        <p:nvSpPr>
+          <p:cNvPr id="8" name="Slide Number Placeholder 7"/>
+          <p:cNvSpPr>
+            <a:spLocks noGrp="1"/>
+          </p:cNvSpPr>
+          <p:nvPr>
+            <p:ph type="sldNum" sz="quarter" idx="12"/>
+          </p:nvPr>
+        </p:nvSpPr>
+        <p:spPr/>
+        <p:txBody>
+          <a:bodyPr/>
+          <a:lstStyle/>
+          <a:p>
+            <a:fld id="{60EF466A-EEA5-8240-8FEF-ED01E632D46D}" type="slidenum">
+              <a:rPr lang="en-US" smtClean="0"/>
+              <a:t>18</a:t>
+            </a:fld>
+            <a:endParaRPr lang="en-US"/>
+          </a:p>
+        </p:txBody>
+      </p:sp>
+      <p:sp>
+        <p:nvSpPr>
+          <p:cNvPr id="6" name="TextBox 5"/>
+          <p:cNvSpPr txBox="1"/>
+          <p:nvPr/>
         </p:nvSpPr>
         <p:spPr>
           <a:xfrm>
-            <a:off x="838200" y="365125"/>
-            <a:ext cx="10515600" cy="864585"/>
+            <a:off x="4615355" y="2722179"/>
+            <a:ext cx="2961290" cy="707886"/>
           </a:xfrm>
+          <a:prstGeom prst="rect">
+            <a:avLst/>
+          </a:prstGeom>
+          <a:noFill/>
         </p:spPr>
         <p:txBody>
-          <a:bodyPr/>
-          <a:lstStyle/>
-          <a:p>
-            <a:r>
-              <a:rPr lang="en-US" dirty="0"/>
-              <a:t>Model </a:t>
-            </a:r>
-            <a:r>
-              <a:rPr lang="en-US" dirty="0" smtClean="0"/>
-              <a:t>Evaluation &amp; Selection</a:t>
-            </a:r>
-            <a:endParaRPr lang="en-US" dirty="0"/>
-          </a:p>
-        </p:txBody>
-      </p:sp>
-      <p:sp>
-        <p:nvSpPr>
-          <p:cNvPr id="7" name="Footer Placeholder 6"/>
-          <p:cNvSpPr>
-            <a:spLocks noGrp="1"/>
-          </p:cNvSpPr>
-          <p:nvPr>
-            <p:ph type="ftr" sz="quarter" idx="11"/>
-          </p:nvPr>
-        </p:nvSpPr>
-        <p:spPr/>
-        <p:txBody>
-          <a:bodyPr/>
-          <a:lstStyle/>
-          <a:p>
-            <a:r>
-              <a:rPr lang="en-US" smtClean="0"/>
-              <a:t>Acquire Valued Customers</a:t>
-            </a:r>
-            <a:endParaRPr lang="en-US"/>
-          </a:p>
-        </p:txBody>
-      </p:sp>
-      <p:sp>
-        <p:nvSpPr>
-          <p:cNvPr id="8" name="Slide Number Placeholder 7"/>
-          <p:cNvSpPr>
-            <a:spLocks noGrp="1"/>
-          </p:cNvSpPr>
-          <p:nvPr>
-            <p:ph type="sldNum" sz="quarter" idx="12"/>
-          </p:nvPr>
-        </p:nvSpPr>
-        <p:spPr/>
-        <p:txBody>
-          <a:bodyPr/>
-          <a:lstStyle/>
-          <a:p>
-            <a:fld id="{60EF466A-EEA5-8240-8FEF-ED01E632D46D}" type="slidenum">
-              <a:rPr lang="en-US" smtClean="0"/>
-              <a:t>18</a:t>
-            </a:fld>
-            <a:endParaRPr lang="en-US"/>
-          </a:p>
-        </p:txBody>
-      </p:sp>
-      <p:pic>
-        <p:nvPicPr>
-          <p:cNvPr id="9" name="Content Placeholder 8"/>
-          <p:cNvPicPr>
-            <a:picLocks noGrp="1" noChangeAspect="1"/>
-          </p:cNvPicPr>
-          <p:nvPr>
-            <p:ph idx="1"/>
-          </p:nvPr>
-        </p:nvPicPr>
-        <p:blipFill>
-          <a:blip r:embed="rId2">
-            <a:extLst>
-              <a:ext uri="{28A0092B-C50C-407E-A947-70E740481C1C}">
-                <a14:useLocalDpi xmlns:a14="http://schemas.microsoft.com/office/drawing/2010/main" val="0"/>
-              </a:ext>
-            </a:extLst>
-          </a:blip>
-          <a:stretch>
-            <a:fillRect/>
-          </a:stretch>
-        </p:blipFill>
-        <p:spPr>
-          <a:xfrm>
-            <a:off x="346841" y="1114095"/>
-            <a:ext cx="11487807" cy="5242255"/>
-          </a:xfrm>
-        </p:spPr>
-      </p:pic>
+          <a:bodyPr wrap="square" rtlCol="0">
+            <a:spAutoFit/>
+          </a:bodyPr>
+          <a:lstStyle/>
+          <a:p>
+            <a:r>
+              <a:rPr lang="en-US" sz="4000" dirty="0" smtClean="0"/>
+              <a:t>Thank You.</a:t>
+            </a:r>
+            <a:endParaRPr lang="en-US" sz="4000" dirty="0"/>
+          </a:p>
+        </p:txBody>
+      </p:sp>
     </p:spTree>
     <p:extLst>
       <p:ext uri="{BB962C8B-B14F-4D97-AF65-F5344CB8AC3E}">
-        <p14:creationId xmlns:p14="http://schemas.microsoft.com/office/powerpoint/2010/main" val="1490942521"/>
-      </p:ext>
-    </p:extLst>
-  </p:cSld>
-  <p:clrMapOvr>
-    <a:masterClrMapping/>
-  </p:clrMapOvr>
-  <mc:AlternateContent xmlns:mc="http://schemas.openxmlformats.org/markup-compatibility/2006" xmlns:p14="http://schemas.microsoft.com/office/powerpoint/2010/main">
-    <mc:Choice Requires="p14">
-      <p:transition spd="slow" p14:dur="1400">
-        <p14:doors dir="vert"/>
-      </p:transition>
-    </mc:Choice>
-    <mc:Fallback xmlns="">
-      <p:transition spd="slow">
-        <p:fade/>
-      </p:transition>
-    </mc:Fallback>
-  </mc:AlternateContent>
-  <p:timing>
-    <p:tnLst>
-      <p:par>
-        <p:cTn id="1" dur="indefinite" restart="never" nodeType="tmRoot"/>
-      </p:par>
-    </p:tnLst>
-  </p:timing>
-</p:sld>
-</file>
-
-<file path=ppt/slides/slide19.xml><?xml version="1.0" encoding="utf-8"?>
-<p:sld xmlns:a="http://schemas.openxmlformats.org/drawingml/2006/main" xmlns:r="http://schemas.openxmlformats.org/officeDocument/2006/relationships" xmlns:p="http://schemas.openxmlformats.org/presentationml/2006/main">
-  <p:cSld>
-    <p:spTree>
-      <p:nvGrpSpPr>
-        <p:cNvPr id="1" name=""/>
-        <p:cNvGrpSpPr/>
-        <p:nvPr/>
-      </p:nvGrpSpPr>
-      <p:grpSpPr>
-        <a:xfrm>
-          <a:off x="0" y="0"/>
-          <a:ext cx="0" cy="0"/>
-          <a:chOff x="0" y="0"/>
-          <a:chExt cx="0" cy="0"/>
-        </a:xfrm>
-      </p:grpSpPr>
-      <p:sp>
-        <p:nvSpPr>
-          <p:cNvPr id="2" name="Title 1"/>
-          <p:cNvSpPr>
-            <a:spLocks noGrp="1"/>
-          </p:cNvSpPr>
-          <p:nvPr>
-            <p:ph type="title"/>
-          </p:nvPr>
-        </p:nvSpPr>
-        <p:spPr/>
-        <p:txBody>
-          <a:bodyPr/>
-          <a:lstStyle/>
-          <a:p>
-            <a:r>
-              <a:rPr lang="en-US" dirty="0" smtClean="0"/>
-              <a:t>Recommendations to Clients</a:t>
-            </a:r>
-            <a:endParaRPr lang="en-US" dirty="0"/>
-          </a:p>
-        </p:txBody>
-      </p:sp>
-      <p:sp>
-        <p:nvSpPr>
-          <p:cNvPr id="3" name="Content Placeholder 2"/>
-          <p:cNvSpPr>
-            <a:spLocks noGrp="1"/>
-          </p:cNvSpPr>
-          <p:nvPr>
-            <p:ph idx="1"/>
-          </p:nvPr>
-        </p:nvSpPr>
-        <p:spPr>
-          <a:xfrm>
-            <a:off x="974834" y="1534511"/>
-            <a:ext cx="10810941" cy="4779262"/>
-          </a:xfrm>
-        </p:spPr>
-        <p:txBody>
-          <a:bodyPr>
-            <a:normAutofit/>
-          </a:bodyPr>
-          <a:lstStyle/>
-          <a:p>
-            <a:pPr>
-              <a:buClr>
-                <a:schemeClr val="tx1"/>
-              </a:buClr>
-              <a:buFont typeface="Wingdings" charset="2"/>
-              <a:buChar char="Ø"/>
-            </a:pPr>
-            <a:r>
-              <a:rPr lang="en-US" sz="2400" dirty="0" smtClean="0"/>
-              <a:t> Factors </a:t>
-            </a:r>
-            <a:r>
-              <a:rPr lang="en-US" sz="2400" dirty="0"/>
-              <a:t>Influencing </a:t>
-            </a:r>
-            <a:r>
-              <a:rPr lang="en-US" sz="2400" dirty="0" smtClean="0"/>
-              <a:t>customers </a:t>
-            </a:r>
-            <a:r>
-              <a:rPr lang="en-US" sz="2400" dirty="0" smtClean="0"/>
-              <a:t>purchases</a:t>
-            </a:r>
-            <a:endParaRPr lang="en-US" sz="2400" dirty="0" smtClean="0"/>
-          </a:p>
-          <a:p>
-            <a:pPr lvl="1">
-              <a:buClr>
-                <a:schemeClr val="tx1"/>
-              </a:buClr>
-              <a:buFont typeface="Wingdings" charset="2"/>
-              <a:buChar char="§"/>
-            </a:pPr>
-            <a:r>
-              <a:rPr lang="en-US" sz="1800" dirty="0" smtClean="0"/>
-              <a:t>Average customer spending of Customer over a period of time</a:t>
-            </a:r>
-          </a:p>
-          <a:p>
-            <a:pPr lvl="1">
-              <a:buClr>
-                <a:schemeClr val="tx1"/>
-              </a:buClr>
-              <a:buFont typeface="Wingdings" charset="2"/>
-              <a:buChar char="§"/>
-            </a:pPr>
-            <a:r>
-              <a:rPr lang="en-US" sz="1800"/>
-              <a:t>Recent Purchase trends of customer</a:t>
-            </a:r>
-            <a:r>
-              <a:rPr lang="en-US" sz="1800"/>
-              <a:t> </a:t>
-            </a:r>
-            <a:endParaRPr lang="en-US" sz="1800" dirty="0" smtClean="0"/>
-          </a:p>
-          <a:p>
-            <a:pPr lvl="1">
-              <a:buClr>
-                <a:schemeClr val="tx1"/>
-              </a:buClr>
-              <a:buFont typeface="Wingdings" charset="2"/>
-              <a:buChar char="§"/>
-            </a:pPr>
-            <a:r>
-              <a:rPr lang="en-US" sz="1800" dirty="0"/>
-              <a:t>History of Category, Company, Brand purchases by </a:t>
-            </a:r>
-            <a:r>
-              <a:rPr lang="en-US" sz="1800" dirty="0" smtClean="0"/>
-              <a:t>customer</a:t>
-            </a:r>
-            <a:endParaRPr lang="en-US" sz="1800" dirty="0"/>
-          </a:p>
-          <a:p>
-            <a:pPr lvl="1">
-              <a:buClr>
-                <a:schemeClr val="tx1"/>
-              </a:buClr>
-              <a:buFont typeface="Wingdings" charset="2"/>
-              <a:buChar char="§"/>
-            </a:pPr>
-            <a:endParaRPr lang="en-US" sz="1800" dirty="0" smtClean="0"/>
-          </a:p>
-          <a:p>
-            <a:pPr>
-              <a:buClr>
-                <a:schemeClr val="tx1"/>
-              </a:buClr>
-              <a:buFont typeface="Wingdings" charset="2"/>
-              <a:buChar char="Ø"/>
-            </a:pPr>
-            <a:r>
-              <a:rPr lang="en-US" dirty="0" smtClean="0"/>
-              <a:t> </a:t>
-            </a:r>
-            <a:r>
-              <a:rPr lang="en-US" sz="2400" dirty="0" smtClean="0"/>
-              <a:t>Recommendations to </a:t>
-            </a:r>
-            <a:r>
-              <a:rPr lang="en-US" sz="2400" dirty="0" smtClean="0"/>
-              <a:t>Companies</a:t>
-            </a:r>
-            <a:endParaRPr lang="en-US" sz="1800" dirty="0" smtClean="0"/>
-          </a:p>
-          <a:p>
-            <a:pPr lvl="1">
-              <a:buClr>
-                <a:schemeClr val="tx1"/>
-              </a:buClr>
-              <a:buFont typeface="Wingdings" charset="2"/>
-              <a:buChar char="§"/>
-            </a:pPr>
-            <a:r>
-              <a:rPr lang="en-US" sz="1800" dirty="0" smtClean="0"/>
-              <a:t>Offers </a:t>
-            </a:r>
-            <a:r>
-              <a:rPr lang="en-US" sz="1800" dirty="0" smtClean="0"/>
-              <a:t>are found to be an effective way of improving sales and retaining customers</a:t>
-            </a:r>
-            <a:endParaRPr lang="en-US" sz="1800" dirty="0" smtClean="0"/>
-          </a:p>
-          <a:p>
-            <a:pPr lvl="1">
-              <a:buClr>
-                <a:schemeClr val="tx1"/>
-              </a:buClr>
-              <a:buFont typeface="Wingdings" charset="2"/>
-              <a:buChar char="§"/>
-            </a:pPr>
-            <a:r>
-              <a:rPr lang="en-US" sz="1800" dirty="0" smtClean="0"/>
-              <a:t>Choose right </a:t>
-            </a:r>
-            <a:r>
-              <a:rPr lang="en-US" sz="1800" dirty="0" smtClean="0"/>
-              <a:t>Offer for products </a:t>
-            </a:r>
-            <a:r>
-              <a:rPr lang="en-US" sz="1800" dirty="0" smtClean="0"/>
-              <a:t>of Category, Company, Brand</a:t>
-            </a:r>
-          </a:p>
-          <a:p>
-            <a:pPr lvl="1">
-              <a:buClr>
-                <a:schemeClr val="tx1"/>
-              </a:buClr>
-              <a:buFont typeface="Wingdings" charset="2"/>
-              <a:buChar char="§"/>
-            </a:pPr>
-            <a:endParaRPr lang="en-US" dirty="0" smtClean="0"/>
-          </a:p>
-          <a:p>
-            <a:pPr lvl="1">
-              <a:buClr>
-                <a:schemeClr val="tx1"/>
-              </a:buClr>
-              <a:buFont typeface="Wingdings" charset="2"/>
-              <a:buChar char="Ø"/>
-            </a:pPr>
-            <a:endParaRPr lang="en-US" dirty="0" smtClean="0"/>
-          </a:p>
-          <a:p>
-            <a:pPr>
-              <a:buClr>
-                <a:schemeClr val="tx1"/>
-              </a:buClr>
-            </a:pPr>
-            <a:endParaRPr lang="en-US" dirty="0" smtClean="0"/>
-          </a:p>
-          <a:p>
-            <a:pPr>
-              <a:buClr>
-                <a:schemeClr val="tx1"/>
-              </a:buClr>
-            </a:pPr>
-            <a:endParaRPr lang="en-US" dirty="0"/>
-          </a:p>
-        </p:txBody>
-      </p:sp>
-      <p:sp>
-        <p:nvSpPr>
-          <p:cNvPr id="7" name="Footer Placeholder 6"/>
-          <p:cNvSpPr>
-            <a:spLocks noGrp="1"/>
-          </p:cNvSpPr>
-          <p:nvPr>
-            <p:ph type="ftr" sz="quarter" idx="11"/>
-          </p:nvPr>
-        </p:nvSpPr>
-        <p:spPr/>
-        <p:txBody>
-          <a:bodyPr/>
-          <a:lstStyle/>
-          <a:p>
-            <a:r>
-              <a:rPr lang="en-US" smtClean="0"/>
-              <a:t>Acquire Valued Customers</a:t>
-            </a:r>
-            <a:endParaRPr lang="en-US"/>
-          </a:p>
-        </p:txBody>
-      </p:sp>
-      <p:sp>
-        <p:nvSpPr>
-          <p:cNvPr id="8" name="Slide Number Placeholder 7"/>
-          <p:cNvSpPr>
-            <a:spLocks noGrp="1"/>
-          </p:cNvSpPr>
-          <p:nvPr>
-            <p:ph type="sldNum" sz="quarter" idx="12"/>
-          </p:nvPr>
-        </p:nvSpPr>
-        <p:spPr/>
-        <p:txBody>
-          <a:bodyPr/>
-          <a:lstStyle/>
-          <a:p>
-            <a:fld id="{60EF466A-EEA5-8240-8FEF-ED01E632D46D}" type="slidenum">
-              <a:rPr lang="en-US" smtClean="0"/>
-              <a:t>19</a:t>
-            </a:fld>
-            <a:endParaRPr lang="en-US"/>
-          </a:p>
-        </p:txBody>
-      </p:sp>
-    </p:spTree>
-    <p:extLst>
-      <p:ext uri="{BB962C8B-B14F-4D97-AF65-F5344CB8AC3E}">
-        <p14:creationId xmlns:p14="http://schemas.microsoft.com/office/powerpoint/2010/main" val="1914520342"/>
+        <p14:creationId xmlns:p14="http://schemas.microsoft.com/office/powerpoint/2010/main" val="2016379246"/>
       </p:ext>
     </p:extLst>
   </p:cSld>
@@ -13021,7 +12813,11 @@
             </a:pPr>
             <a:r>
               <a:rPr lang="en-US" sz="2400" dirty="0" smtClean="0"/>
-              <a:t>Predict Repeat Customer</a:t>
+              <a:t>Predicting </a:t>
+            </a:r>
+            <a:r>
+              <a:rPr lang="en-US" sz="2400" dirty="0" smtClean="0"/>
+              <a:t>Repeat Customer</a:t>
             </a:r>
           </a:p>
           <a:p>
@@ -13097,12 +12893,21 @@
             </a:pPr>
             <a:r>
               <a:rPr lang="en-US" sz="2200" dirty="0"/>
-              <a:t>This project deals with a subset of original data</a:t>
+              <a:t>This project deals with </a:t>
+            </a:r>
+            <a:r>
+              <a:rPr lang="en-US" sz="2200" dirty="0" smtClean="0"/>
+              <a:t>subset of original dataset with </a:t>
+            </a:r>
+            <a:r>
+              <a:rPr lang="en-US" sz="2200" dirty="0" smtClean="0"/>
+              <a:t>randomly chosen 16000 customer records</a:t>
             </a:r>
             <a:r>
               <a:rPr lang="en-US" sz="2200" dirty="0" smtClean="0"/>
               <a:t>.</a:t>
             </a:r>
+            <a:endParaRPr lang="en-US" sz="2200" dirty="0" smtClean="0"/>
           </a:p>
           <a:p>
             <a:pPr lvl="1">
@@ -13224,131 +13029,6 @@
     <p:extLst>
       <p:ext uri="{BB962C8B-B14F-4D97-AF65-F5344CB8AC3E}">
         <p14:creationId xmlns:p14="http://schemas.microsoft.com/office/powerpoint/2010/main" val="292752860"/>
-      </p:ext>
-    </p:extLst>
-  </p:cSld>
-  <p:clrMapOvr>
-    <a:masterClrMapping/>
-  </p:clrMapOvr>
-  <mc:AlternateContent xmlns:mc="http://schemas.openxmlformats.org/markup-compatibility/2006" xmlns:p14="http://schemas.microsoft.com/office/powerpoint/2010/main">
-    <mc:Choice Requires="p14">
-      <p:transition spd="slow" p14:dur="1400">
-        <p14:doors dir="vert"/>
-      </p:transition>
-    </mc:Choice>
-    <mc:Fallback xmlns="">
-      <p:transition spd="slow">
-        <p:fade/>
-      </p:transition>
-    </mc:Fallback>
-  </mc:AlternateContent>
-  <p:timing>
-    <p:tnLst>
-      <p:par>
-        <p:cTn id="1" dur="indefinite" restart="never" nodeType="tmRoot"/>
-      </p:par>
-    </p:tnLst>
-  </p:timing>
-</p:sld>
-</file>
-
-<file path=ppt/slides/slide20.xml><?xml version="1.0" encoding="utf-8"?>
-<p:sld xmlns:a="http://schemas.openxmlformats.org/drawingml/2006/main" xmlns:r="http://schemas.openxmlformats.org/officeDocument/2006/relationships" xmlns:p="http://schemas.openxmlformats.org/presentationml/2006/main">
-  <p:cSld>
-    <p:spTree>
-      <p:nvGrpSpPr>
-        <p:cNvPr id="1" name=""/>
-        <p:cNvGrpSpPr/>
-        <p:nvPr/>
-      </p:nvGrpSpPr>
-      <p:grpSpPr>
-        <a:xfrm>
-          <a:off x="0" y="0"/>
-          <a:ext cx="0" cy="0"/>
-          <a:chOff x="0" y="0"/>
-          <a:chExt cx="0" cy="0"/>
-        </a:xfrm>
-      </p:grpSpPr>
-      <p:sp>
-        <p:nvSpPr>
-          <p:cNvPr id="7" name="Footer Placeholder 6"/>
-          <p:cNvSpPr>
-            <a:spLocks noGrp="1"/>
-          </p:cNvSpPr>
-          <p:nvPr>
-            <p:ph type="ftr" sz="quarter" idx="11"/>
-          </p:nvPr>
-        </p:nvSpPr>
-        <p:spPr/>
-        <p:txBody>
-          <a:bodyPr/>
-          <a:lstStyle/>
-          <a:p>
-            <a:r>
-              <a:rPr lang="en-US" smtClean="0"/>
-              <a:t>Acquire Valued Customers</a:t>
-            </a:r>
-            <a:endParaRPr lang="en-US" dirty="0"/>
-          </a:p>
-        </p:txBody>
-      </p:sp>
-      <p:sp>
-        <p:nvSpPr>
-          <p:cNvPr id="8" name="Slide Number Placeholder 7"/>
-          <p:cNvSpPr>
-            <a:spLocks noGrp="1"/>
-          </p:cNvSpPr>
-          <p:nvPr>
-            <p:ph type="sldNum" sz="quarter" idx="12"/>
-          </p:nvPr>
-        </p:nvSpPr>
-        <p:spPr/>
-        <p:txBody>
-          <a:bodyPr/>
-          <a:lstStyle/>
-          <a:p>
-            <a:fld id="{60EF466A-EEA5-8240-8FEF-ED01E632D46D}" type="slidenum">
-              <a:rPr lang="en-US" smtClean="0"/>
-              <a:t>20</a:t>
-            </a:fld>
-            <a:endParaRPr lang="en-US"/>
-          </a:p>
-        </p:txBody>
-      </p:sp>
-      <p:sp>
-        <p:nvSpPr>
-          <p:cNvPr id="6" name="TextBox 5"/>
-          <p:cNvSpPr txBox="1"/>
-          <p:nvPr/>
-        </p:nvSpPr>
-        <p:spPr>
-          <a:xfrm>
-            <a:off x="4615355" y="2722179"/>
-            <a:ext cx="2961290" cy="707886"/>
-          </a:xfrm>
-          <a:prstGeom prst="rect">
-            <a:avLst/>
-          </a:prstGeom>
-          <a:noFill/>
-        </p:spPr>
-        <p:txBody>
-          <a:bodyPr wrap="square" rtlCol="0">
-            <a:spAutoFit/>
-          </a:bodyPr>
-          <a:lstStyle/>
-          <a:p>
-            <a:r>
-              <a:rPr lang="en-US" sz="4000" dirty="0" smtClean="0"/>
-              <a:t>Thank You.</a:t>
-            </a:r>
-            <a:endParaRPr lang="en-US" sz="4000" dirty="0"/>
-          </a:p>
-        </p:txBody>
-      </p:sp>
-    </p:spTree>
-    <p:extLst>
-      <p:ext uri="{BB962C8B-B14F-4D97-AF65-F5344CB8AC3E}">
-        <p14:creationId xmlns:p14="http://schemas.microsoft.com/office/powerpoint/2010/main" val="2016379246"/>
       </p:ext>
     </p:extLst>
   </p:cSld>
@@ -13477,7 +13157,6 @@
               <a:rPr lang="en-US" sz="2400" dirty="0" smtClean="0"/>
               <a:t>Subscription Businesses</a:t>
             </a:r>
-            <a:endParaRPr lang="en-US" sz="2400" dirty="0" smtClean="0"/>
           </a:p>
           <a:p>
             <a:pPr lvl="1">
@@ -13537,7 +13216,11 @@
             </a:pPr>
             <a:r>
               <a:rPr lang="en-US" sz="2600" dirty="0" smtClean="0"/>
-              <a:t>Grocery Stores</a:t>
+              <a:t>Grocery </a:t>
+            </a:r>
+            <a:r>
+              <a:rPr lang="en-US" sz="2600" dirty="0" smtClean="0"/>
+              <a:t>Stores</a:t>
             </a:r>
             <a:endParaRPr lang="en-US" sz="2600" dirty="0" smtClean="0"/>
           </a:p>
@@ -13551,12 +13234,25 @@
             </a:pPr>
             <a:r>
               <a:rPr lang="en-US" sz="2200" dirty="0" smtClean="0"/>
-              <a:t>Which </a:t>
+              <a:t>To be able to </a:t>
             </a:r>
             <a:r>
               <a:rPr lang="en-US" sz="2200" dirty="0"/>
-              <a:t>products when offered discount sell more</a:t>
-            </a:r>
+              <a:t>convert </a:t>
+            </a:r>
+            <a:r>
+              <a:rPr lang="en-US" sz="2200" dirty="0" smtClean="0"/>
+              <a:t>customers </a:t>
+            </a:r>
+            <a:r>
+              <a:rPr lang="en-US" sz="2200" dirty="0"/>
+              <a:t>to repeat </a:t>
+            </a:r>
+            <a:r>
+              <a:rPr lang="en-US" sz="2200" dirty="0" smtClean="0"/>
+              <a:t>buyers</a:t>
+            </a:r>
+            <a:endParaRPr lang="en-US" sz="2200" dirty="0"/>
           </a:p>
           <a:p>
             <a:pPr lvl="1">
@@ -13568,21 +13264,13 @@
             </a:pPr>
             <a:r>
               <a:rPr lang="en-US" sz="2200" dirty="0"/>
-              <a:t>Help convert customers to repeat buyers</a:t>
-            </a:r>
-          </a:p>
-          <a:p>
-            <a:pPr lvl="1">
-              <a:buClr>
-                <a:schemeClr val="tx1"/>
-              </a:buClr>
-              <a:buFont typeface="Wingdings" charset="2"/>
-              <a:buChar char="§"/>
-            </a:pPr>
-            <a:r>
-              <a:rPr lang="en-US" sz="2200" dirty="0"/>
-              <a:t>Retain existing customers</a:t>
-            </a:r>
+              <a:t>Retain existing </a:t>
+            </a:r>
+            <a:r>
+              <a:rPr lang="en-US" sz="2200" dirty="0" smtClean="0"/>
+              <a:t>customers</a:t>
+            </a:r>
+            <a:endParaRPr lang="en-US" sz="2200" dirty="0"/>
           </a:p>
           <a:p>
             <a:pPr lvl="1">
@@ -13784,11 +13472,35 @@
             </a:pPr>
             <a:r>
               <a:rPr lang="en-US" dirty="0" smtClean="0"/>
-              <a:t>Acquired dataset is reduced to manageable size </a:t>
+              <a:t>Acquired </a:t>
+            </a:r>
+            <a:r>
+              <a:rPr lang="en-US" smtClean="0"/>
+              <a:t>dataset </a:t>
+            </a:r>
+            <a:r>
+              <a:rPr lang="en-US" smtClean="0"/>
+              <a:t>of 300K customer is </a:t>
             </a:r>
             <a:r>
               <a:rPr lang="en-US" dirty="0" smtClean="0"/>
-              <a:t>with randomly picked customers for </a:t>
+              <a:t>reduced to manageable size </a:t>
+            </a:r>
+            <a:r>
+              <a:rPr lang="en-US" dirty="0"/>
+              <a:t>of randomly picked </a:t>
+            </a:r>
+            <a:r>
+              <a:rPr lang="en-US" dirty="0" smtClean="0"/>
+              <a:t>16000 </a:t>
+            </a:r>
+            <a:r>
+              <a:rPr lang="en-US" dirty="0"/>
+              <a:t>customer records </a:t>
+            </a:r>
+            <a:r>
+              <a:rPr lang="en-US" dirty="0" smtClean="0"/>
+              <a:t>for </a:t>
             </a:r>
             <a:r>
               <a:rPr lang="en-US" dirty="0" smtClean="0"/>
@@ -15313,8 +15025,8 @@
         </p:blipFill>
         <p:spPr>
           <a:xfrm>
-            <a:off x="1250731" y="1399418"/>
-            <a:ext cx="6662592" cy="4974970"/>
+            <a:off x="693683" y="1325846"/>
+            <a:ext cx="5989930" cy="4472692"/>
           </a:xfrm>
         </p:spPr>
       </p:pic>
